--- a/MultiComp (VHDL Template)/Components/SoundGen/Documentation/Sound Generator.pptx
+++ b/MultiComp (VHDL Template)/Components/SoundGen/Documentation/Sound Generator.pptx
@@ -4,21 +4,33 @@
   <p:sldMasterIdLst>
     <p:sldMasterId id="2147483648" r:id="rId1"/>
   </p:sldMasterIdLst>
+  <p:notesMasterIdLst>
+    <p:notesMasterId r:id="rId25"/>
+  </p:notesMasterIdLst>
   <p:sldIdLst>
     <p:sldId id="256" r:id="rId2"/>
-    <p:sldId id="257" r:id="rId3"/>
-    <p:sldId id="258" r:id="rId4"/>
-    <p:sldId id="259" r:id="rId5"/>
-    <p:sldId id="264" r:id="rId6"/>
-    <p:sldId id="263" r:id="rId7"/>
-    <p:sldId id="262" r:id="rId8"/>
-    <p:sldId id="260" r:id="rId9"/>
-    <p:sldId id="261" r:id="rId10"/>
-    <p:sldId id="265" r:id="rId11"/>
-    <p:sldId id="267" r:id="rId12"/>
-    <p:sldId id="266" r:id="rId13"/>
-    <p:sldId id="268" r:id="rId14"/>
-    <p:sldId id="269" r:id="rId15"/>
+    <p:sldId id="273" r:id="rId3"/>
+    <p:sldId id="275" r:id="rId4"/>
+    <p:sldId id="277" r:id="rId5"/>
+    <p:sldId id="274" r:id="rId6"/>
+    <p:sldId id="276" r:id="rId7"/>
+    <p:sldId id="278" r:id="rId8"/>
+    <p:sldId id="257" r:id="rId9"/>
+    <p:sldId id="272" r:id="rId10"/>
+    <p:sldId id="270" r:id="rId11"/>
+    <p:sldId id="271" r:id="rId12"/>
+    <p:sldId id="258" r:id="rId13"/>
+    <p:sldId id="259" r:id="rId14"/>
+    <p:sldId id="264" r:id="rId15"/>
+    <p:sldId id="263" r:id="rId16"/>
+    <p:sldId id="262" r:id="rId17"/>
+    <p:sldId id="260" r:id="rId18"/>
+    <p:sldId id="261" r:id="rId19"/>
+    <p:sldId id="265" r:id="rId20"/>
+    <p:sldId id="267" r:id="rId21"/>
+    <p:sldId id="266" r:id="rId22"/>
+    <p:sldId id="268" r:id="rId23"/>
+    <p:sldId id="269" r:id="rId24"/>
   </p:sldIdLst>
   <p:sldSz cx="9144000" cy="6858000" type="screen4x3"/>
   <p:notesSz cx="6858000" cy="9144000"/>
@@ -118,6 +130,608 @@
     </a:lvl9pPr>
   </p:defaultTextStyle>
 </p:presentation>
+</file>
+
+<file path=ppt/notesMasters/notesMaster1.xml><?xml version="1.0" encoding="utf-8"?>
+<p:notesMaster xmlns:a="http://schemas.openxmlformats.org/drawingml/2006/main" xmlns:r="http://schemas.openxmlformats.org/officeDocument/2006/relationships" xmlns:p="http://schemas.openxmlformats.org/presentationml/2006/main">
+  <p:cSld>
+    <p:bg>
+      <p:bgRef idx="1001">
+        <a:schemeClr val="bg1"/>
+      </p:bgRef>
+    </p:bg>
+    <p:spTree>
+      <p:nvGrpSpPr>
+        <p:cNvPr id="1" name=""/>
+        <p:cNvGrpSpPr/>
+        <p:nvPr/>
+      </p:nvGrpSpPr>
+      <p:grpSpPr>
+        <a:xfrm>
+          <a:off x="0" y="0"/>
+          <a:ext cx="0" cy="0"/>
+          <a:chOff x="0" y="0"/>
+          <a:chExt cx="0" cy="0"/>
+        </a:xfrm>
+      </p:grpSpPr>
+      <p:sp>
+        <p:nvSpPr>
+          <p:cNvPr id="2" name="Header Placeholder 1"/>
+          <p:cNvSpPr>
+            <a:spLocks noGrp="1"/>
+          </p:cNvSpPr>
+          <p:nvPr>
+            <p:ph type="hdr" sz="quarter"/>
+          </p:nvPr>
+        </p:nvSpPr>
+        <p:spPr>
+          <a:xfrm>
+            <a:off x="0" y="0"/>
+            <a:ext cx="2971800" cy="457200"/>
+          </a:xfrm>
+          <a:prstGeom prst="rect">
+            <a:avLst/>
+          </a:prstGeom>
+        </p:spPr>
+        <p:txBody>
+          <a:bodyPr vert="horz" lIns="91440" tIns="45720" rIns="91440" bIns="45720" rtlCol="0"/>
+          <a:lstStyle>
+            <a:lvl1pPr algn="l">
+              <a:defRPr sz="1200"/>
+            </a:lvl1pPr>
+          </a:lstStyle>
+          <a:p>
+            <a:endParaRPr lang="en-US"/>
+          </a:p>
+        </p:txBody>
+      </p:sp>
+      <p:sp>
+        <p:nvSpPr>
+          <p:cNvPr id="3" name="Date Placeholder 2"/>
+          <p:cNvSpPr>
+            <a:spLocks noGrp="1"/>
+          </p:cNvSpPr>
+          <p:nvPr>
+            <p:ph type="dt" idx="1"/>
+          </p:nvPr>
+        </p:nvSpPr>
+        <p:spPr>
+          <a:xfrm>
+            <a:off x="3884613" y="0"/>
+            <a:ext cx="2971800" cy="457200"/>
+          </a:xfrm>
+          <a:prstGeom prst="rect">
+            <a:avLst/>
+          </a:prstGeom>
+        </p:spPr>
+        <p:txBody>
+          <a:bodyPr vert="horz" lIns="91440" tIns="45720" rIns="91440" bIns="45720" rtlCol="0"/>
+          <a:lstStyle>
+            <a:lvl1pPr algn="r">
+              <a:defRPr sz="1200"/>
+            </a:lvl1pPr>
+          </a:lstStyle>
+          <a:p>
+            <a:fld id="{33981DD5-BBF4-47E0-8059-373EC95119BA}" type="datetimeFigureOut">
+              <a:rPr lang="en-US" smtClean="0"/>
+              <a:t>4/22/2019</a:t>
+            </a:fld>
+            <a:endParaRPr lang="en-US"/>
+          </a:p>
+        </p:txBody>
+      </p:sp>
+      <p:sp>
+        <p:nvSpPr>
+          <p:cNvPr id="4" name="Slide Image Placeholder 3"/>
+          <p:cNvSpPr>
+            <a:spLocks noGrp="1" noRot="1" noChangeAspect="1"/>
+          </p:cNvSpPr>
+          <p:nvPr>
+            <p:ph type="sldImg" idx="2"/>
+          </p:nvPr>
+        </p:nvSpPr>
+        <p:spPr>
+          <a:xfrm>
+            <a:off x="1143000" y="685800"/>
+            <a:ext cx="4572000" cy="3429000"/>
+          </a:xfrm>
+          <a:prstGeom prst="rect">
+            <a:avLst/>
+          </a:prstGeom>
+          <a:noFill/>
+          <a:ln w="12700">
+            <a:solidFill>
+              <a:prstClr val="black"/>
+            </a:solidFill>
+          </a:ln>
+        </p:spPr>
+        <p:txBody>
+          <a:bodyPr vert="horz" lIns="91440" tIns="45720" rIns="91440" bIns="45720" rtlCol="0" anchor="ctr"/>
+          <a:lstStyle/>
+          <a:p>
+            <a:endParaRPr lang="en-US"/>
+          </a:p>
+        </p:txBody>
+      </p:sp>
+      <p:sp>
+        <p:nvSpPr>
+          <p:cNvPr id="5" name="Notes Placeholder 4"/>
+          <p:cNvSpPr>
+            <a:spLocks noGrp="1"/>
+          </p:cNvSpPr>
+          <p:nvPr>
+            <p:ph type="body" sz="quarter" idx="3"/>
+          </p:nvPr>
+        </p:nvSpPr>
+        <p:spPr>
+          <a:xfrm>
+            <a:off x="685800" y="4343400"/>
+            <a:ext cx="5486400" cy="4114800"/>
+          </a:xfrm>
+          <a:prstGeom prst="rect">
+            <a:avLst/>
+          </a:prstGeom>
+        </p:spPr>
+        <p:txBody>
+          <a:bodyPr vert="horz" lIns="91440" tIns="45720" rIns="91440" bIns="45720" rtlCol="0"/>
+          <a:lstStyle/>
+          <a:p>
+            <a:pPr lvl="0"/>
+            <a:r>
+              <a:rPr lang="en-US" smtClean="0"/>
+              <a:t>Click to edit Master text styles</a:t>
+            </a:r>
+          </a:p>
+          <a:p>
+            <a:pPr lvl="1"/>
+            <a:r>
+              <a:rPr lang="en-US" smtClean="0"/>
+              <a:t>Second level</a:t>
+            </a:r>
+          </a:p>
+          <a:p>
+            <a:pPr lvl="2"/>
+            <a:r>
+              <a:rPr lang="en-US" smtClean="0"/>
+              <a:t>Third level</a:t>
+            </a:r>
+          </a:p>
+          <a:p>
+            <a:pPr lvl="3"/>
+            <a:r>
+              <a:rPr lang="en-US" smtClean="0"/>
+              <a:t>Fourth level</a:t>
+            </a:r>
+          </a:p>
+          <a:p>
+            <a:pPr lvl="4"/>
+            <a:r>
+              <a:rPr lang="en-US" smtClean="0"/>
+              <a:t>Fifth level</a:t>
+            </a:r>
+            <a:endParaRPr lang="en-US"/>
+          </a:p>
+        </p:txBody>
+      </p:sp>
+      <p:sp>
+        <p:nvSpPr>
+          <p:cNvPr id="6" name="Footer Placeholder 5"/>
+          <p:cNvSpPr>
+            <a:spLocks noGrp="1"/>
+          </p:cNvSpPr>
+          <p:nvPr>
+            <p:ph type="ftr" sz="quarter" idx="4"/>
+          </p:nvPr>
+        </p:nvSpPr>
+        <p:spPr>
+          <a:xfrm>
+            <a:off x="0" y="8685213"/>
+            <a:ext cx="2971800" cy="457200"/>
+          </a:xfrm>
+          <a:prstGeom prst="rect">
+            <a:avLst/>
+          </a:prstGeom>
+        </p:spPr>
+        <p:txBody>
+          <a:bodyPr vert="horz" lIns="91440" tIns="45720" rIns="91440" bIns="45720" rtlCol="0" anchor="b"/>
+          <a:lstStyle>
+            <a:lvl1pPr algn="l">
+              <a:defRPr sz="1200"/>
+            </a:lvl1pPr>
+          </a:lstStyle>
+          <a:p>
+            <a:endParaRPr lang="en-US"/>
+          </a:p>
+        </p:txBody>
+      </p:sp>
+      <p:sp>
+        <p:nvSpPr>
+          <p:cNvPr id="7" name="Slide Number Placeholder 6"/>
+          <p:cNvSpPr>
+            <a:spLocks noGrp="1"/>
+          </p:cNvSpPr>
+          <p:nvPr>
+            <p:ph type="sldNum" sz="quarter" idx="5"/>
+          </p:nvPr>
+        </p:nvSpPr>
+        <p:spPr>
+          <a:xfrm>
+            <a:off x="3884613" y="8685213"/>
+            <a:ext cx="2971800" cy="457200"/>
+          </a:xfrm>
+          <a:prstGeom prst="rect">
+            <a:avLst/>
+          </a:prstGeom>
+        </p:spPr>
+        <p:txBody>
+          <a:bodyPr vert="horz" lIns="91440" tIns="45720" rIns="91440" bIns="45720" rtlCol="0" anchor="b"/>
+          <a:lstStyle>
+            <a:lvl1pPr algn="r">
+              <a:defRPr sz="1200"/>
+            </a:lvl1pPr>
+          </a:lstStyle>
+          <a:p>
+            <a:fld id="{99C444F8-DF4C-4923-A11B-C9998A9E34CA}" type="slidenum">
+              <a:rPr lang="en-US" smtClean="0"/>
+              <a:t>‹#›</a:t>
+            </a:fld>
+            <a:endParaRPr lang="en-US"/>
+          </a:p>
+        </p:txBody>
+      </p:sp>
+    </p:spTree>
+    <p:extLst>
+      <p:ext uri="{BB962C8B-B14F-4D97-AF65-F5344CB8AC3E}">
+        <p14:creationId xmlns:p14="http://schemas.microsoft.com/office/powerpoint/2010/main" val="1270356279"/>
+      </p:ext>
+    </p:extLst>
+  </p:cSld>
+  <p:clrMap bg1="lt1" tx1="dk1" bg2="lt2" tx2="dk2" accent1="accent1" accent2="accent2" accent3="accent3" accent4="accent4" accent5="accent5" accent6="accent6" hlink="hlink" folHlink="folHlink"/>
+  <p:notesStyle>
+    <a:lvl1pPr marL="0" algn="l" defTabSz="914400" rtl="0" eaLnBrk="1" latinLnBrk="0" hangingPunct="1">
+      <a:defRPr sz="1200" kern="1200">
+        <a:solidFill>
+          <a:schemeClr val="tx1"/>
+        </a:solidFill>
+        <a:latin typeface="+mn-lt"/>
+        <a:ea typeface="+mn-ea"/>
+        <a:cs typeface="+mn-cs"/>
+      </a:defRPr>
+    </a:lvl1pPr>
+    <a:lvl2pPr marL="457200" algn="l" defTabSz="914400" rtl="0" eaLnBrk="1" latinLnBrk="0" hangingPunct="1">
+      <a:defRPr sz="1200" kern="1200">
+        <a:solidFill>
+          <a:schemeClr val="tx1"/>
+        </a:solidFill>
+        <a:latin typeface="+mn-lt"/>
+        <a:ea typeface="+mn-ea"/>
+        <a:cs typeface="+mn-cs"/>
+      </a:defRPr>
+    </a:lvl2pPr>
+    <a:lvl3pPr marL="914400" algn="l" defTabSz="914400" rtl="0" eaLnBrk="1" latinLnBrk="0" hangingPunct="1">
+      <a:defRPr sz="1200" kern="1200">
+        <a:solidFill>
+          <a:schemeClr val="tx1"/>
+        </a:solidFill>
+        <a:latin typeface="+mn-lt"/>
+        <a:ea typeface="+mn-ea"/>
+        <a:cs typeface="+mn-cs"/>
+      </a:defRPr>
+    </a:lvl3pPr>
+    <a:lvl4pPr marL="1371600" algn="l" defTabSz="914400" rtl="0" eaLnBrk="1" latinLnBrk="0" hangingPunct="1">
+      <a:defRPr sz="1200" kern="1200">
+        <a:solidFill>
+          <a:schemeClr val="tx1"/>
+        </a:solidFill>
+        <a:latin typeface="+mn-lt"/>
+        <a:ea typeface="+mn-ea"/>
+        <a:cs typeface="+mn-cs"/>
+      </a:defRPr>
+    </a:lvl4pPr>
+    <a:lvl5pPr marL="1828800" algn="l" defTabSz="914400" rtl="0" eaLnBrk="1" latinLnBrk="0" hangingPunct="1">
+      <a:defRPr sz="1200" kern="1200">
+        <a:solidFill>
+          <a:schemeClr val="tx1"/>
+        </a:solidFill>
+        <a:latin typeface="+mn-lt"/>
+        <a:ea typeface="+mn-ea"/>
+        <a:cs typeface="+mn-cs"/>
+      </a:defRPr>
+    </a:lvl5pPr>
+    <a:lvl6pPr marL="2286000" algn="l" defTabSz="914400" rtl="0" eaLnBrk="1" latinLnBrk="0" hangingPunct="1">
+      <a:defRPr sz="1200" kern="1200">
+        <a:solidFill>
+          <a:schemeClr val="tx1"/>
+        </a:solidFill>
+        <a:latin typeface="+mn-lt"/>
+        <a:ea typeface="+mn-ea"/>
+        <a:cs typeface="+mn-cs"/>
+      </a:defRPr>
+    </a:lvl6pPr>
+    <a:lvl7pPr marL="2743200" algn="l" defTabSz="914400" rtl="0" eaLnBrk="1" latinLnBrk="0" hangingPunct="1">
+      <a:defRPr sz="1200" kern="1200">
+        <a:solidFill>
+          <a:schemeClr val="tx1"/>
+        </a:solidFill>
+        <a:latin typeface="+mn-lt"/>
+        <a:ea typeface="+mn-ea"/>
+        <a:cs typeface="+mn-cs"/>
+      </a:defRPr>
+    </a:lvl7pPr>
+    <a:lvl8pPr marL="3200400" algn="l" defTabSz="914400" rtl="0" eaLnBrk="1" latinLnBrk="0" hangingPunct="1">
+      <a:defRPr sz="1200" kern="1200">
+        <a:solidFill>
+          <a:schemeClr val="tx1"/>
+        </a:solidFill>
+        <a:latin typeface="+mn-lt"/>
+        <a:ea typeface="+mn-ea"/>
+        <a:cs typeface="+mn-cs"/>
+      </a:defRPr>
+    </a:lvl8pPr>
+    <a:lvl9pPr marL="3657600" algn="l" defTabSz="914400" rtl="0" eaLnBrk="1" latinLnBrk="0" hangingPunct="1">
+      <a:defRPr sz="1200" kern="1200">
+        <a:solidFill>
+          <a:schemeClr val="tx1"/>
+        </a:solidFill>
+        <a:latin typeface="+mn-lt"/>
+        <a:ea typeface="+mn-ea"/>
+        <a:cs typeface="+mn-cs"/>
+      </a:defRPr>
+    </a:lvl9pPr>
+  </p:notesStyle>
+</p:notesMaster>
+</file>
+
+<file path=ppt/notesSlides/notesSlide1.xml><?xml version="1.0" encoding="utf-8"?>
+<p:notes xmlns:a="http://schemas.openxmlformats.org/drawingml/2006/main" xmlns:r="http://schemas.openxmlformats.org/officeDocument/2006/relationships" xmlns:p="http://schemas.openxmlformats.org/presentationml/2006/main">
+  <p:cSld>
+    <p:spTree>
+      <p:nvGrpSpPr>
+        <p:cNvPr id="1" name=""/>
+        <p:cNvGrpSpPr/>
+        <p:nvPr/>
+      </p:nvGrpSpPr>
+      <p:grpSpPr>
+        <a:xfrm>
+          <a:off x="0" y="0"/>
+          <a:ext cx="0" cy="0"/>
+          <a:chOff x="0" y="0"/>
+          <a:chExt cx="0" cy="0"/>
+        </a:xfrm>
+      </p:grpSpPr>
+      <p:sp>
+        <p:nvSpPr>
+          <p:cNvPr id="2" name="Slide Image Placeholder 1"/>
+          <p:cNvSpPr>
+            <a:spLocks noGrp="1" noRot="1" noChangeAspect="1"/>
+          </p:cNvSpPr>
+          <p:nvPr>
+            <p:ph type="sldImg"/>
+          </p:nvPr>
+        </p:nvSpPr>
+        <p:spPr/>
+      </p:sp>
+      <p:sp>
+        <p:nvSpPr>
+          <p:cNvPr id="3" name="Notes Placeholder 2"/>
+          <p:cNvSpPr>
+            <a:spLocks noGrp="1"/>
+          </p:cNvSpPr>
+          <p:nvPr>
+            <p:ph type="body" idx="1"/>
+          </p:nvPr>
+        </p:nvSpPr>
+        <p:spPr/>
+        <p:txBody>
+          <a:bodyPr/>
+          <a:lstStyle/>
+          <a:p>
+            <a:endParaRPr lang="en-US" dirty="0"/>
+          </a:p>
+        </p:txBody>
+      </p:sp>
+      <p:sp>
+        <p:nvSpPr>
+          <p:cNvPr id="4" name="Slide Number Placeholder 3"/>
+          <p:cNvSpPr>
+            <a:spLocks noGrp="1"/>
+          </p:cNvSpPr>
+          <p:nvPr>
+            <p:ph type="sldNum" sz="quarter" idx="10"/>
+          </p:nvPr>
+        </p:nvSpPr>
+        <p:spPr/>
+        <p:txBody>
+          <a:bodyPr/>
+          <a:lstStyle/>
+          <a:p>
+            <a:fld id="{99C444F8-DF4C-4923-A11B-C9998A9E34CA}" type="slidenum">
+              <a:rPr lang="en-US" smtClean="0"/>
+              <a:t>3</a:t>
+            </a:fld>
+            <a:endParaRPr lang="en-US"/>
+          </a:p>
+        </p:txBody>
+      </p:sp>
+    </p:spTree>
+    <p:extLst>
+      <p:ext uri="{BB962C8B-B14F-4D97-AF65-F5344CB8AC3E}">
+        <p14:creationId xmlns:p14="http://schemas.microsoft.com/office/powerpoint/2010/main" val="2861514153"/>
+      </p:ext>
+    </p:extLst>
+  </p:cSld>
+  <p:clrMapOvr>
+    <a:masterClrMapping/>
+  </p:clrMapOvr>
+</p:notes>
+</file>
+
+<file path=ppt/notesSlides/notesSlide2.xml><?xml version="1.0" encoding="utf-8"?>
+<p:notes xmlns:a="http://schemas.openxmlformats.org/drawingml/2006/main" xmlns:r="http://schemas.openxmlformats.org/officeDocument/2006/relationships" xmlns:p="http://schemas.openxmlformats.org/presentationml/2006/main">
+  <p:cSld>
+    <p:spTree>
+      <p:nvGrpSpPr>
+        <p:cNvPr id="1" name=""/>
+        <p:cNvGrpSpPr/>
+        <p:nvPr/>
+      </p:nvGrpSpPr>
+      <p:grpSpPr>
+        <a:xfrm>
+          <a:off x="0" y="0"/>
+          <a:ext cx="0" cy="0"/>
+          <a:chOff x="0" y="0"/>
+          <a:chExt cx="0" cy="0"/>
+        </a:xfrm>
+      </p:grpSpPr>
+      <p:sp>
+        <p:nvSpPr>
+          <p:cNvPr id="2" name="Slide Image Placeholder 1"/>
+          <p:cNvSpPr>
+            <a:spLocks noGrp="1" noRot="1" noChangeAspect="1"/>
+          </p:cNvSpPr>
+          <p:nvPr>
+            <p:ph type="sldImg"/>
+          </p:nvPr>
+        </p:nvSpPr>
+        <p:spPr/>
+      </p:sp>
+      <p:sp>
+        <p:nvSpPr>
+          <p:cNvPr id="3" name="Notes Placeholder 2"/>
+          <p:cNvSpPr>
+            <a:spLocks noGrp="1"/>
+          </p:cNvSpPr>
+          <p:nvPr>
+            <p:ph type="body" idx="1"/>
+          </p:nvPr>
+        </p:nvSpPr>
+        <p:spPr/>
+        <p:txBody>
+          <a:bodyPr/>
+          <a:lstStyle/>
+          <a:p>
+            <a:endParaRPr lang="en-US" dirty="0"/>
+          </a:p>
+        </p:txBody>
+      </p:sp>
+      <p:sp>
+        <p:nvSpPr>
+          <p:cNvPr id="4" name="Slide Number Placeholder 3"/>
+          <p:cNvSpPr>
+            <a:spLocks noGrp="1"/>
+          </p:cNvSpPr>
+          <p:nvPr>
+            <p:ph type="sldNum" sz="quarter" idx="10"/>
+          </p:nvPr>
+        </p:nvSpPr>
+        <p:spPr/>
+        <p:txBody>
+          <a:bodyPr/>
+          <a:lstStyle/>
+          <a:p>
+            <a:fld id="{99C444F8-DF4C-4923-A11B-C9998A9E34CA}" type="slidenum">
+              <a:rPr lang="en-US" smtClean="0"/>
+              <a:t>6</a:t>
+            </a:fld>
+            <a:endParaRPr lang="en-US"/>
+          </a:p>
+        </p:txBody>
+      </p:sp>
+    </p:spTree>
+    <p:extLst>
+      <p:ext uri="{BB962C8B-B14F-4D97-AF65-F5344CB8AC3E}">
+        <p14:creationId xmlns:p14="http://schemas.microsoft.com/office/powerpoint/2010/main" val="2861514153"/>
+      </p:ext>
+    </p:extLst>
+  </p:cSld>
+  <p:clrMapOvr>
+    <a:masterClrMapping/>
+  </p:clrMapOvr>
+</p:notes>
+</file>
+
+<file path=ppt/notesSlides/notesSlide3.xml><?xml version="1.0" encoding="utf-8"?>
+<p:notes xmlns:a="http://schemas.openxmlformats.org/drawingml/2006/main" xmlns:r="http://schemas.openxmlformats.org/officeDocument/2006/relationships" xmlns:p="http://schemas.openxmlformats.org/presentationml/2006/main">
+  <p:cSld>
+    <p:spTree>
+      <p:nvGrpSpPr>
+        <p:cNvPr id="1" name=""/>
+        <p:cNvGrpSpPr/>
+        <p:nvPr/>
+      </p:nvGrpSpPr>
+      <p:grpSpPr>
+        <a:xfrm>
+          <a:off x="0" y="0"/>
+          <a:ext cx="0" cy="0"/>
+          <a:chOff x="0" y="0"/>
+          <a:chExt cx="0" cy="0"/>
+        </a:xfrm>
+      </p:grpSpPr>
+      <p:sp>
+        <p:nvSpPr>
+          <p:cNvPr id="2" name="Slide Image Placeholder 1"/>
+          <p:cNvSpPr>
+            <a:spLocks noGrp="1" noRot="1" noChangeAspect="1"/>
+          </p:cNvSpPr>
+          <p:nvPr>
+            <p:ph type="sldImg"/>
+          </p:nvPr>
+        </p:nvSpPr>
+        <p:spPr/>
+      </p:sp>
+      <p:sp>
+        <p:nvSpPr>
+          <p:cNvPr id="3" name="Notes Placeholder 2"/>
+          <p:cNvSpPr>
+            <a:spLocks noGrp="1"/>
+          </p:cNvSpPr>
+          <p:nvPr>
+            <p:ph type="body" idx="1"/>
+          </p:nvPr>
+        </p:nvSpPr>
+        <p:spPr/>
+        <p:txBody>
+          <a:bodyPr/>
+          <a:lstStyle/>
+          <a:p>
+            <a:endParaRPr lang="en-US" dirty="0"/>
+          </a:p>
+        </p:txBody>
+      </p:sp>
+      <p:sp>
+        <p:nvSpPr>
+          <p:cNvPr id="4" name="Slide Number Placeholder 3"/>
+          <p:cNvSpPr>
+            <a:spLocks noGrp="1"/>
+          </p:cNvSpPr>
+          <p:nvPr>
+            <p:ph type="sldNum" sz="quarter" idx="10"/>
+          </p:nvPr>
+        </p:nvSpPr>
+        <p:spPr/>
+        <p:txBody>
+          <a:bodyPr/>
+          <a:lstStyle/>
+          <a:p>
+            <a:fld id="{99C444F8-DF4C-4923-A11B-C9998A9E34CA}" type="slidenum">
+              <a:rPr lang="en-US" smtClean="0"/>
+              <a:t>9</a:t>
+            </a:fld>
+            <a:endParaRPr lang="en-US"/>
+          </a:p>
+        </p:txBody>
+      </p:sp>
+    </p:spTree>
+    <p:extLst>
+      <p:ext uri="{BB962C8B-B14F-4D97-AF65-F5344CB8AC3E}">
+        <p14:creationId xmlns:p14="http://schemas.microsoft.com/office/powerpoint/2010/main" val="2861514153"/>
+      </p:ext>
+    </p:extLst>
+  </p:cSld>
+  <p:clrMapOvr>
+    <a:masterClrMapping/>
+  </p:clrMapOvr>
+</p:notes>
 </file>
 
 <file path=ppt/slideLayouts/slideLayout1.xml><?xml version="1.0" encoding="utf-8"?>
@@ -3125,7 +3739,11 @@
           <a:p>
             <a:r>
               <a:rPr lang="en-US" dirty="0" smtClean="0"/>
-              <a:t>Sound Generator</a:t>
+              <a:t>VHDL Sound </a:t>
+            </a:r>
+            <a:r>
+              <a:rPr lang="en-US" dirty="0" smtClean="0"/>
+              <a:t>Generator</a:t>
             </a:r>
             <a:endParaRPr lang="en-US" dirty="0"/>
           </a:p>
@@ -3196,8 +3814,12 @@
           <a:lstStyle/>
           <a:p>
             <a:r>
-              <a:rPr lang="en-US" dirty="0" smtClean="0"/>
-              <a:t>Improving “Fidelity”</a:t>
+              <a:rPr lang="en-US" dirty="0"/>
+              <a:t>Second </a:t>
+            </a:r>
+            <a:r>
+              <a:rPr lang="en-US" dirty="0" smtClean="0"/>
+              <a:t>Cut (Cont’d)</a:t>
             </a:r>
             <a:endParaRPr lang="en-US" dirty="0"/>
           </a:p>
@@ -3215,33 +3837,71 @@
         </p:nvSpPr>
         <p:spPr/>
         <p:txBody>
-          <a:bodyPr/>
-          <a:lstStyle/>
-          <a:p>
-            <a:r>
-              <a:rPr lang="en-US" dirty="0" smtClean="0"/>
-              <a:t>Square waves are very harsh</a:t>
-            </a:r>
-          </a:p>
-          <a:p>
-            <a:r>
-              <a:rPr lang="en-US" dirty="0" smtClean="0"/>
-              <a:t>Rising/falling edges have a lot of harmonics</a:t>
-            </a:r>
-          </a:p>
-          <a:p>
-            <a:r>
-              <a:rPr lang="en-US" dirty="0" smtClean="0"/>
-              <a:t>Need to soften the edges or make the steps smaller</a:t>
-            </a:r>
-          </a:p>
-          <a:p>
-            <a:r>
-              <a:rPr lang="en-US" dirty="0" smtClean="0"/>
-              <a:t>Smaller steps with the buzzer reduce the volume</a:t>
-            </a:r>
-          </a:p>
-          <a:p>
+          <a:bodyPr>
+            <a:normAutofit/>
+          </a:bodyPr>
+          <a:lstStyle/>
+          <a:p>
+            <a:r>
+              <a:rPr lang="en-US" dirty="0" smtClean="0"/>
+              <a:t>Using </a:t>
+            </a:r>
+            <a:r>
+              <a:rPr lang="en-US" dirty="0"/>
+              <a:t>Most Significant </a:t>
+            </a:r>
+            <a:r>
+              <a:rPr lang="en-US" dirty="0" smtClean="0"/>
+              <a:t>Bit </a:t>
+            </a:r>
+            <a:r>
+              <a:rPr lang="en-US" dirty="0"/>
+              <a:t>as output </a:t>
+            </a:r>
+            <a:r>
+              <a:rPr lang="en-US" dirty="0" smtClean="0"/>
+              <a:t>is asymmetric</a:t>
+            </a:r>
+            <a:endParaRPr lang="en-US" dirty="0"/>
+          </a:p>
+          <a:p>
+            <a:pPr lvl="1"/>
+            <a:r>
+              <a:rPr lang="en-US" dirty="0" smtClean="0"/>
+              <a:t>MSB symmetry </a:t>
+            </a:r>
+            <a:r>
+              <a:rPr lang="en-US" dirty="0"/>
+              <a:t>is (131072-74032)/262,144 = 22% low/78% </a:t>
+            </a:r>
+            <a:r>
+              <a:rPr lang="en-US" dirty="0" smtClean="0"/>
+              <a:t>high</a:t>
+            </a:r>
+          </a:p>
+          <a:p>
+            <a:pPr lvl="1"/>
+            <a:r>
+              <a:rPr lang="en-US" dirty="0" smtClean="0"/>
+              <a:t>Desirable </a:t>
+            </a:r>
+            <a:r>
+              <a:rPr lang="en-US" dirty="0"/>
+              <a:t>is 50%/50% symmetry</a:t>
+            </a:r>
+          </a:p>
+          <a:p>
+            <a:r>
+              <a:rPr lang="en-US" dirty="0" smtClean="0"/>
+              <a:t>Get symmetry by putting a Toggle Flip Flop on the Terminal Count</a:t>
+            </a:r>
+          </a:p>
+          <a:p>
+            <a:pPr lvl="1"/>
+            <a:r>
+              <a:rPr lang="en-US" dirty="0" smtClean="0"/>
+              <a:t>Requires a bit for FF, but one less counter bit</a:t>
+            </a:r>
             <a:endParaRPr lang="en-US" dirty="0"/>
           </a:p>
         </p:txBody>
@@ -3249,7 +3909,7 @@
     </p:spTree>
     <p:extLst>
       <p:ext uri="{BB962C8B-B14F-4D97-AF65-F5344CB8AC3E}">
-        <p14:creationId xmlns:p14="http://schemas.microsoft.com/office/powerpoint/2010/main" val="2939277055"/>
+        <p14:creationId xmlns:p14="http://schemas.microsoft.com/office/powerpoint/2010/main" val="163783718"/>
       </p:ext>
     </p:extLst>
   </p:cSld>
@@ -3293,7 +3953,7 @@
           <a:p>
             <a:r>
               <a:rPr lang="en-US" dirty="0" smtClean="0"/>
-              <a:t>Smoothing the edges</a:t>
+              <a:t>Sending Output to I/O Pin</a:t>
             </a:r>
             <a:endParaRPr lang="en-US" dirty="0"/>
           </a:p>
@@ -3316,33 +3976,27 @@
           <a:p>
             <a:r>
               <a:rPr lang="en-US" dirty="0" smtClean="0"/>
-              <a:t>No real options on the card for smoothing the sharp edges</a:t>
-            </a:r>
-          </a:p>
-          <a:p>
-            <a:r>
-              <a:rPr lang="en-US" dirty="0" smtClean="0"/>
-              <a:t>Reduce drive current from 8 mA?</a:t>
-            </a:r>
-          </a:p>
-          <a:p>
-            <a:r>
-              <a:rPr lang="en-US" dirty="0" smtClean="0"/>
-              <a:t>Buzzer has 100 ohm series resistor</a:t>
-            </a:r>
-          </a:p>
-          <a:p>
-            <a:r>
-              <a:rPr lang="en-US" dirty="0" smtClean="0"/>
-              <a:t>Buzzer impedance is </a:t>
-            </a:r>
-            <a:r>
-              <a:rPr lang="en-US" dirty="0" smtClean="0">
-                <a:solidFill>
-                  <a:srgbClr val="FF0000"/>
-                </a:solidFill>
-              </a:rPr>
-              <a:t>TBD</a:t>
+              <a:t>Using a LSB of the VGA output for testing</a:t>
+            </a:r>
+          </a:p>
+          <a:p>
+            <a:r>
+              <a:rPr lang="en-US" dirty="0" smtClean="0"/>
+              <a:t>These FPGA </a:t>
+            </a:r>
+            <a:r>
+              <a:rPr lang="en-US" dirty="0" err="1" smtClean="0"/>
+              <a:t>retrocomputers</a:t>
+            </a:r>
+            <a:r>
+              <a:rPr lang="en-US" dirty="0" smtClean="0"/>
+              <a:t> use 2:2:2 (R:G:B) outputs to resistor networks</a:t>
+            </a:r>
+          </a:p>
+          <a:p>
+            <a:r>
+              <a:rPr lang="en-US" dirty="0" smtClean="0"/>
+              <a:t>Lowest bit shouldn’t be “missed” in this application</a:t>
             </a:r>
             <a:endParaRPr lang="en-US" dirty="0"/>
           </a:p>
@@ -3351,7 +4005,7 @@
     </p:spTree>
     <p:extLst>
       <p:ext uri="{BB962C8B-B14F-4D97-AF65-F5344CB8AC3E}">
-        <p14:creationId xmlns:p14="http://schemas.microsoft.com/office/powerpoint/2010/main" val="1602381178"/>
+        <p14:creationId xmlns:p14="http://schemas.microsoft.com/office/powerpoint/2010/main" val="920305575"/>
       </p:ext>
     </p:extLst>
   </p:cSld>
@@ -3395,7 +4049,7 @@
           <a:p>
             <a:r>
               <a:rPr lang="en-US" dirty="0" smtClean="0"/>
-              <a:t>Characterizing the Buzzer</a:t>
+              <a:t>Third Cut</a:t>
             </a:r>
             <a:endParaRPr lang="en-US" dirty="0"/>
           </a:p>
@@ -3418,44 +4072,53 @@
           <a:p>
             <a:r>
               <a:rPr lang="en-US" dirty="0" smtClean="0"/>
-              <a:t>Buzzers are very small tweeters</a:t>
-            </a:r>
-          </a:p>
-          <a:p>
-            <a:r>
-              <a:rPr lang="en-US" dirty="0" smtClean="0"/>
-              <a:t>OK at high frequencies but still low volume</a:t>
-            </a:r>
-          </a:p>
-          <a:p>
-            <a:r>
-              <a:rPr lang="en-US" dirty="0" smtClean="0"/>
-              <a:t>Very poor at low frequencies</a:t>
-            </a:r>
-          </a:p>
-          <a:p>
-            <a:r>
-              <a:rPr lang="en-US" dirty="0" smtClean="0"/>
-              <a:t>Volume </a:t>
-            </a:r>
-            <a:r>
-              <a:rPr lang="en-US" dirty="0" err="1" smtClean="0"/>
-              <a:t>vs</a:t>
-            </a:r>
-            <a:r>
-              <a:rPr lang="en-US" dirty="0" smtClean="0"/>
-              <a:t> frequency curve</a:t>
-            </a:r>
-          </a:p>
-          <a:p>
-            <a:endParaRPr lang="en-US" dirty="0"/>
+              <a:t>Use same long counter chain</a:t>
+            </a:r>
+          </a:p>
+          <a:p>
+            <a:r>
+              <a:rPr lang="en-US" dirty="0" smtClean="0"/>
+              <a:t>Don’t do a pre-load (do full range count)</a:t>
+            </a:r>
+          </a:p>
+          <a:p>
+            <a:r>
+              <a:rPr lang="en-US" dirty="0" smtClean="0"/>
+              <a:t>Use mux to select counter output bits</a:t>
+            </a:r>
+          </a:p>
+          <a:p>
+            <a:r>
+              <a:rPr lang="en-US" dirty="0" smtClean="0"/>
+              <a:t>Control select mux with register from CPU</a:t>
+            </a:r>
+          </a:p>
+          <a:p>
+            <a:r>
+              <a:rPr lang="en-US" dirty="0" smtClean="0"/>
+              <a:t>Only allows 2X frequencies</a:t>
+            </a:r>
+          </a:p>
+          <a:p>
+            <a:pPr lvl="1"/>
+            <a:r>
+              <a:rPr lang="en-US" dirty="0" smtClean="0"/>
+              <a:t>50,000,000 MHz / 262,144 = 190.7 Hz</a:t>
+            </a:r>
+          </a:p>
+          <a:p>
+            <a:pPr lvl="1"/>
+            <a:r>
+              <a:rPr lang="en-US" dirty="0" smtClean="0"/>
+              <a:t>2x = 381.4 Hz, 4X = 762.9 Hz, 8X = 1,525.h Hz</a:t>
+            </a:r>
           </a:p>
         </p:txBody>
       </p:sp>
     </p:spTree>
     <p:extLst>
       <p:ext uri="{BB962C8B-B14F-4D97-AF65-F5344CB8AC3E}">
-        <p14:creationId xmlns:p14="http://schemas.microsoft.com/office/powerpoint/2010/main" val="203044287"/>
+        <p14:creationId xmlns:p14="http://schemas.microsoft.com/office/powerpoint/2010/main" val="1175646039"/>
       </p:ext>
     </p:extLst>
   </p:cSld>
@@ -3498,8 +4161,12 @@
           <a:lstStyle/>
           <a:p>
             <a:r>
-              <a:rPr lang="en-US" dirty="0" smtClean="0"/>
-              <a:t>External Solutions?</a:t>
+              <a:rPr lang="en-US" dirty="0"/>
+              <a:t>Third Cut </a:t>
+            </a:r>
+            <a:r>
+              <a:rPr lang="en-US" dirty="0" smtClean="0"/>
+              <a:t>(cont’d)</a:t>
             </a:r>
             <a:endParaRPr lang="en-US" dirty="0"/>
           </a:p>
@@ -3517,64 +4184,43 @@
         </p:nvSpPr>
         <p:spPr/>
         <p:txBody>
-          <a:bodyPr>
-            <a:normAutofit lnSpcReduction="10000"/>
-          </a:bodyPr>
-          <a:lstStyle/>
-          <a:p>
-            <a:r>
-              <a:rPr lang="en-US" dirty="0" smtClean="0"/>
-              <a:t>I/O connector limitation</a:t>
+          <a:bodyPr/>
+          <a:lstStyle/>
+          <a:p>
+            <a:r>
+              <a:rPr lang="en-US" dirty="0" smtClean="0"/>
+              <a:t>Sounds on keyboards</a:t>
             </a:r>
           </a:p>
           <a:p>
             <a:pPr lvl="1"/>
             <a:r>
               <a:rPr lang="en-US" dirty="0" smtClean="0"/>
-              <a:t>All 26-pins are either VGA digital, PS/2 or Power/Ground connections</a:t>
+              <a:t>190.7 Hz = ~ G3</a:t>
             </a:r>
           </a:p>
           <a:p>
             <a:pPr lvl="1"/>
             <a:r>
               <a:rPr lang="en-US" dirty="0" smtClean="0"/>
-              <a:t>Overcoming limitations</a:t>
-            </a:r>
-          </a:p>
-          <a:p>
-            <a:pPr lvl="2"/>
-            <a:r>
-              <a:rPr lang="en-US" dirty="0" smtClean="0"/>
-              <a:t>Could steal lower video bits</a:t>
-            </a:r>
-          </a:p>
-          <a:p>
-            <a:pPr lvl="2"/>
-            <a:r>
-              <a:rPr lang="en-US" dirty="0" smtClean="0"/>
-              <a:t>Sound with slightly disturb video</a:t>
-            </a:r>
-          </a:p>
-          <a:p>
-            <a:pPr lvl="2"/>
-            <a:r>
-              <a:rPr lang="en-US" dirty="0" smtClean="0"/>
-              <a:t>Green has 6 bits</a:t>
-            </a:r>
-          </a:p>
-          <a:p>
-            <a:pPr lvl="2"/>
-            <a:r>
-              <a:rPr lang="en-US" dirty="0" smtClean="0"/>
-              <a:t>Steal least significant bit from Red, Green and Blue</a:t>
-            </a:r>
-          </a:p>
-          <a:p>
-            <a:pPr lvl="2"/>
-            <a:r>
-              <a:rPr lang="en-US" dirty="0" smtClean="0"/>
-              <a:t>Won’t affect video noticeably in the 2:2:2 Retro-computer case</a:t>
-            </a:r>
+              <a:t>381.4 Hz = ~ G4 (above middle C)</a:t>
+            </a:r>
+          </a:p>
+          <a:p>
+            <a:pPr lvl="1"/>
+            <a:r>
+              <a:rPr lang="en-US" dirty="0" smtClean="0"/>
+              <a:t>762.9 Hz = ~ G5 (next up)</a:t>
+            </a:r>
+          </a:p>
+          <a:p>
+            <a:pPr lvl="1"/>
+            <a:r>
+              <a:rPr lang="en-US" dirty="0" smtClean="0"/>
+              <a:t>1,525.h Hz = ~ G6 (next up)</a:t>
+            </a:r>
+          </a:p>
+          <a:p>
             <a:endParaRPr lang="en-US" dirty="0"/>
           </a:p>
         </p:txBody>
@@ -3582,7 +4228,7 @@
     </p:spTree>
     <p:extLst>
       <p:ext uri="{BB962C8B-B14F-4D97-AF65-F5344CB8AC3E}">
-        <p14:creationId xmlns:p14="http://schemas.microsoft.com/office/powerpoint/2010/main" val="3468445128"/>
+        <p14:creationId xmlns:p14="http://schemas.microsoft.com/office/powerpoint/2010/main" val="1651587150"/>
       </p:ext>
     </p:extLst>
   </p:cSld>
@@ -3625,8 +4271,12 @@
           <a:lstStyle/>
           <a:p>
             <a:r>
-              <a:rPr lang="en-US" dirty="0" smtClean="0"/>
-              <a:t>3-bit D/A</a:t>
+              <a:rPr lang="en-US" dirty="0"/>
+              <a:t>Third Cut </a:t>
+            </a:r>
+            <a:r>
+              <a:rPr lang="en-US" dirty="0" smtClean="0"/>
+              <a:t>(cont’d)</a:t>
             </a:r>
             <a:endParaRPr lang="en-US" dirty="0"/>
           </a:p>
@@ -3634,43 +4284,1313 @@
       </p:sp>
       <p:sp>
         <p:nvSpPr>
-          <p:cNvPr id="3" name="Content Placeholder 2"/>
-          <p:cNvSpPr>
-            <a:spLocks noGrp="1"/>
-          </p:cNvSpPr>
-          <p:nvPr>
-            <p:ph idx="1"/>
-          </p:nvPr>
-        </p:nvSpPr>
-        <p:spPr/>
-        <p:txBody>
-          <a:bodyPr/>
-          <a:lstStyle/>
-          <a:p>
-            <a:r>
-              <a:rPr lang="en-US" dirty="0" smtClean="0"/>
-              <a:t>Digitize sine wave</a:t>
-            </a:r>
-          </a:p>
-          <a:p>
-            <a:r>
-              <a:rPr lang="en-US" dirty="0" smtClean="0"/>
-              <a:t>Counter </a:t>
-            </a:r>
-            <a:r>
-              <a:rPr lang="en-US" smtClean="0"/>
-              <a:t>start/stop count</a:t>
-            </a:r>
-          </a:p>
-          <a:p>
-            <a:endParaRPr lang="en-US"/>
-          </a:p>
-        </p:txBody>
-      </p:sp>
+          <p:cNvPr id="4" name="Rectangle 3"/>
+          <p:cNvSpPr/>
+          <p:nvPr/>
+        </p:nvSpPr>
+        <p:spPr>
+          <a:xfrm>
+            <a:off x="3070261" y="2045411"/>
+            <a:ext cx="1066800" cy="2590800"/>
+          </a:xfrm>
+          <a:prstGeom prst="rect">
+            <a:avLst/>
+          </a:prstGeom>
+        </p:spPr>
+        <p:style>
+          <a:lnRef idx="2">
+            <a:schemeClr val="accent1">
+              <a:shade val="50000"/>
+            </a:schemeClr>
+          </a:lnRef>
+          <a:fillRef idx="1">
+            <a:schemeClr val="accent1"/>
+          </a:fillRef>
+          <a:effectRef idx="0">
+            <a:schemeClr val="accent1"/>
+          </a:effectRef>
+          <a:fontRef idx="minor">
+            <a:schemeClr val="lt1"/>
+          </a:fontRef>
+        </p:style>
+        <p:txBody>
+          <a:bodyPr rtlCol="0" anchor="ctr"/>
+          <a:lstStyle/>
+          <a:p>
+            <a:pPr algn="ctr"/>
+            <a:r>
+              <a:rPr lang="en-US" dirty="0" smtClean="0"/>
+              <a:t>18-bit</a:t>
+            </a:r>
+          </a:p>
+          <a:p>
+            <a:pPr algn="ctr"/>
+            <a:r>
+              <a:rPr lang="en-US" dirty="0" smtClean="0"/>
+              <a:t>Counter</a:t>
+            </a:r>
+            <a:endParaRPr lang="en-US" dirty="0"/>
+          </a:p>
+        </p:txBody>
+      </p:sp>
+      <p:sp>
+        <p:nvSpPr>
+          <p:cNvPr id="5" name="Rectangle 4"/>
+          <p:cNvSpPr/>
+          <p:nvPr/>
+        </p:nvSpPr>
+        <p:spPr>
+          <a:xfrm>
+            <a:off x="4636214" y="2045411"/>
+            <a:ext cx="762000" cy="920393"/>
+          </a:xfrm>
+          <a:prstGeom prst="rect">
+            <a:avLst/>
+          </a:prstGeom>
+        </p:spPr>
+        <p:style>
+          <a:lnRef idx="2">
+            <a:schemeClr val="accent1">
+              <a:shade val="50000"/>
+            </a:schemeClr>
+          </a:lnRef>
+          <a:fillRef idx="1">
+            <a:schemeClr val="accent1"/>
+          </a:fillRef>
+          <a:effectRef idx="0">
+            <a:schemeClr val="accent1"/>
+          </a:effectRef>
+          <a:fontRef idx="minor">
+            <a:schemeClr val="lt1"/>
+          </a:fontRef>
+        </p:style>
+        <p:txBody>
+          <a:bodyPr rtlCol="0" anchor="ctr"/>
+          <a:lstStyle/>
+          <a:p>
+            <a:pPr algn="ctr"/>
+            <a:r>
+              <a:rPr lang="en-US" dirty="0" smtClean="0"/>
+              <a:t>4:1</a:t>
+            </a:r>
+          </a:p>
+          <a:p>
+            <a:pPr algn="ctr"/>
+            <a:r>
+              <a:rPr lang="en-US" dirty="0" smtClean="0"/>
+              <a:t>Mux</a:t>
+            </a:r>
+            <a:endParaRPr lang="en-US" dirty="0"/>
+          </a:p>
+        </p:txBody>
+      </p:sp>
+      <p:sp>
+        <p:nvSpPr>
+          <p:cNvPr id="6" name="Rectangle 5"/>
+          <p:cNvSpPr/>
+          <p:nvPr/>
+        </p:nvSpPr>
+        <p:spPr>
+          <a:xfrm>
+            <a:off x="3070261" y="5093411"/>
+            <a:ext cx="1066800" cy="920393"/>
+          </a:xfrm>
+          <a:prstGeom prst="rect">
+            <a:avLst/>
+          </a:prstGeom>
+        </p:spPr>
+        <p:style>
+          <a:lnRef idx="2">
+            <a:schemeClr val="accent1">
+              <a:shade val="50000"/>
+            </a:schemeClr>
+          </a:lnRef>
+          <a:fillRef idx="1">
+            <a:schemeClr val="accent1"/>
+          </a:fillRef>
+          <a:effectRef idx="0">
+            <a:schemeClr val="accent1"/>
+          </a:effectRef>
+          <a:fontRef idx="minor">
+            <a:schemeClr val="lt1"/>
+          </a:fontRef>
+        </p:style>
+        <p:txBody>
+          <a:bodyPr rtlCol="0" anchor="ctr"/>
+          <a:lstStyle/>
+          <a:p>
+            <a:pPr algn="ctr"/>
+            <a:r>
+              <a:rPr lang="en-US" dirty="0" smtClean="0"/>
+              <a:t>50 MHz</a:t>
+            </a:r>
+          </a:p>
+          <a:p>
+            <a:pPr algn="ctr"/>
+            <a:r>
+              <a:rPr lang="en-US" dirty="0" smtClean="0"/>
+              <a:t>Clock</a:t>
+            </a:r>
+            <a:endParaRPr lang="en-US" dirty="0"/>
+          </a:p>
+        </p:txBody>
+      </p:sp>
+      <p:sp>
+        <p:nvSpPr>
+          <p:cNvPr id="7" name="Rectangle 6"/>
+          <p:cNvSpPr/>
+          <p:nvPr/>
+        </p:nvSpPr>
+        <p:spPr>
+          <a:xfrm>
+            <a:off x="5889661" y="2045411"/>
+            <a:ext cx="1066800" cy="920393"/>
+          </a:xfrm>
+          <a:prstGeom prst="rect">
+            <a:avLst/>
+          </a:prstGeom>
+        </p:spPr>
+        <p:style>
+          <a:lnRef idx="2">
+            <a:schemeClr val="accent1">
+              <a:shade val="50000"/>
+            </a:schemeClr>
+          </a:lnRef>
+          <a:fillRef idx="1">
+            <a:schemeClr val="accent1"/>
+          </a:fillRef>
+          <a:effectRef idx="0">
+            <a:schemeClr val="accent1"/>
+          </a:effectRef>
+          <a:fontRef idx="minor">
+            <a:schemeClr val="lt1"/>
+          </a:fontRef>
+        </p:style>
+        <p:txBody>
+          <a:bodyPr rtlCol="0" anchor="ctr"/>
+          <a:lstStyle/>
+          <a:p>
+            <a:pPr algn="ctr"/>
+            <a:r>
+              <a:rPr lang="en-US" dirty="0" smtClean="0"/>
+              <a:t>Toggle</a:t>
+            </a:r>
+          </a:p>
+          <a:p>
+            <a:pPr algn="ctr"/>
+            <a:r>
+              <a:rPr lang="en-US" dirty="0" smtClean="0"/>
+              <a:t>F-F</a:t>
+            </a:r>
+            <a:endParaRPr lang="en-US" dirty="0"/>
+          </a:p>
+        </p:txBody>
+      </p:sp>
+      <p:sp>
+        <p:nvSpPr>
+          <p:cNvPr id="8" name="Rectangle 7"/>
+          <p:cNvSpPr/>
+          <p:nvPr/>
+        </p:nvSpPr>
+        <p:spPr>
+          <a:xfrm>
+            <a:off x="1903288" y="2045411"/>
+            <a:ext cx="685800" cy="920393"/>
+          </a:xfrm>
+          <a:prstGeom prst="rect">
+            <a:avLst/>
+          </a:prstGeom>
+        </p:spPr>
+        <p:style>
+          <a:lnRef idx="2">
+            <a:schemeClr val="accent1">
+              <a:shade val="50000"/>
+            </a:schemeClr>
+          </a:lnRef>
+          <a:fillRef idx="1">
+            <a:schemeClr val="accent1"/>
+          </a:fillRef>
+          <a:effectRef idx="0">
+            <a:schemeClr val="accent1"/>
+          </a:effectRef>
+          <a:fontRef idx="minor">
+            <a:schemeClr val="lt1"/>
+          </a:fontRef>
+        </p:style>
+        <p:txBody>
+          <a:bodyPr rtlCol="0" anchor="ctr"/>
+          <a:lstStyle/>
+          <a:p>
+            <a:pPr algn="ctr"/>
+            <a:r>
+              <a:rPr lang="en-US" dirty="0" smtClean="0"/>
+              <a:t>Data</a:t>
+            </a:r>
+          </a:p>
+          <a:p>
+            <a:pPr algn="ctr"/>
+            <a:r>
+              <a:rPr lang="en-US" dirty="0" smtClean="0"/>
+              <a:t>Latch</a:t>
+            </a:r>
+            <a:endParaRPr lang="en-US" dirty="0"/>
+          </a:p>
+        </p:txBody>
+      </p:sp>
+      <p:sp>
+        <p:nvSpPr>
+          <p:cNvPr id="9" name="Rectangle 8"/>
+          <p:cNvSpPr/>
+          <p:nvPr/>
+        </p:nvSpPr>
+        <p:spPr>
+          <a:xfrm>
+            <a:off x="7413661" y="2035992"/>
+            <a:ext cx="1066800" cy="920393"/>
+          </a:xfrm>
+          <a:prstGeom prst="rect">
+            <a:avLst/>
+          </a:prstGeom>
+        </p:spPr>
+        <p:style>
+          <a:lnRef idx="2">
+            <a:schemeClr val="accent1">
+              <a:shade val="50000"/>
+            </a:schemeClr>
+          </a:lnRef>
+          <a:fillRef idx="1">
+            <a:schemeClr val="accent1"/>
+          </a:fillRef>
+          <a:effectRef idx="0">
+            <a:schemeClr val="accent1"/>
+          </a:effectRef>
+          <a:fontRef idx="minor">
+            <a:schemeClr val="lt1"/>
+          </a:fontRef>
+        </p:style>
+        <p:txBody>
+          <a:bodyPr rtlCol="0" anchor="ctr"/>
+          <a:lstStyle/>
+          <a:p>
+            <a:pPr algn="ctr"/>
+            <a:r>
+              <a:rPr lang="en-US" dirty="0" smtClean="0"/>
+              <a:t>Buzzer</a:t>
+            </a:r>
+            <a:endParaRPr lang="en-US" dirty="0"/>
+          </a:p>
+        </p:txBody>
+      </p:sp>
+      <p:sp>
+        <p:nvSpPr>
+          <p:cNvPr id="10" name="Rectangle 9"/>
+          <p:cNvSpPr/>
+          <p:nvPr/>
+        </p:nvSpPr>
+        <p:spPr>
+          <a:xfrm>
+            <a:off x="838200" y="2035993"/>
+            <a:ext cx="585627" cy="920393"/>
+          </a:xfrm>
+          <a:prstGeom prst="rect">
+            <a:avLst/>
+          </a:prstGeom>
+        </p:spPr>
+        <p:style>
+          <a:lnRef idx="2">
+            <a:schemeClr val="accent1">
+              <a:shade val="50000"/>
+            </a:schemeClr>
+          </a:lnRef>
+          <a:fillRef idx="1">
+            <a:schemeClr val="accent1"/>
+          </a:fillRef>
+          <a:effectRef idx="0">
+            <a:schemeClr val="accent1"/>
+          </a:effectRef>
+          <a:fontRef idx="minor">
+            <a:schemeClr val="lt1"/>
+          </a:fontRef>
+        </p:style>
+        <p:txBody>
+          <a:bodyPr rtlCol="0" anchor="ctr"/>
+          <a:lstStyle/>
+          <a:p>
+            <a:pPr algn="ctr"/>
+            <a:r>
+              <a:rPr lang="en-US" dirty="0" smtClean="0"/>
+              <a:t>CPU</a:t>
+            </a:r>
+            <a:endParaRPr lang="en-US" dirty="0"/>
+          </a:p>
+        </p:txBody>
+      </p:sp>
+      <p:sp>
+        <p:nvSpPr>
+          <p:cNvPr id="11" name="Right Arrow 10"/>
+          <p:cNvSpPr/>
+          <p:nvPr/>
+        </p:nvSpPr>
+        <p:spPr>
+          <a:xfrm>
+            <a:off x="1423827" y="2343788"/>
+            <a:ext cx="479461" cy="304800"/>
+          </a:xfrm>
+          <a:prstGeom prst="rightArrow">
+            <a:avLst/>
+          </a:prstGeom>
+        </p:spPr>
+        <p:style>
+          <a:lnRef idx="2">
+            <a:schemeClr val="accent1">
+              <a:shade val="50000"/>
+            </a:schemeClr>
+          </a:lnRef>
+          <a:fillRef idx="1">
+            <a:schemeClr val="accent1"/>
+          </a:fillRef>
+          <a:effectRef idx="0">
+            <a:schemeClr val="accent1"/>
+          </a:effectRef>
+          <a:fontRef idx="minor">
+            <a:schemeClr val="lt1"/>
+          </a:fontRef>
+        </p:style>
+        <p:txBody>
+          <a:bodyPr rtlCol="0" anchor="ctr"/>
+          <a:lstStyle/>
+          <a:p>
+            <a:pPr algn="ctr"/>
+            <a:r>
+              <a:rPr lang="en-US" dirty="0" smtClean="0"/>
+              <a:t>8</a:t>
+            </a:r>
+            <a:endParaRPr lang="en-US" dirty="0"/>
+          </a:p>
+        </p:txBody>
+      </p:sp>
+      <p:sp>
+        <p:nvSpPr>
+          <p:cNvPr id="12" name="Right Arrow 11"/>
+          <p:cNvSpPr/>
+          <p:nvPr/>
+        </p:nvSpPr>
+        <p:spPr>
+          <a:xfrm>
+            <a:off x="2589088" y="2343788"/>
+            <a:ext cx="479461" cy="304800"/>
+          </a:xfrm>
+          <a:prstGeom prst="rightArrow">
+            <a:avLst/>
+          </a:prstGeom>
+        </p:spPr>
+        <p:style>
+          <a:lnRef idx="2">
+            <a:schemeClr val="accent1">
+              <a:shade val="50000"/>
+            </a:schemeClr>
+          </a:lnRef>
+          <a:fillRef idx="1">
+            <a:schemeClr val="accent1"/>
+          </a:fillRef>
+          <a:effectRef idx="0">
+            <a:schemeClr val="accent1"/>
+          </a:effectRef>
+          <a:fontRef idx="minor">
+            <a:schemeClr val="lt1"/>
+          </a:fontRef>
+        </p:style>
+        <p:txBody>
+          <a:bodyPr rtlCol="0" anchor="ctr"/>
+          <a:lstStyle/>
+          <a:p>
+            <a:pPr algn="ctr"/>
+            <a:r>
+              <a:rPr lang="en-US" dirty="0" smtClean="0"/>
+              <a:t>8</a:t>
+            </a:r>
+            <a:endParaRPr lang="en-US" dirty="0"/>
+          </a:p>
+        </p:txBody>
+      </p:sp>
+      <p:sp>
+        <p:nvSpPr>
+          <p:cNvPr id="13" name="Right Arrow 12"/>
+          <p:cNvSpPr/>
+          <p:nvPr/>
+        </p:nvSpPr>
+        <p:spPr>
+          <a:xfrm>
+            <a:off x="4156753" y="2353207"/>
+            <a:ext cx="479461" cy="304800"/>
+          </a:xfrm>
+          <a:prstGeom prst="rightArrow">
+            <a:avLst/>
+          </a:prstGeom>
+        </p:spPr>
+        <p:style>
+          <a:lnRef idx="2">
+            <a:schemeClr val="accent1">
+              <a:shade val="50000"/>
+            </a:schemeClr>
+          </a:lnRef>
+          <a:fillRef idx="1">
+            <a:schemeClr val="accent1"/>
+          </a:fillRef>
+          <a:effectRef idx="0">
+            <a:schemeClr val="accent1"/>
+          </a:effectRef>
+          <a:fontRef idx="minor">
+            <a:schemeClr val="lt1"/>
+          </a:fontRef>
+        </p:style>
+        <p:txBody>
+          <a:bodyPr rtlCol="0" anchor="ctr"/>
+          <a:lstStyle/>
+          <a:p>
+            <a:pPr algn="ctr"/>
+            <a:r>
+              <a:rPr lang="en-US" dirty="0" smtClean="0"/>
+              <a:t>4</a:t>
+            </a:r>
+            <a:endParaRPr lang="en-US" dirty="0"/>
+          </a:p>
+        </p:txBody>
+      </p:sp>
+      <p:cxnSp>
+        <p:nvCxnSpPr>
+          <p:cNvPr id="16" name="Straight Arrow Connector 15"/>
+          <p:cNvCxnSpPr>
+            <a:stCxn id="5" idx="3"/>
+            <a:endCxn id="7" idx="1"/>
+          </p:cNvCxnSpPr>
+          <p:nvPr/>
+        </p:nvCxnSpPr>
+        <p:spPr>
+          <a:xfrm>
+            <a:off x="5398214" y="2505608"/>
+            <a:ext cx="491447" cy="0"/>
+          </a:xfrm>
+          <a:prstGeom prst="straightConnector1">
+            <a:avLst/>
+          </a:prstGeom>
+          <a:ln>
+            <a:tailEnd type="arrow"/>
+          </a:ln>
+        </p:spPr>
+        <p:style>
+          <a:lnRef idx="1">
+            <a:schemeClr val="accent1"/>
+          </a:lnRef>
+          <a:fillRef idx="0">
+            <a:schemeClr val="accent1"/>
+          </a:fillRef>
+          <a:effectRef idx="0">
+            <a:schemeClr val="accent1"/>
+          </a:effectRef>
+          <a:fontRef idx="minor">
+            <a:schemeClr val="tx1"/>
+          </a:fontRef>
+        </p:style>
+      </p:cxnSp>
+      <p:cxnSp>
+        <p:nvCxnSpPr>
+          <p:cNvPr id="18" name="Straight Arrow Connector 17"/>
+          <p:cNvCxnSpPr>
+            <a:stCxn id="7" idx="3"/>
+            <a:endCxn id="9" idx="1"/>
+          </p:cNvCxnSpPr>
+          <p:nvPr/>
+        </p:nvCxnSpPr>
+        <p:spPr>
+          <a:xfrm flipV="1">
+            <a:off x="6956461" y="2496189"/>
+            <a:ext cx="457200" cy="9419"/>
+          </a:xfrm>
+          <a:prstGeom prst="straightConnector1">
+            <a:avLst/>
+          </a:prstGeom>
+          <a:ln>
+            <a:tailEnd type="arrow"/>
+          </a:ln>
+        </p:spPr>
+        <p:style>
+          <a:lnRef idx="1">
+            <a:schemeClr val="accent1"/>
+          </a:lnRef>
+          <a:fillRef idx="0">
+            <a:schemeClr val="accent1"/>
+          </a:fillRef>
+          <a:effectRef idx="0">
+            <a:schemeClr val="accent1"/>
+          </a:effectRef>
+          <a:fontRef idx="minor">
+            <a:schemeClr val="tx1"/>
+          </a:fontRef>
+        </p:style>
+      </p:cxnSp>
+      <p:cxnSp>
+        <p:nvCxnSpPr>
+          <p:cNvPr id="20" name="Straight Arrow Connector 19"/>
+          <p:cNvCxnSpPr>
+            <a:stCxn id="6" idx="0"/>
+            <a:endCxn id="4" idx="2"/>
+          </p:cNvCxnSpPr>
+          <p:nvPr/>
+        </p:nvCxnSpPr>
+        <p:spPr>
+          <a:xfrm flipV="1">
+            <a:off x="3603661" y="4636211"/>
+            <a:ext cx="0" cy="457200"/>
+          </a:xfrm>
+          <a:prstGeom prst="straightConnector1">
+            <a:avLst/>
+          </a:prstGeom>
+          <a:ln>
+            <a:tailEnd type="arrow"/>
+          </a:ln>
+        </p:spPr>
+        <p:style>
+          <a:lnRef idx="1">
+            <a:schemeClr val="accent1"/>
+          </a:lnRef>
+          <a:fillRef idx="0">
+            <a:schemeClr val="accent1"/>
+          </a:fillRef>
+          <a:effectRef idx="0">
+            <a:schemeClr val="accent1"/>
+          </a:effectRef>
+          <a:fontRef idx="minor">
+            <a:schemeClr val="tx1"/>
+          </a:fontRef>
+        </p:style>
+      </p:cxnSp>
     </p:spTree>
     <p:extLst>
       <p:ext uri="{BB962C8B-B14F-4D97-AF65-F5344CB8AC3E}">
-        <p14:creationId xmlns:p14="http://schemas.microsoft.com/office/powerpoint/2010/main" val="3657219876"/>
+        <p14:creationId xmlns:p14="http://schemas.microsoft.com/office/powerpoint/2010/main" val="56139318"/>
+      </p:ext>
+    </p:extLst>
+  </p:cSld>
+  <p:clrMapOvr>
+    <a:masterClrMapping/>
+  </p:clrMapOvr>
+</p:sld>
+</file>
+
+<file path=ppt/slides/slide15.xml><?xml version="1.0" encoding="utf-8"?>
+<p:sld xmlns:a="http://schemas.openxmlformats.org/drawingml/2006/main" xmlns:r="http://schemas.openxmlformats.org/officeDocument/2006/relationships" xmlns:p="http://schemas.openxmlformats.org/presentationml/2006/main">
+  <p:cSld>
+    <p:spTree>
+      <p:nvGrpSpPr>
+        <p:cNvPr id="1" name=""/>
+        <p:cNvGrpSpPr/>
+        <p:nvPr/>
+      </p:nvGrpSpPr>
+      <p:grpSpPr>
+        <a:xfrm>
+          <a:off x="0" y="0"/>
+          <a:ext cx="0" cy="0"/>
+          <a:chOff x="0" y="0"/>
+          <a:chExt cx="0" cy="0"/>
+        </a:xfrm>
+      </p:grpSpPr>
+      <p:sp>
+        <p:nvSpPr>
+          <p:cNvPr id="2" name="Title 1"/>
+          <p:cNvSpPr>
+            <a:spLocks noGrp="1"/>
+          </p:cNvSpPr>
+          <p:nvPr>
+            <p:ph type="title"/>
+          </p:nvPr>
+        </p:nvSpPr>
+        <p:spPr/>
+        <p:txBody>
+          <a:bodyPr/>
+          <a:lstStyle/>
+          <a:p>
+            <a:r>
+              <a:rPr lang="en-US" dirty="0" smtClean="0"/>
+              <a:t>Fourth Cut</a:t>
+            </a:r>
+            <a:endParaRPr lang="en-US" dirty="0"/>
+          </a:p>
+        </p:txBody>
+      </p:sp>
+      <p:sp>
+        <p:nvSpPr>
+          <p:cNvPr id="3" name="Content Placeholder 2"/>
+          <p:cNvSpPr>
+            <a:spLocks noGrp="1"/>
+          </p:cNvSpPr>
+          <p:nvPr>
+            <p:ph idx="1"/>
+          </p:nvPr>
+        </p:nvSpPr>
+        <p:spPr/>
+        <p:txBody>
+          <a:bodyPr/>
+          <a:lstStyle/>
+          <a:p>
+            <a:r>
+              <a:rPr lang="en-US" dirty="0" smtClean="0"/>
+              <a:t>Use counter</a:t>
+            </a:r>
+          </a:p>
+          <a:p>
+            <a:r>
+              <a:rPr lang="en-US" dirty="0" smtClean="0"/>
+              <a:t>Load counter with starting value</a:t>
+            </a:r>
+          </a:p>
+          <a:p>
+            <a:r>
+              <a:rPr lang="en-US" dirty="0" smtClean="0"/>
+              <a:t>Count from the value to terminal count</a:t>
+            </a:r>
+          </a:p>
+          <a:p>
+            <a:r>
+              <a:rPr lang="en-US" dirty="0" smtClean="0"/>
+              <a:t>Toggle the output every time terminal count is reached</a:t>
+            </a:r>
+            <a:endParaRPr lang="en-US" dirty="0"/>
+          </a:p>
+        </p:txBody>
+      </p:sp>
+    </p:spTree>
+    <p:extLst>
+      <p:ext uri="{BB962C8B-B14F-4D97-AF65-F5344CB8AC3E}">
+        <p14:creationId xmlns:p14="http://schemas.microsoft.com/office/powerpoint/2010/main" val="3219758035"/>
+      </p:ext>
+    </p:extLst>
+  </p:cSld>
+  <p:clrMapOvr>
+    <a:masterClrMapping/>
+  </p:clrMapOvr>
+</p:sld>
+</file>
+
+<file path=ppt/slides/slide16.xml><?xml version="1.0" encoding="utf-8"?>
+<p:sld xmlns:a="http://schemas.openxmlformats.org/drawingml/2006/main" xmlns:r="http://schemas.openxmlformats.org/officeDocument/2006/relationships" xmlns:p="http://schemas.openxmlformats.org/presentationml/2006/main">
+  <p:cSld>
+    <p:spTree>
+      <p:nvGrpSpPr>
+        <p:cNvPr id="1" name=""/>
+        <p:cNvGrpSpPr/>
+        <p:nvPr/>
+      </p:nvGrpSpPr>
+      <p:grpSpPr>
+        <a:xfrm>
+          <a:off x="0" y="0"/>
+          <a:ext cx="0" cy="0"/>
+          <a:chOff x="0" y="0"/>
+          <a:chExt cx="0" cy="0"/>
+        </a:xfrm>
+      </p:grpSpPr>
+      <p:sp>
+        <p:nvSpPr>
+          <p:cNvPr id="2" name="Title 1"/>
+          <p:cNvSpPr>
+            <a:spLocks noGrp="1"/>
+          </p:cNvSpPr>
+          <p:nvPr>
+            <p:ph type="title"/>
+          </p:nvPr>
+        </p:nvSpPr>
+        <p:spPr/>
+        <p:txBody>
+          <a:bodyPr/>
+          <a:lstStyle/>
+          <a:p>
+            <a:r>
+              <a:rPr lang="en-US" dirty="0"/>
+              <a:t>Fourth Cut </a:t>
+            </a:r>
+            <a:r>
+              <a:rPr lang="en-US" dirty="0" smtClean="0"/>
+              <a:t>(cont’d)</a:t>
+            </a:r>
+            <a:endParaRPr lang="en-US" dirty="0"/>
+          </a:p>
+        </p:txBody>
+      </p:sp>
+      <p:sp>
+        <p:nvSpPr>
+          <p:cNvPr id="3" name="Content Placeholder 2"/>
+          <p:cNvSpPr>
+            <a:spLocks noGrp="1"/>
+          </p:cNvSpPr>
+          <p:nvPr>
+            <p:ph idx="1"/>
+          </p:nvPr>
+        </p:nvSpPr>
+        <p:spPr/>
+        <p:txBody>
+          <a:bodyPr>
+            <a:normAutofit/>
+          </a:bodyPr>
+          <a:lstStyle/>
+          <a:p>
+            <a:r>
+              <a:rPr lang="en-US" dirty="0" smtClean="0"/>
+              <a:t>Loadable counter entity</a:t>
+            </a:r>
+          </a:p>
+          <a:p>
+            <a:endParaRPr lang="en-US" dirty="0" smtClean="0"/>
+          </a:p>
+          <a:p>
+            <a:pPr marL="400050" lvl="1" indent="0">
+              <a:buNone/>
+            </a:pPr>
+            <a:r>
+              <a:rPr lang="en-US" sz="1600" b="1" dirty="0" smtClean="0">
+                <a:latin typeface="Courier New" pitchFamily="49" charset="0"/>
+                <a:cs typeface="Courier New" pitchFamily="49" charset="0"/>
+              </a:rPr>
+              <a:t>entity </a:t>
+            </a:r>
+            <a:r>
+              <a:rPr lang="en-US" sz="1600" b="1" dirty="0" err="1" smtClean="0">
+                <a:latin typeface="Courier New" pitchFamily="49" charset="0"/>
+                <a:cs typeface="Courier New" pitchFamily="49" charset="0"/>
+              </a:rPr>
+              <a:t>counterLoadable</a:t>
+            </a:r>
+            <a:r>
+              <a:rPr lang="en-US" sz="1600" b="1" dirty="0" smtClean="0">
+                <a:latin typeface="Courier New" pitchFamily="49" charset="0"/>
+                <a:cs typeface="Courier New" pitchFamily="49" charset="0"/>
+              </a:rPr>
+              <a:t> is</a:t>
+            </a:r>
+          </a:p>
+          <a:p>
+            <a:pPr marL="400050" lvl="1" indent="0">
+              <a:buNone/>
+            </a:pPr>
+            <a:endParaRPr lang="en-US" sz="1600" b="1" dirty="0" smtClean="0">
+              <a:latin typeface="Courier New" pitchFamily="49" charset="0"/>
+              <a:cs typeface="Courier New" pitchFamily="49" charset="0"/>
+            </a:endParaRPr>
+          </a:p>
+          <a:p>
+            <a:pPr marL="400050" lvl="1" indent="0">
+              <a:buNone/>
+            </a:pPr>
+            <a:r>
+              <a:rPr lang="en-US" sz="1600" b="1" dirty="0" smtClean="0">
+                <a:latin typeface="Courier New" pitchFamily="49" charset="0"/>
+                <a:cs typeface="Courier New" pitchFamily="49" charset="0"/>
+              </a:rPr>
+              <a:t>port(	</a:t>
+            </a:r>
+          </a:p>
+          <a:p>
+            <a:pPr marL="400050" lvl="1" indent="0">
+              <a:buNone/>
+            </a:pPr>
+            <a:r>
+              <a:rPr lang="en-US" sz="1600" b="1" dirty="0" smtClean="0">
+                <a:latin typeface="Courier New" pitchFamily="49" charset="0"/>
+                <a:cs typeface="Courier New" pitchFamily="49" charset="0"/>
+              </a:rPr>
+              <a:t>	clock:	in </a:t>
+            </a:r>
+            <a:r>
+              <a:rPr lang="en-US" sz="1600" b="1" dirty="0" err="1" smtClean="0">
+                <a:latin typeface="Courier New" pitchFamily="49" charset="0"/>
+                <a:cs typeface="Courier New" pitchFamily="49" charset="0"/>
+              </a:rPr>
+              <a:t>std_logic</a:t>
+            </a:r>
+            <a:r>
+              <a:rPr lang="en-US" sz="1600" b="1" dirty="0" smtClean="0">
+                <a:latin typeface="Courier New" pitchFamily="49" charset="0"/>
+                <a:cs typeface="Courier New" pitchFamily="49" charset="0"/>
+              </a:rPr>
+              <a:t>;</a:t>
+            </a:r>
+          </a:p>
+          <a:p>
+            <a:pPr marL="400050" lvl="1" indent="0">
+              <a:buNone/>
+            </a:pPr>
+            <a:r>
+              <a:rPr lang="en-US" sz="1600" b="1" dirty="0" smtClean="0">
+                <a:latin typeface="Courier New" pitchFamily="49" charset="0"/>
+                <a:cs typeface="Courier New" pitchFamily="49" charset="0"/>
+              </a:rPr>
+              <a:t>	clear:   in </a:t>
+            </a:r>
+            <a:r>
+              <a:rPr lang="en-US" sz="1600" b="1" dirty="0" err="1" smtClean="0">
+                <a:latin typeface="Courier New" pitchFamily="49" charset="0"/>
+                <a:cs typeface="Courier New" pitchFamily="49" charset="0"/>
+              </a:rPr>
+              <a:t>std_logic</a:t>
+            </a:r>
+            <a:r>
+              <a:rPr lang="en-US" sz="1600" b="1" dirty="0" smtClean="0">
+                <a:latin typeface="Courier New" pitchFamily="49" charset="0"/>
+                <a:cs typeface="Courier New" pitchFamily="49" charset="0"/>
+              </a:rPr>
+              <a:t>;</a:t>
+            </a:r>
+          </a:p>
+          <a:p>
+            <a:pPr marL="400050" lvl="1" indent="0">
+              <a:buNone/>
+            </a:pPr>
+            <a:r>
+              <a:rPr lang="en-US" sz="1600" b="1" dirty="0" smtClean="0">
+                <a:latin typeface="Courier New" pitchFamily="49" charset="0"/>
+                <a:cs typeface="Courier New" pitchFamily="49" charset="0"/>
+              </a:rPr>
+              <a:t>	</a:t>
+            </a:r>
+            <a:r>
+              <a:rPr lang="en-US" sz="1600" b="1" dirty="0" err="1" smtClean="0">
+                <a:latin typeface="Courier New" pitchFamily="49" charset="0"/>
+                <a:cs typeface="Courier New" pitchFamily="49" charset="0"/>
+              </a:rPr>
+              <a:t>loadVal</a:t>
+            </a:r>
+            <a:r>
+              <a:rPr lang="en-US" sz="1600" b="1" dirty="0" smtClean="0">
+                <a:latin typeface="Courier New" pitchFamily="49" charset="0"/>
+                <a:cs typeface="Courier New" pitchFamily="49" charset="0"/>
+              </a:rPr>
+              <a:t>: in </a:t>
+            </a:r>
+            <a:r>
+              <a:rPr lang="en-US" sz="1600" b="1" dirty="0" err="1" smtClean="0">
+                <a:latin typeface="Courier New" pitchFamily="49" charset="0"/>
+                <a:cs typeface="Courier New" pitchFamily="49" charset="0"/>
+              </a:rPr>
+              <a:t>std_logic_vector</a:t>
+            </a:r>
+            <a:r>
+              <a:rPr lang="en-US" sz="1600" b="1" dirty="0" smtClean="0">
+                <a:latin typeface="Courier New" pitchFamily="49" charset="0"/>
+                <a:cs typeface="Courier New" pitchFamily="49" charset="0"/>
+              </a:rPr>
+              <a:t>(7 </a:t>
+            </a:r>
+            <a:r>
+              <a:rPr lang="en-US" sz="1600" b="1" dirty="0" err="1" smtClean="0">
+                <a:latin typeface="Courier New" pitchFamily="49" charset="0"/>
+                <a:cs typeface="Courier New" pitchFamily="49" charset="0"/>
+              </a:rPr>
+              <a:t>downto</a:t>
+            </a:r>
+            <a:r>
+              <a:rPr lang="en-US" sz="1600" b="1" dirty="0" smtClean="0">
+                <a:latin typeface="Courier New" pitchFamily="49" charset="0"/>
+                <a:cs typeface="Courier New" pitchFamily="49" charset="0"/>
+              </a:rPr>
+              <a:t> 0);</a:t>
+            </a:r>
+          </a:p>
+          <a:p>
+            <a:pPr marL="400050" lvl="1" indent="0">
+              <a:buNone/>
+            </a:pPr>
+            <a:r>
+              <a:rPr lang="en-US" sz="1600" b="1" dirty="0" smtClean="0">
+                <a:latin typeface="Courier New" pitchFamily="49" charset="0"/>
+                <a:cs typeface="Courier New" pitchFamily="49" charset="0"/>
+              </a:rPr>
+              <a:t>	</a:t>
+            </a:r>
+            <a:r>
+              <a:rPr lang="en-US" sz="1600" b="1" dirty="0" err="1" smtClean="0">
+                <a:latin typeface="Courier New" pitchFamily="49" charset="0"/>
+                <a:cs typeface="Courier New" pitchFamily="49" charset="0"/>
+              </a:rPr>
+              <a:t>soundOut</a:t>
+            </a:r>
+            <a:r>
+              <a:rPr lang="en-US" sz="1600" b="1" dirty="0" smtClean="0">
+                <a:latin typeface="Courier New" pitchFamily="49" charset="0"/>
+                <a:cs typeface="Courier New" pitchFamily="49" charset="0"/>
+              </a:rPr>
+              <a:t>: out </a:t>
+            </a:r>
+            <a:r>
+              <a:rPr lang="en-US" sz="1600" b="1" dirty="0" err="1" smtClean="0">
+                <a:latin typeface="Courier New" pitchFamily="49" charset="0"/>
+                <a:cs typeface="Courier New" pitchFamily="49" charset="0"/>
+              </a:rPr>
+              <a:t>std_logic</a:t>
+            </a:r>
+            <a:r>
+              <a:rPr lang="en-US" sz="1600" b="1" dirty="0" smtClean="0">
+                <a:latin typeface="Courier New" pitchFamily="49" charset="0"/>
+                <a:cs typeface="Courier New" pitchFamily="49" charset="0"/>
+              </a:rPr>
+              <a:t>;</a:t>
+            </a:r>
+          </a:p>
+          <a:p>
+            <a:pPr marL="400050" lvl="1" indent="0">
+              <a:buNone/>
+            </a:pPr>
+            <a:r>
+              <a:rPr lang="en-US" sz="1600" b="1" dirty="0" smtClean="0">
+                <a:latin typeface="Courier New" pitchFamily="49" charset="0"/>
+                <a:cs typeface="Courier New" pitchFamily="49" charset="0"/>
+              </a:rPr>
+              <a:t>	Q:	out </a:t>
+            </a:r>
+            <a:r>
+              <a:rPr lang="en-US" sz="1600" b="1" dirty="0" err="1" smtClean="0">
+                <a:latin typeface="Courier New" pitchFamily="49" charset="0"/>
+                <a:cs typeface="Courier New" pitchFamily="49" charset="0"/>
+              </a:rPr>
+              <a:t>std_logic_vector</a:t>
+            </a:r>
+            <a:r>
+              <a:rPr lang="en-US" sz="1600" b="1" dirty="0" smtClean="0">
+                <a:latin typeface="Courier New" pitchFamily="49" charset="0"/>
+                <a:cs typeface="Courier New" pitchFamily="49" charset="0"/>
+              </a:rPr>
+              <a:t>(18 </a:t>
+            </a:r>
+            <a:r>
+              <a:rPr lang="en-US" sz="1600" b="1" dirty="0" err="1" smtClean="0">
+                <a:latin typeface="Courier New" pitchFamily="49" charset="0"/>
+                <a:cs typeface="Courier New" pitchFamily="49" charset="0"/>
+              </a:rPr>
+              <a:t>downto</a:t>
+            </a:r>
+            <a:r>
+              <a:rPr lang="en-US" sz="1600" b="1" dirty="0" smtClean="0">
+                <a:latin typeface="Courier New" pitchFamily="49" charset="0"/>
+                <a:cs typeface="Courier New" pitchFamily="49" charset="0"/>
+              </a:rPr>
+              <a:t> 0)</a:t>
+            </a:r>
+          </a:p>
+          <a:p>
+            <a:pPr marL="400050" lvl="1" indent="0">
+              <a:buNone/>
+            </a:pPr>
+            <a:r>
+              <a:rPr lang="en-US" sz="1600" b="1" dirty="0" smtClean="0">
+                <a:latin typeface="Courier New" pitchFamily="49" charset="0"/>
+                <a:cs typeface="Courier New" pitchFamily="49" charset="0"/>
+              </a:rPr>
+              <a:t>);</a:t>
+            </a:r>
+          </a:p>
+          <a:p>
+            <a:pPr marL="400050" lvl="1" indent="0">
+              <a:buNone/>
+            </a:pPr>
+            <a:r>
+              <a:rPr lang="en-US" sz="1600" b="1" dirty="0" smtClean="0">
+                <a:latin typeface="Courier New" pitchFamily="49" charset="0"/>
+                <a:cs typeface="Courier New" pitchFamily="49" charset="0"/>
+              </a:rPr>
+              <a:t>end </a:t>
+            </a:r>
+            <a:r>
+              <a:rPr lang="en-US" sz="1600" b="1" dirty="0" err="1" smtClean="0">
+                <a:latin typeface="Courier New" pitchFamily="49" charset="0"/>
+                <a:cs typeface="Courier New" pitchFamily="49" charset="0"/>
+              </a:rPr>
+              <a:t>counterLoadable</a:t>
+            </a:r>
+            <a:r>
+              <a:rPr lang="en-US" sz="1600" b="1" dirty="0" smtClean="0">
+                <a:latin typeface="Courier New" pitchFamily="49" charset="0"/>
+                <a:cs typeface="Courier New" pitchFamily="49" charset="0"/>
+              </a:rPr>
+              <a:t>;</a:t>
+            </a:r>
+          </a:p>
+        </p:txBody>
+      </p:sp>
+    </p:spTree>
+    <p:extLst>
+      <p:ext uri="{BB962C8B-B14F-4D97-AF65-F5344CB8AC3E}">
+        <p14:creationId xmlns:p14="http://schemas.microsoft.com/office/powerpoint/2010/main" val="3017898810"/>
+      </p:ext>
+    </p:extLst>
+  </p:cSld>
+  <p:clrMapOvr>
+    <a:masterClrMapping/>
+  </p:clrMapOvr>
+</p:sld>
+</file>
+
+<file path=ppt/slides/slide17.xml><?xml version="1.0" encoding="utf-8"?>
+<p:sld xmlns:a="http://schemas.openxmlformats.org/drawingml/2006/main" xmlns:r="http://schemas.openxmlformats.org/officeDocument/2006/relationships" xmlns:p="http://schemas.openxmlformats.org/presentationml/2006/main">
+  <p:cSld>
+    <p:spTree>
+      <p:nvGrpSpPr>
+        <p:cNvPr id="1" name=""/>
+        <p:cNvGrpSpPr/>
+        <p:nvPr/>
+      </p:nvGrpSpPr>
+      <p:grpSpPr>
+        <a:xfrm>
+          <a:off x="0" y="0"/>
+          <a:ext cx="0" cy="0"/>
+          <a:chOff x="0" y="0"/>
+          <a:chExt cx="0" cy="0"/>
+        </a:xfrm>
+      </p:grpSpPr>
+      <p:sp>
+        <p:nvSpPr>
+          <p:cNvPr id="2" name="Title 1"/>
+          <p:cNvSpPr>
+            <a:spLocks noGrp="1"/>
+          </p:cNvSpPr>
+          <p:nvPr>
+            <p:ph type="title"/>
+          </p:nvPr>
+        </p:nvSpPr>
+        <p:spPr/>
+        <p:txBody>
+          <a:bodyPr/>
+          <a:lstStyle/>
+          <a:p>
+            <a:r>
+              <a:rPr lang="en-US" dirty="0"/>
+              <a:t>Fourth Cut</a:t>
+            </a:r>
+            <a:endParaRPr lang="en-US" dirty="0"/>
+          </a:p>
+        </p:txBody>
+      </p:sp>
+      <p:sp>
+        <p:nvSpPr>
+          <p:cNvPr id="3" name="Content Placeholder 2"/>
+          <p:cNvSpPr>
+            <a:spLocks noGrp="1"/>
+          </p:cNvSpPr>
+          <p:nvPr>
+            <p:ph idx="1"/>
+          </p:nvPr>
+        </p:nvSpPr>
+        <p:spPr/>
+        <p:txBody>
+          <a:bodyPr/>
+          <a:lstStyle/>
+          <a:p>
+            <a:r>
+              <a:rPr lang="en-US" dirty="0" smtClean="0"/>
+              <a:t>Use DDS to generate precise frequencies</a:t>
+            </a:r>
+          </a:p>
+          <a:p>
+            <a:r>
+              <a:rPr lang="en-US" dirty="0" smtClean="0"/>
+              <a:t>50,000,000 Hz clock is 20 </a:t>
+            </a:r>
+            <a:r>
+              <a:rPr lang="en-US" dirty="0" err="1" smtClean="0"/>
+              <a:t>nS</a:t>
+            </a:r>
+            <a:r>
+              <a:rPr lang="en-US" dirty="0" smtClean="0"/>
+              <a:t> accuracy</a:t>
+            </a:r>
+          </a:p>
+          <a:p>
+            <a:r>
+              <a:rPr lang="en-US" dirty="0" smtClean="0"/>
+              <a:t>12 notes per octave on a piano</a:t>
+            </a:r>
+          </a:p>
+          <a:p>
+            <a:r>
+              <a:rPr lang="en-US" dirty="0" smtClean="0"/>
+              <a:t>Every octave doubles the frequency</a:t>
+            </a:r>
+          </a:p>
+        </p:txBody>
+      </p:sp>
+    </p:spTree>
+    <p:extLst>
+      <p:ext uri="{BB962C8B-B14F-4D97-AF65-F5344CB8AC3E}">
+        <p14:creationId xmlns:p14="http://schemas.microsoft.com/office/powerpoint/2010/main" val="1856059942"/>
+      </p:ext>
+    </p:extLst>
+  </p:cSld>
+  <p:clrMapOvr>
+    <a:masterClrMapping/>
+  </p:clrMapOvr>
+</p:sld>
+</file>
+
+<file path=ppt/slides/slide18.xml><?xml version="1.0" encoding="utf-8"?>
+<p:sld xmlns:a="http://schemas.openxmlformats.org/drawingml/2006/main" xmlns:r="http://schemas.openxmlformats.org/officeDocument/2006/relationships" xmlns:p="http://schemas.openxmlformats.org/presentationml/2006/main">
+  <p:cSld>
+    <p:spTree>
+      <p:nvGrpSpPr>
+        <p:cNvPr id="1" name=""/>
+        <p:cNvGrpSpPr/>
+        <p:nvPr/>
+      </p:nvGrpSpPr>
+      <p:grpSpPr>
+        <a:xfrm>
+          <a:off x="0" y="0"/>
+          <a:ext cx="0" cy="0"/>
+          <a:chOff x="0" y="0"/>
+          <a:chExt cx="0" cy="0"/>
+        </a:xfrm>
+      </p:grpSpPr>
+      <p:sp>
+        <p:nvSpPr>
+          <p:cNvPr id="2" name="Title 1"/>
+          <p:cNvSpPr>
+            <a:spLocks noGrp="1"/>
+          </p:cNvSpPr>
+          <p:nvPr>
+            <p:ph type="title"/>
+          </p:nvPr>
+        </p:nvSpPr>
+        <p:spPr/>
+        <p:txBody>
+          <a:bodyPr/>
+          <a:lstStyle/>
+          <a:p>
+            <a:r>
+              <a:rPr lang="en-US" dirty="0"/>
+              <a:t>Fourth Cut </a:t>
+            </a:r>
+            <a:r>
+              <a:rPr lang="en-US" dirty="0" smtClean="0"/>
+              <a:t>(cont’d)</a:t>
+            </a:r>
+            <a:endParaRPr lang="en-US" dirty="0"/>
+          </a:p>
+        </p:txBody>
+      </p:sp>
+      <p:sp>
+        <p:nvSpPr>
+          <p:cNvPr id="3" name="Content Placeholder 2"/>
+          <p:cNvSpPr>
+            <a:spLocks noGrp="1"/>
+          </p:cNvSpPr>
+          <p:nvPr>
+            <p:ph idx="1"/>
+          </p:nvPr>
+        </p:nvSpPr>
+        <p:spPr/>
+        <p:txBody>
+          <a:bodyPr/>
+          <a:lstStyle/>
+          <a:p>
+            <a:endParaRPr lang="en-US"/>
+          </a:p>
+        </p:txBody>
+      </p:sp>
+    </p:spTree>
+    <p:extLst>
+      <p:ext uri="{BB962C8B-B14F-4D97-AF65-F5344CB8AC3E}">
+        <p14:creationId xmlns:p14="http://schemas.microsoft.com/office/powerpoint/2010/main" val="4197170676"/>
+      </p:ext>
+    </p:extLst>
+  </p:cSld>
+  <p:clrMapOvr>
+    <a:masterClrMapping/>
+  </p:clrMapOvr>
+</p:sld>
+</file>
+
+<file path=ppt/slides/slide19.xml><?xml version="1.0" encoding="utf-8"?>
+<p:sld xmlns:a="http://schemas.openxmlformats.org/drawingml/2006/main" xmlns:r="http://schemas.openxmlformats.org/officeDocument/2006/relationships" xmlns:p="http://schemas.openxmlformats.org/presentationml/2006/main">
+  <p:cSld>
+    <p:spTree>
+      <p:nvGrpSpPr>
+        <p:cNvPr id="1" name=""/>
+        <p:cNvGrpSpPr/>
+        <p:nvPr/>
+      </p:nvGrpSpPr>
+      <p:grpSpPr>
+        <a:xfrm>
+          <a:off x="0" y="0"/>
+          <a:ext cx="0" cy="0"/>
+          <a:chOff x="0" y="0"/>
+          <a:chExt cx="0" cy="0"/>
+        </a:xfrm>
+      </p:grpSpPr>
+      <p:sp>
+        <p:nvSpPr>
+          <p:cNvPr id="2" name="Title 1"/>
+          <p:cNvSpPr>
+            <a:spLocks noGrp="1"/>
+          </p:cNvSpPr>
+          <p:nvPr>
+            <p:ph type="title"/>
+          </p:nvPr>
+        </p:nvSpPr>
+        <p:spPr/>
+        <p:txBody>
+          <a:bodyPr/>
+          <a:lstStyle/>
+          <a:p>
+            <a:r>
+              <a:rPr lang="en-US" dirty="0" smtClean="0"/>
+              <a:t>Improving “Fidelity”</a:t>
+            </a:r>
+            <a:endParaRPr lang="en-US" dirty="0"/>
+          </a:p>
+        </p:txBody>
+      </p:sp>
+      <p:sp>
+        <p:nvSpPr>
+          <p:cNvPr id="3" name="Content Placeholder 2"/>
+          <p:cNvSpPr>
+            <a:spLocks noGrp="1"/>
+          </p:cNvSpPr>
+          <p:nvPr>
+            <p:ph idx="1"/>
+          </p:nvPr>
+        </p:nvSpPr>
+        <p:spPr/>
+        <p:txBody>
+          <a:bodyPr/>
+          <a:lstStyle/>
+          <a:p>
+            <a:r>
+              <a:rPr lang="en-US" dirty="0" smtClean="0"/>
+              <a:t>Square waves are very harsh</a:t>
+            </a:r>
+          </a:p>
+          <a:p>
+            <a:r>
+              <a:rPr lang="en-US" dirty="0" smtClean="0"/>
+              <a:t>Rising/falling edges have a lot of harmonics</a:t>
+            </a:r>
+          </a:p>
+          <a:p>
+            <a:r>
+              <a:rPr lang="en-US" dirty="0" smtClean="0"/>
+              <a:t>Need to soften the edges or make the steps smaller</a:t>
+            </a:r>
+          </a:p>
+          <a:p>
+            <a:r>
+              <a:rPr lang="en-US" dirty="0" smtClean="0"/>
+              <a:t>Smaller steps with the buzzer reduce the volume</a:t>
+            </a:r>
+          </a:p>
+          <a:p>
+            <a:endParaRPr lang="en-US" dirty="0"/>
+          </a:p>
+        </p:txBody>
+      </p:sp>
+    </p:spTree>
+    <p:extLst>
+      <p:ext uri="{BB962C8B-B14F-4D97-AF65-F5344CB8AC3E}">
+        <p14:creationId xmlns:p14="http://schemas.microsoft.com/office/powerpoint/2010/main" val="2939277055"/>
       </p:ext>
     </p:extLst>
   </p:cSld>
@@ -3732,6 +5652,318 @@
         </p:nvSpPr>
         <p:spPr/>
         <p:txBody>
+          <a:bodyPr/>
+          <a:lstStyle/>
+          <a:p>
+            <a:r>
+              <a:rPr lang="en-US" dirty="0" smtClean="0"/>
+              <a:t>Single Tone</a:t>
+            </a:r>
+          </a:p>
+          <a:p>
+            <a:r>
+              <a:rPr lang="en-US" dirty="0" smtClean="0"/>
+              <a:t>Ex:</a:t>
+            </a:r>
+          </a:p>
+          <a:p>
+            <a:pPr lvl="1"/>
+            <a:r>
+              <a:rPr lang="en-US" dirty="0" smtClean="0"/>
+              <a:t>16-bit counter</a:t>
+            </a:r>
+          </a:p>
+          <a:p>
+            <a:pPr lvl="1"/>
+            <a:r>
+              <a:rPr lang="en-US" dirty="0" smtClean="0"/>
+              <a:t>Clocked at 50 MHz</a:t>
+            </a:r>
+          </a:p>
+          <a:p>
+            <a:pPr lvl="1"/>
+            <a:r>
+              <a:rPr lang="en-US" dirty="0" smtClean="0"/>
+              <a:t>MSB = 50,000,000 / 2^16 = 762.93 Hz</a:t>
+            </a:r>
+          </a:p>
+          <a:p>
+            <a:pPr lvl="1"/>
+            <a:endParaRPr lang="en-US" dirty="0" smtClean="0"/>
+          </a:p>
+        </p:txBody>
+      </p:sp>
+    </p:spTree>
+    <p:extLst>
+      <p:ext uri="{BB962C8B-B14F-4D97-AF65-F5344CB8AC3E}">
+        <p14:creationId xmlns:p14="http://schemas.microsoft.com/office/powerpoint/2010/main" val="3918857455"/>
+      </p:ext>
+    </p:extLst>
+  </p:cSld>
+  <p:clrMapOvr>
+    <a:masterClrMapping/>
+  </p:clrMapOvr>
+</p:sld>
+</file>
+
+<file path=ppt/slides/slide20.xml><?xml version="1.0" encoding="utf-8"?>
+<p:sld xmlns:a="http://schemas.openxmlformats.org/drawingml/2006/main" xmlns:r="http://schemas.openxmlformats.org/officeDocument/2006/relationships" xmlns:p="http://schemas.openxmlformats.org/presentationml/2006/main">
+  <p:cSld>
+    <p:spTree>
+      <p:nvGrpSpPr>
+        <p:cNvPr id="1" name=""/>
+        <p:cNvGrpSpPr/>
+        <p:nvPr/>
+      </p:nvGrpSpPr>
+      <p:grpSpPr>
+        <a:xfrm>
+          <a:off x="0" y="0"/>
+          <a:ext cx="0" cy="0"/>
+          <a:chOff x="0" y="0"/>
+          <a:chExt cx="0" cy="0"/>
+        </a:xfrm>
+      </p:grpSpPr>
+      <p:sp>
+        <p:nvSpPr>
+          <p:cNvPr id="2" name="Title 1"/>
+          <p:cNvSpPr>
+            <a:spLocks noGrp="1"/>
+          </p:cNvSpPr>
+          <p:nvPr>
+            <p:ph type="title"/>
+          </p:nvPr>
+        </p:nvSpPr>
+        <p:spPr/>
+        <p:txBody>
+          <a:bodyPr/>
+          <a:lstStyle/>
+          <a:p>
+            <a:r>
+              <a:rPr lang="en-US" dirty="0" smtClean="0"/>
+              <a:t>Smoothing the edges</a:t>
+            </a:r>
+            <a:endParaRPr lang="en-US" dirty="0"/>
+          </a:p>
+        </p:txBody>
+      </p:sp>
+      <p:sp>
+        <p:nvSpPr>
+          <p:cNvPr id="3" name="Content Placeholder 2"/>
+          <p:cNvSpPr>
+            <a:spLocks noGrp="1"/>
+          </p:cNvSpPr>
+          <p:nvPr>
+            <p:ph idx="1"/>
+          </p:nvPr>
+        </p:nvSpPr>
+        <p:spPr/>
+        <p:txBody>
+          <a:bodyPr/>
+          <a:lstStyle/>
+          <a:p>
+            <a:r>
+              <a:rPr lang="en-US" dirty="0" smtClean="0"/>
+              <a:t>No real options on the card for smoothing the sharp edges</a:t>
+            </a:r>
+          </a:p>
+          <a:p>
+            <a:r>
+              <a:rPr lang="en-US" dirty="0" smtClean="0"/>
+              <a:t>Reduce drive current from 8 mA?</a:t>
+            </a:r>
+          </a:p>
+          <a:p>
+            <a:r>
+              <a:rPr lang="en-US" dirty="0" smtClean="0"/>
+              <a:t>Buzzer has 100 ohm series resistor</a:t>
+            </a:r>
+          </a:p>
+          <a:p>
+            <a:r>
+              <a:rPr lang="en-US" dirty="0" smtClean="0"/>
+              <a:t>Buzzer impedance is </a:t>
+            </a:r>
+            <a:r>
+              <a:rPr lang="en-US" dirty="0" smtClean="0">
+                <a:solidFill>
+                  <a:srgbClr val="FF0000"/>
+                </a:solidFill>
+              </a:rPr>
+              <a:t>TBD</a:t>
+            </a:r>
+            <a:endParaRPr lang="en-US" dirty="0"/>
+          </a:p>
+        </p:txBody>
+      </p:sp>
+    </p:spTree>
+    <p:extLst>
+      <p:ext uri="{BB962C8B-B14F-4D97-AF65-F5344CB8AC3E}">
+        <p14:creationId xmlns:p14="http://schemas.microsoft.com/office/powerpoint/2010/main" val="1602381178"/>
+      </p:ext>
+    </p:extLst>
+  </p:cSld>
+  <p:clrMapOvr>
+    <a:masterClrMapping/>
+  </p:clrMapOvr>
+</p:sld>
+</file>
+
+<file path=ppt/slides/slide21.xml><?xml version="1.0" encoding="utf-8"?>
+<p:sld xmlns:a="http://schemas.openxmlformats.org/drawingml/2006/main" xmlns:r="http://schemas.openxmlformats.org/officeDocument/2006/relationships" xmlns:p="http://schemas.openxmlformats.org/presentationml/2006/main">
+  <p:cSld>
+    <p:spTree>
+      <p:nvGrpSpPr>
+        <p:cNvPr id="1" name=""/>
+        <p:cNvGrpSpPr/>
+        <p:nvPr/>
+      </p:nvGrpSpPr>
+      <p:grpSpPr>
+        <a:xfrm>
+          <a:off x="0" y="0"/>
+          <a:ext cx="0" cy="0"/>
+          <a:chOff x="0" y="0"/>
+          <a:chExt cx="0" cy="0"/>
+        </a:xfrm>
+      </p:grpSpPr>
+      <p:sp>
+        <p:nvSpPr>
+          <p:cNvPr id="2" name="Title 1"/>
+          <p:cNvSpPr>
+            <a:spLocks noGrp="1"/>
+          </p:cNvSpPr>
+          <p:nvPr>
+            <p:ph type="title"/>
+          </p:nvPr>
+        </p:nvSpPr>
+        <p:spPr/>
+        <p:txBody>
+          <a:bodyPr/>
+          <a:lstStyle/>
+          <a:p>
+            <a:r>
+              <a:rPr lang="en-US" dirty="0" smtClean="0"/>
+              <a:t>Characterizing the Buzzer</a:t>
+            </a:r>
+            <a:endParaRPr lang="en-US" dirty="0"/>
+          </a:p>
+        </p:txBody>
+      </p:sp>
+      <p:sp>
+        <p:nvSpPr>
+          <p:cNvPr id="3" name="Content Placeholder 2"/>
+          <p:cNvSpPr>
+            <a:spLocks noGrp="1"/>
+          </p:cNvSpPr>
+          <p:nvPr>
+            <p:ph idx="1"/>
+          </p:nvPr>
+        </p:nvSpPr>
+        <p:spPr/>
+        <p:txBody>
+          <a:bodyPr/>
+          <a:lstStyle/>
+          <a:p>
+            <a:r>
+              <a:rPr lang="en-US" dirty="0" smtClean="0"/>
+              <a:t>Buzzers are very small tweeters</a:t>
+            </a:r>
+          </a:p>
+          <a:p>
+            <a:r>
+              <a:rPr lang="en-US" dirty="0" smtClean="0"/>
+              <a:t>OK at high frequencies but still low volume</a:t>
+            </a:r>
+          </a:p>
+          <a:p>
+            <a:r>
+              <a:rPr lang="en-US" dirty="0" smtClean="0"/>
+              <a:t>Very poor at low frequencies</a:t>
+            </a:r>
+          </a:p>
+          <a:p>
+            <a:r>
+              <a:rPr lang="en-US" dirty="0" smtClean="0"/>
+              <a:t>Volume </a:t>
+            </a:r>
+            <a:r>
+              <a:rPr lang="en-US" dirty="0" err="1" smtClean="0"/>
+              <a:t>vs</a:t>
+            </a:r>
+            <a:r>
+              <a:rPr lang="en-US" dirty="0" smtClean="0"/>
+              <a:t> frequency curve</a:t>
+            </a:r>
+          </a:p>
+          <a:p>
+            <a:endParaRPr lang="en-US" dirty="0"/>
+          </a:p>
+        </p:txBody>
+      </p:sp>
+    </p:spTree>
+    <p:extLst>
+      <p:ext uri="{BB962C8B-B14F-4D97-AF65-F5344CB8AC3E}">
+        <p14:creationId xmlns:p14="http://schemas.microsoft.com/office/powerpoint/2010/main" val="203044287"/>
+      </p:ext>
+    </p:extLst>
+  </p:cSld>
+  <p:clrMapOvr>
+    <a:masterClrMapping/>
+  </p:clrMapOvr>
+</p:sld>
+</file>
+
+<file path=ppt/slides/slide22.xml><?xml version="1.0" encoding="utf-8"?>
+<p:sld xmlns:a="http://schemas.openxmlformats.org/drawingml/2006/main" xmlns:r="http://schemas.openxmlformats.org/officeDocument/2006/relationships" xmlns:p="http://schemas.openxmlformats.org/presentationml/2006/main">
+  <p:cSld>
+    <p:spTree>
+      <p:nvGrpSpPr>
+        <p:cNvPr id="1" name=""/>
+        <p:cNvGrpSpPr/>
+        <p:nvPr/>
+      </p:nvGrpSpPr>
+      <p:grpSpPr>
+        <a:xfrm>
+          <a:off x="0" y="0"/>
+          <a:ext cx="0" cy="0"/>
+          <a:chOff x="0" y="0"/>
+          <a:chExt cx="0" cy="0"/>
+        </a:xfrm>
+      </p:grpSpPr>
+      <p:sp>
+        <p:nvSpPr>
+          <p:cNvPr id="2" name="Title 1"/>
+          <p:cNvSpPr>
+            <a:spLocks noGrp="1"/>
+          </p:cNvSpPr>
+          <p:nvPr>
+            <p:ph type="title"/>
+          </p:nvPr>
+        </p:nvSpPr>
+        <p:spPr/>
+        <p:txBody>
+          <a:bodyPr/>
+          <a:lstStyle/>
+          <a:p>
+            <a:r>
+              <a:rPr lang="en-US" dirty="0" smtClean="0"/>
+              <a:t>External Solutions?</a:t>
+            </a:r>
+            <a:endParaRPr lang="en-US" dirty="0"/>
+          </a:p>
+        </p:txBody>
+      </p:sp>
+      <p:sp>
+        <p:nvSpPr>
+          <p:cNvPr id="3" name="Content Placeholder 2"/>
+          <p:cNvSpPr>
+            <a:spLocks noGrp="1"/>
+          </p:cNvSpPr>
+          <p:nvPr>
+            <p:ph idx="1"/>
+          </p:nvPr>
+        </p:nvSpPr>
+        <p:spPr/>
+        <p:txBody>
           <a:bodyPr>
             <a:normAutofit lnSpcReduction="10000"/>
           </a:bodyPr>
@@ -3739,78 +5971,153 @@
           <a:p>
             <a:r>
               <a:rPr lang="en-US" dirty="0" smtClean="0"/>
-              <a:t>Square Wave at fixed frequency</a:t>
+              <a:t>I/O connector limitation</a:t>
             </a:r>
           </a:p>
           <a:p>
             <a:pPr lvl="1"/>
             <a:r>
               <a:rPr lang="en-US" dirty="0" smtClean="0"/>
-              <a:t>Middle C is 261.6265 Hz</a:t>
+              <a:t>All 26-pins are either VGA digital, PS/2 or Power/Ground connections</a:t>
             </a:r>
           </a:p>
           <a:p>
             <a:pPr lvl="1"/>
             <a:r>
               <a:rPr lang="en-US" dirty="0" smtClean="0"/>
-              <a:t>50,000,000 MHz / 261.6265 Hz = 191,112.13</a:t>
-            </a:r>
-          </a:p>
-          <a:p>
-            <a:pPr lvl="1"/>
-            <a:r>
-              <a:rPr lang="en-US" dirty="0" smtClean="0"/>
-              <a:t>2^18 is 262,144</a:t>
-            </a:r>
-          </a:p>
-          <a:p>
-            <a:pPr lvl="1"/>
-            <a:r>
-              <a:rPr lang="en-US" dirty="0" smtClean="0"/>
-              <a:t>Use an 18-bit counter</a:t>
+              <a:t>Overcoming limitations</a:t>
             </a:r>
           </a:p>
           <a:p>
             <a:pPr lvl="2"/>
             <a:r>
               <a:rPr lang="en-US" dirty="0" smtClean="0"/>
-              <a:t>Preload to 262,144 – 191,112 = 72032</a:t>
-            </a:r>
-          </a:p>
-          <a:p>
-            <a:pPr lvl="3"/>
-            <a:r>
-              <a:rPr lang="en-US" dirty="0" smtClean="0"/>
-              <a:t>0x11578 = 1 0001 0101 0111 1000</a:t>
+              <a:t>Could steal lower video bits</a:t>
             </a:r>
           </a:p>
           <a:p>
             <a:pPr lvl="2"/>
             <a:r>
               <a:rPr lang="en-US" dirty="0" smtClean="0"/>
-              <a:t>Count up to Terminal Count</a:t>
+              <a:t>Sound with slightly disturb video</a:t>
             </a:r>
           </a:p>
           <a:p>
             <a:pPr lvl="2"/>
             <a:r>
               <a:rPr lang="en-US" dirty="0" smtClean="0"/>
-              <a:t>Use Most Significant bit as output</a:t>
-            </a:r>
-          </a:p>
-          <a:p>
-            <a:pPr lvl="3"/>
-            <a:r>
-              <a:rPr lang="en-US" dirty="0" smtClean="0"/>
-              <a:t>Not symmetric, but “OK” for easy</a:t>
-            </a:r>
+              <a:t>Green has 6 bits</a:t>
+            </a:r>
+          </a:p>
+          <a:p>
+            <a:pPr lvl="2"/>
+            <a:r>
+              <a:rPr lang="en-US" dirty="0" smtClean="0"/>
+              <a:t>Steal least significant bit from Red, Green and Blue</a:t>
+            </a:r>
+          </a:p>
+          <a:p>
+            <a:pPr lvl="2"/>
+            <a:r>
+              <a:rPr lang="en-US" dirty="0" smtClean="0"/>
+              <a:t>Won’t affect video noticeably in the 2:2:2 Retro-computer case</a:t>
+            </a:r>
+            <a:endParaRPr lang="en-US" dirty="0"/>
           </a:p>
         </p:txBody>
       </p:sp>
     </p:spTree>
     <p:extLst>
       <p:ext uri="{BB962C8B-B14F-4D97-AF65-F5344CB8AC3E}">
-        <p14:creationId xmlns:p14="http://schemas.microsoft.com/office/powerpoint/2010/main" val="314461907"/>
+        <p14:creationId xmlns:p14="http://schemas.microsoft.com/office/powerpoint/2010/main" val="3468445128"/>
+      </p:ext>
+    </p:extLst>
+  </p:cSld>
+  <p:clrMapOvr>
+    <a:masterClrMapping/>
+  </p:clrMapOvr>
+</p:sld>
+</file>
+
+<file path=ppt/slides/slide23.xml><?xml version="1.0" encoding="utf-8"?>
+<p:sld xmlns:a="http://schemas.openxmlformats.org/drawingml/2006/main" xmlns:r="http://schemas.openxmlformats.org/officeDocument/2006/relationships" xmlns:p="http://schemas.openxmlformats.org/presentationml/2006/main">
+  <p:cSld>
+    <p:spTree>
+      <p:nvGrpSpPr>
+        <p:cNvPr id="1" name=""/>
+        <p:cNvGrpSpPr/>
+        <p:nvPr/>
+      </p:nvGrpSpPr>
+      <p:grpSpPr>
+        <a:xfrm>
+          <a:off x="0" y="0"/>
+          <a:ext cx="0" cy="0"/>
+          <a:chOff x="0" y="0"/>
+          <a:chExt cx="0" cy="0"/>
+        </a:xfrm>
+      </p:grpSpPr>
+      <p:sp>
+        <p:nvSpPr>
+          <p:cNvPr id="2" name="Title 1"/>
+          <p:cNvSpPr>
+            <a:spLocks noGrp="1"/>
+          </p:cNvSpPr>
+          <p:nvPr>
+            <p:ph type="title"/>
+          </p:nvPr>
+        </p:nvSpPr>
+        <p:spPr/>
+        <p:txBody>
+          <a:bodyPr/>
+          <a:lstStyle/>
+          <a:p>
+            <a:r>
+              <a:rPr lang="en-US" dirty="0" smtClean="0"/>
+              <a:t>3-bit D/A</a:t>
+            </a:r>
+            <a:endParaRPr lang="en-US" dirty="0"/>
+          </a:p>
+        </p:txBody>
+      </p:sp>
+      <p:sp>
+        <p:nvSpPr>
+          <p:cNvPr id="3" name="Content Placeholder 2"/>
+          <p:cNvSpPr>
+            <a:spLocks noGrp="1"/>
+          </p:cNvSpPr>
+          <p:nvPr>
+            <p:ph idx="1"/>
+          </p:nvPr>
+        </p:nvSpPr>
+        <p:spPr/>
+        <p:txBody>
+          <a:bodyPr/>
+          <a:lstStyle/>
+          <a:p>
+            <a:r>
+              <a:rPr lang="en-US" dirty="0" smtClean="0"/>
+              <a:t>Digitize sine wave</a:t>
+            </a:r>
+          </a:p>
+          <a:p>
+            <a:r>
+              <a:rPr lang="en-US" dirty="0" smtClean="0"/>
+              <a:t>Counter </a:t>
+            </a:r>
+            <a:r>
+              <a:rPr lang="en-US" smtClean="0"/>
+              <a:t>start/stop count</a:t>
+            </a:r>
+          </a:p>
+          <a:p>
+            <a:endParaRPr lang="en-US"/>
+          </a:p>
+        </p:txBody>
+      </p:sp>
+    </p:spTree>
+    <p:extLst>
+      <p:ext uri="{BB962C8B-B14F-4D97-AF65-F5344CB8AC3E}">
+        <p14:creationId xmlns:p14="http://schemas.microsoft.com/office/powerpoint/2010/main" val="3657219876"/>
       </p:ext>
     </p:extLst>
   </p:cSld>
@@ -3853,8 +6160,20 @@
           <a:lstStyle/>
           <a:p>
             <a:r>
-              <a:rPr lang="en-US" dirty="0" smtClean="0"/>
-              <a:t>Second Cut</a:t>
+              <a:rPr lang="en-US" dirty="0"/>
+              <a:t>First </a:t>
+            </a:r>
+            <a:r>
+              <a:rPr lang="en-US" dirty="0" smtClean="0"/>
+              <a:t>Cut (</a:t>
+            </a:r>
+            <a:r>
+              <a:rPr lang="en-US" dirty="0" smtClean="0"/>
+              <a:t>cont’d</a:t>
+            </a:r>
+            <a:r>
+              <a:rPr lang="en-US" dirty="0" smtClean="0"/>
+              <a:t>)</a:t>
             </a:r>
             <a:endParaRPr lang="en-US" dirty="0"/>
           </a:p>
@@ -3862,68 +6181,283 @@
       </p:sp>
       <p:sp>
         <p:nvSpPr>
-          <p:cNvPr id="3" name="Content Placeholder 2"/>
-          <p:cNvSpPr>
-            <a:spLocks noGrp="1"/>
-          </p:cNvSpPr>
-          <p:nvPr>
-            <p:ph idx="1"/>
-          </p:nvPr>
-        </p:nvSpPr>
-        <p:spPr/>
-        <p:txBody>
-          <a:bodyPr/>
-          <a:lstStyle/>
-          <a:p>
-            <a:r>
-              <a:rPr lang="en-US" dirty="0" smtClean="0"/>
-              <a:t>Use same long counter chain</a:t>
-            </a:r>
-          </a:p>
-          <a:p>
-            <a:r>
-              <a:rPr lang="en-US" dirty="0" smtClean="0"/>
-              <a:t>Don’t do a pre-load (do full range count)</a:t>
-            </a:r>
-          </a:p>
-          <a:p>
-            <a:r>
-              <a:rPr lang="en-US" dirty="0" smtClean="0"/>
-              <a:t>Use mux to select counter output bits</a:t>
-            </a:r>
-          </a:p>
-          <a:p>
-            <a:r>
-              <a:rPr lang="en-US" dirty="0" smtClean="0"/>
-              <a:t>Control select mux with register from CPU</a:t>
-            </a:r>
-          </a:p>
-          <a:p>
-            <a:r>
-              <a:rPr lang="en-US" dirty="0" smtClean="0"/>
-              <a:t>Only allows 2X frequencies</a:t>
-            </a:r>
-          </a:p>
-          <a:p>
-            <a:pPr lvl="1"/>
-            <a:r>
-              <a:rPr lang="en-US" dirty="0" smtClean="0"/>
-              <a:t>50,000,000 MHz / 262,144 = 190.7 Hz</a:t>
-            </a:r>
-          </a:p>
-          <a:p>
-            <a:pPr lvl="1"/>
-            <a:r>
-              <a:rPr lang="en-US" dirty="0" smtClean="0"/>
-              <a:t>2x = 381.4 Hz, 4X = 762.9 Hz, 8X = 1,525.h Hz</a:t>
-            </a:r>
+          <p:cNvPr id="4" name="Rectangle 3"/>
+          <p:cNvSpPr/>
+          <p:nvPr/>
+        </p:nvSpPr>
+        <p:spPr>
+          <a:xfrm>
+            <a:off x="3070261" y="1600200"/>
+            <a:ext cx="1066800" cy="2590800"/>
+          </a:xfrm>
+          <a:prstGeom prst="rect">
+            <a:avLst/>
+          </a:prstGeom>
+        </p:spPr>
+        <p:style>
+          <a:lnRef idx="2">
+            <a:schemeClr val="accent1">
+              <a:shade val="50000"/>
+            </a:schemeClr>
+          </a:lnRef>
+          <a:fillRef idx="1">
+            <a:schemeClr val="accent1"/>
+          </a:fillRef>
+          <a:effectRef idx="0">
+            <a:schemeClr val="accent1"/>
+          </a:effectRef>
+          <a:fontRef idx="minor">
+            <a:schemeClr val="lt1"/>
+          </a:fontRef>
+        </p:style>
+        <p:txBody>
+          <a:bodyPr rtlCol="0" anchor="ctr"/>
+          <a:lstStyle/>
+          <a:p>
+            <a:pPr algn="ctr"/>
+            <a:r>
+              <a:rPr lang="en-US" dirty="0" smtClean="0"/>
+              <a:t>16-bit</a:t>
+            </a:r>
+            <a:endParaRPr lang="en-US" dirty="0" smtClean="0"/>
+          </a:p>
+          <a:p>
+            <a:pPr algn="ctr"/>
+            <a:r>
+              <a:rPr lang="en-US" dirty="0" smtClean="0"/>
+              <a:t>Up</a:t>
+            </a:r>
+          </a:p>
+          <a:p>
+            <a:pPr algn="ctr"/>
+            <a:r>
+              <a:rPr lang="en-US" dirty="0" smtClean="0"/>
+              <a:t>Counter</a:t>
+            </a:r>
+            <a:endParaRPr lang="en-US" dirty="0"/>
+          </a:p>
+        </p:txBody>
+      </p:sp>
+      <p:sp>
+        <p:nvSpPr>
+          <p:cNvPr id="6" name="Rectangle 5"/>
+          <p:cNvSpPr/>
+          <p:nvPr/>
+        </p:nvSpPr>
+        <p:spPr>
+          <a:xfrm>
+            <a:off x="3070261" y="4648200"/>
+            <a:ext cx="1066800" cy="920393"/>
+          </a:xfrm>
+          <a:prstGeom prst="rect">
+            <a:avLst/>
+          </a:prstGeom>
+        </p:spPr>
+        <p:style>
+          <a:lnRef idx="2">
+            <a:schemeClr val="accent1">
+              <a:shade val="50000"/>
+            </a:schemeClr>
+          </a:lnRef>
+          <a:fillRef idx="1">
+            <a:schemeClr val="accent1"/>
+          </a:fillRef>
+          <a:effectRef idx="0">
+            <a:schemeClr val="accent1"/>
+          </a:effectRef>
+          <a:fontRef idx="minor">
+            <a:schemeClr val="lt1"/>
+          </a:fontRef>
+        </p:style>
+        <p:txBody>
+          <a:bodyPr rtlCol="0" anchor="ctr"/>
+          <a:lstStyle/>
+          <a:p>
+            <a:pPr algn="ctr"/>
+            <a:r>
+              <a:rPr lang="en-US" dirty="0" smtClean="0"/>
+              <a:t>50 MHz</a:t>
+            </a:r>
+          </a:p>
+          <a:p>
+            <a:pPr algn="ctr"/>
+            <a:r>
+              <a:rPr lang="en-US" dirty="0" smtClean="0"/>
+              <a:t>Clock</a:t>
+            </a:r>
+            <a:endParaRPr lang="en-US" dirty="0"/>
+          </a:p>
+        </p:txBody>
+      </p:sp>
+      <p:cxnSp>
+        <p:nvCxnSpPr>
+          <p:cNvPr id="20" name="Straight Arrow Connector 19"/>
+          <p:cNvCxnSpPr>
+            <a:stCxn id="6" idx="0"/>
+            <a:endCxn id="4" idx="2"/>
+          </p:cNvCxnSpPr>
+          <p:nvPr/>
+        </p:nvCxnSpPr>
+        <p:spPr>
+          <a:xfrm flipV="1">
+            <a:off x="3603661" y="4191000"/>
+            <a:ext cx="0" cy="457200"/>
+          </a:xfrm>
+          <a:prstGeom prst="straightConnector1">
+            <a:avLst/>
+          </a:prstGeom>
+          <a:ln>
+            <a:tailEnd type="arrow"/>
+          </a:ln>
+        </p:spPr>
+        <p:style>
+          <a:lnRef idx="1">
+            <a:schemeClr val="accent1"/>
+          </a:lnRef>
+          <a:fillRef idx="0">
+            <a:schemeClr val="accent1"/>
+          </a:fillRef>
+          <a:effectRef idx="0">
+            <a:schemeClr val="accent1"/>
+          </a:effectRef>
+          <a:fontRef idx="minor">
+            <a:schemeClr val="tx1"/>
+          </a:fontRef>
+        </p:style>
+      </p:cxnSp>
+      <p:sp>
+        <p:nvSpPr>
+          <p:cNvPr id="44" name="TextBox 43"/>
+          <p:cNvSpPr txBox="1"/>
+          <p:nvPr/>
+        </p:nvSpPr>
+        <p:spPr>
+          <a:xfrm>
+            <a:off x="3603661" y="4278868"/>
+            <a:ext cx="777839" cy="369332"/>
+          </a:xfrm>
+          <a:prstGeom prst="rect">
+            <a:avLst/>
+          </a:prstGeom>
+          <a:noFill/>
+        </p:spPr>
+        <p:txBody>
+          <a:bodyPr wrap="square" rtlCol="0">
+            <a:spAutoFit/>
+          </a:bodyPr>
+          <a:lstStyle/>
+          <a:p>
+            <a:r>
+              <a:rPr lang="en-US" dirty="0" smtClean="0"/>
+              <a:t>CLK50</a:t>
+            </a:r>
+            <a:endParaRPr lang="en-US" dirty="0"/>
+          </a:p>
+        </p:txBody>
+      </p:sp>
+      <p:cxnSp>
+        <p:nvCxnSpPr>
+          <p:cNvPr id="45" name="Straight Arrow Connector 44"/>
+          <p:cNvCxnSpPr/>
+          <p:nvPr/>
+        </p:nvCxnSpPr>
+        <p:spPr>
+          <a:xfrm>
+            <a:off x="4137061" y="2895600"/>
+            <a:ext cx="1189662" cy="0"/>
+          </a:xfrm>
+          <a:prstGeom prst="straightConnector1">
+            <a:avLst/>
+          </a:prstGeom>
+          <a:ln>
+            <a:tailEnd type="arrow"/>
+          </a:ln>
+        </p:spPr>
+        <p:style>
+          <a:lnRef idx="1">
+            <a:schemeClr val="accent1"/>
+          </a:lnRef>
+          <a:fillRef idx="0">
+            <a:schemeClr val="accent1"/>
+          </a:fillRef>
+          <a:effectRef idx="0">
+            <a:schemeClr val="accent1"/>
+          </a:effectRef>
+          <a:fontRef idx="minor">
+            <a:schemeClr val="tx1"/>
+          </a:fontRef>
+        </p:style>
+      </p:cxnSp>
+      <p:sp>
+        <p:nvSpPr>
+          <p:cNvPr id="49" name="TextBox 48"/>
+          <p:cNvSpPr txBox="1"/>
+          <p:nvPr/>
+        </p:nvSpPr>
+        <p:spPr>
+          <a:xfrm>
+            <a:off x="4413607" y="2536406"/>
+            <a:ext cx="609600" cy="369332"/>
+          </a:xfrm>
+          <a:prstGeom prst="rect">
+            <a:avLst/>
+          </a:prstGeom>
+          <a:noFill/>
+        </p:spPr>
+        <p:txBody>
+          <a:bodyPr wrap="square" rtlCol="0">
+            <a:spAutoFit/>
+          </a:bodyPr>
+          <a:lstStyle/>
+          <a:p>
+            <a:r>
+              <a:rPr lang="en-US" dirty="0" smtClean="0"/>
+              <a:t>MSB</a:t>
+            </a:r>
+            <a:endParaRPr lang="en-US" dirty="0"/>
+          </a:p>
+        </p:txBody>
+      </p:sp>
+      <p:sp>
+        <p:nvSpPr>
+          <p:cNvPr id="50" name="TextBox 49"/>
+          <p:cNvSpPr txBox="1"/>
+          <p:nvPr/>
+        </p:nvSpPr>
+        <p:spPr>
+          <a:xfrm>
+            <a:off x="5486400" y="2582572"/>
+            <a:ext cx="1447800" cy="646331"/>
+          </a:xfrm>
+          <a:prstGeom prst="rect">
+            <a:avLst/>
+          </a:prstGeom>
+          <a:noFill/>
+        </p:spPr>
+        <p:txBody>
+          <a:bodyPr wrap="square" rtlCol="0">
+            <a:spAutoFit/>
+          </a:bodyPr>
+          <a:lstStyle/>
+          <a:p>
+            <a:r>
+              <a:rPr lang="en-US" dirty="0" smtClean="0"/>
+              <a:t>Sound Out</a:t>
+            </a:r>
+          </a:p>
+          <a:p>
+            <a:r>
+              <a:rPr lang="en-US" dirty="0" smtClean="0"/>
+              <a:t>to Buzzer</a:t>
+            </a:r>
+            <a:endParaRPr lang="en-US" dirty="0"/>
           </a:p>
         </p:txBody>
       </p:sp>
     </p:spTree>
     <p:extLst>
       <p:ext uri="{BB962C8B-B14F-4D97-AF65-F5344CB8AC3E}">
-        <p14:creationId xmlns:p14="http://schemas.microsoft.com/office/powerpoint/2010/main" val="1175646039"/>
+        <p14:creationId xmlns:p14="http://schemas.microsoft.com/office/powerpoint/2010/main" val="1657338558"/>
       </p:ext>
     </p:extLst>
   </p:cSld>
@@ -3966,10 +6500,9 @@
           <a:lstStyle/>
           <a:p>
             <a:r>
-              <a:rPr lang="en-US" dirty="0" smtClean="0"/>
-              <a:t>Second Cut (cont’d)</a:t>
-            </a:r>
-            <a:endParaRPr lang="en-US" dirty="0"/>
+              <a:rPr lang="en-US" dirty="0"/>
+              <a:t>First Cut (cont’d)</a:t>
+            </a:r>
           </a:p>
         </p:txBody>
       </p:sp>
@@ -3990,38 +6523,29 @@
           <a:p>
             <a:r>
               <a:rPr lang="en-US" dirty="0" smtClean="0"/>
-              <a:t>Sounds on keyboards</a:t>
+              <a:t>Limitations</a:t>
             </a:r>
           </a:p>
           <a:p>
             <a:pPr lvl="1"/>
             <a:r>
               <a:rPr lang="en-US" dirty="0" smtClean="0"/>
-              <a:t>190.7 Hz = ~ G3</a:t>
+              <a:t>No muting sound</a:t>
             </a:r>
           </a:p>
           <a:p>
             <a:pPr lvl="1"/>
             <a:r>
               <a:rPr lang="en-US" dirty="0" smtClean="0"/>
-              <a:t>381.4 Hz = ~ G4 (above middle C)</a:t>
+              <a:t>Fixed Frequency</a:t>
             </a:r>
           </a:p>
           <a:p>
             <a:pPr lvl="1"/>
             <a:r>
               <a:rPr lang="en-US" dirty="0" smtClean="0"/>
-              <a:t>762.9 Hz = ~ G5 (next up)</a:t>
-            </a:r>
-          </a:p>
-          <a:p>
-            <a:pPr lvl="1"/>
-            <a:r>
-              <a:rPr lang="en-US" dirty="0" smtClean="0"/>
-              <a:t>1,525.h Hz = ~ G6 (next up)</a:t>
-            </a:r>
-          </a:p>
-          <a:p>
+              <a:t>Square Wave sounds annoying</a:t>
+            </a:r>
             <a:endParaRPr lang="en-US" dirty="0"/>
           </a:p>
         </p:txBody>
@@ -4029,7 +6553,7 @@
     </p:spTree>
     <p:extLst>
       <p:ext uri="{BB962C8B-B14F-4D97-AF65-F5344CB8AC3E}">
-        <p14:creationId xmlns:p14="http://schemas.microsoft.com/office/powerpoint/2010/main" val="1651587150"/>
+        <p14:creationId xmlns:p14="http://schemas.microsoft.com/office/powerpoint/2010/main" val="2005941545"/>
       </p:ext>
     </p:extLst>
   </p:cSld>
@@ -4073,614 +6597,52 @@
           <a:p>
             <a:r>
               <a:rPr lang="en-US" dirty="0" smtClean="0"/>
-              <a:t>Second Cut (cont’d)</a:t>
+              <a:t>Second Cut</a:t>
             </a:r>
             <a:endParaRPr lang="en-US" dirty="0"/>
           </a:p>
         </p:txBody>
       </p:sp>
-      <p:grpSp>
-        <p:nvGrpSpPr>
-          <p:cNvPr id="21" name="Group 20"/>
-          <p:cNvGrpSpPr/>
-          <p:nvPr/>
-        </p:nvGrpSpPr>
-        <p:grpSpPr>
-          <a:xfrm>
-            <a:off x="938373" y="2035992"/>
-            <a:ext cx="7542088" cy="3977812"/>
-            <a:chOff x="938373" y="2035992"/>
-            <a:chExt cx="7542088" cy="3977812"/>
-          </a:xfrm>
-        </p:grpSpPr>
-        <p:sp>
-          <p:nvSpPr>
-            <p:cNvPr id="4" name="Rectangle 3"/>
-            <p:cNvSpPr/>
-            <p:nvPr/>
-          </p:nvSpPr>
-          <p:spPr>
-            <a:xfrm>
-              <a:off x="3070261" y="2045411"/>
-              <a:ext cx="1066800" cy="2590800"/>
-            </a:xfrm>
-            <a:prstGeom prst="rect">
-              <a:avLst/>
-            </a:prstGeom>
-          </p:spPr>
-          <p:style>
-            <a:lnRef idx="2">
-              <a:schemeClr val="accent1">
-                <a:shade val="50000"/>
-              </a:schemeClr>
-            </a:lnRef>
-            <a:fillRef idx="1">
-              <a:schemeClr val="accent1"/>
-            </a:fillRef>
-            <a:effectRef idx="0">
-              <a:schemeClr val="accent1"/>
-            </a:effectRef>
-            <a:fontRef idx="minor">
-              <a:schemeClr val="lt1"/>
-            </a:fontRef>
-          </p:style>
-          <p:txBody>
-            <a:bodyPr rtlCol="0" anchor="ctr"/>
-            <a:lstStyle/>
-            <a:p>
-              <a:pPr algn="ctr"/>
-              <a:r>
-                <a:rPr lang="en-US" dirty="0" smtClean="0"/>
-                <a:t>18-bit</a:t>
-              </a:r>
-            </a:p>
-            <a:p>
-              <a:pPr algn="ctr"/>
-              <a:r>
-                <a:rPr lang="en-US" dirty="0" smtClean="0"/>
-                <a:t>Counter</a:t>
-              </a:r>
-              <a:endParaRPr lang="en-US" dirty="0"/>
-            </a:p>
-          </p:txBody>
-        </p:sp>
-        <p:sp>
-          <p:nvSpPr>
-            <p:cNvPr id="5" name="Rectangle 4"/>
-            <p:cNvSpPr/>
-            <p:nvPr/>
-          </p:nvSpPr>
-          <p:spPr>
-            <a:xfrm>
-              <a:off x="4636214" y="2045411"/>
-              <a:ext cx="762000" cy="920393"/>
-            </a:xfrm>
-            <a:prstGeom prst="rect">
-              <a:avLst/>
-            </a:prstGeom>
-          </p:spPr>
-          <p:style>
-            <a:lnRef idx="2">
-              <a:schemeClr val="accent1">
-                <a:shade val="50000"/>
-              </a:schemeClr>
-            </a:lnRef>
-            <a:fillRef idx="1">
-              <a:schemeClr val="accent1"/>
-            </a:fillRef>
-            <a:effectRef idx="0">
-              <a:schemeClr val="accent1"/>
-            </a:effectRef>
-            <a:fontRef idx="minor">
-              <a:schemeClr val="lt1"/>
-            </a:fontRef>
-          </p:style>
-          <p:txBody>
-            <a:bodyPr rtlCol="0" anchor="ctr"/>
-            <a:lstStyle/>
-            <a:p>
-              <a:pPr algn="ctr"/>
-              <a:r>
-                <a:rPr lang="en-US" dirty="0" smtClean="0"/>
-                <a:t>4:1</a:t>
-              </a:r>
-            </a:p>
-            <a:p>
-              <a:pPr algn="ctr"/>
-              <a:r>
-                <a:rPr lang="en-US" dirty="0" smtClean="0"/>
-                <a:t>Mux</a:t>
-              </a:r>
-              <a:endParaRPr lang="en-US" dirty="0"/>
-            </a:p>
-          </p:txBody>
-        </p:sp>
-        <p:sp>
-          <p:nvSpPr>
-            <p:cNvPr id="6" name="Rectangle 5"/>
-            <p:cNvSpPr/>
-            <p:nvPr/>
-          </p:nvSpPr>
-          <p:spPr>
-            <a:xfrm>
-              <a:off x="3070261" y="5093411"/>
-              <a:ext cx="1066800" cy="920393"/>
-            </a:xfrm>
-            <a:prstGeom prst="rect">
-              <a:avLst/>
-            </a:prstGeom>
-          </p:spPr>
-          <p:style>
-            <a:lnRef idx="2">
-              <a:schemeClr val="accent1">
-                <a:shade val="50000"/>
-              </a:schemeClr>
-            </a:lnRef>
-            <a:fillRef idx="1">
-              <a:schemeClr val="accent1"/>
-            </a:fillRef>
-            <a:effectRef idx="0">
-              <a:schemeClr val="accent1"/>
-            </a:effectRef>
-            <a:fontRef idx="minor">
-              <a:schemeClr val="lt1"/>
-            </a:fontRef>
-          </p:style>
-          <p:txBody>
-            <a:bodyPr rtlCol="0" anchor="ctr"/>
-            <a:lstStyle/>
-            <a:p>
-              <a:pPr algn="ctr"/>
-              <a:r>
-                <a:rPr lang="en-US" dirty="0" smtClean="0"/>
-                <a:t>50 MHz</a:t>
-              </a:r>
-            </a:p>
-            <a:p>
-              <a:pPr algn="ctr"/>
-              <a:r>
-                <a:rPr lang="en-US" dirty="0" smtClean="0"/>
-                <a:t>Clock</a:t>
-              </a:r>
-              <a:endParaRPr lang="en-US" dirty="0"/>
-            </a:p>
-          </p:txBody>
-        </p:sp>
-        <p:sp>
-          <p:nvSpPr>
-            <p:cNvPr id="7" name="Rectangle 6"/>
-            <p:cNvSpPr/>
-            <p:nvPr/>
-          </p:nvSpPr>
-          <p:spPr>
-            <a:xfrm>
-              <a:off x="5889661" y="2045411"/>
-              <a:ext cx="1066800" cy="920393"/>
-            </a:xfrm>
-            <a:prstGeom prst="rect">
-              <a:avLst/>
-            </a:prstGeom>
-          </p:spPr>
-          <p:style>
-            <a:lnRef idx="2">
-              <a:schemeClr val="accent1">
-                <a:shade val="50000"/>
-              </a:schemeClr>
-            </a:lnRef>
-            <a:fillRef idx="1">
-              <a:schemeClr val="accent1"/>
-            </a:fillRef>
-            <a:effectRef idx="0">
-              <a:schemeClr val="accent1"/>
-            </a:effectRef>
-            <a:fontRef idx="minor">
-              <a:schemeClr val="lt1"/>
-            </a:fontRef>
-          </p:style>
-          <p:txBody>
-            <a:bodyPr rtlCol="0" anchor="ctr"/>
-            <a:lstStyle/>
-            <a:p>
-              <a:pPr algn="ctr"/>
-              <a:r>
-                <a:rPr lang="en-US" dirty="0" smtClean="0"/>
-                <a:t>Toggle</a:t>
-              </a:r>
-            </a:p>
-            <a:p>
-              <a:pPr algn="ctr"/>
-              <a:r>
-                <a:rPr lang="en-US" dirty="0" smtClean="0"/>
-                <a:t>F-F</a:t>
-              </a:r>
-              <a:endParaRPr lang="en-US" dirty="0"/>
-            </a:p>
-          </p:txBody>
-        </p:sp>
-        <p:sp>
-          <p:nvSpPr>
-            <p:cNvPr id="8" name="Rectangle 7"/>
-            <p:cNvSpPr/>
-            <p:nvPr/>
-          </p:nvSpPr>
-          <p:spPr>
-            <a:xfrm>
-              <a:off x="2003461" y="2045411"/>
-              <a:ext cx="685800" cy="920393"/>
-            </a:xfrm>
-            <a:prstGeom prst="rect">
-              <a:avLst/>
-            </a:prstGeom>
-          </p:spPr>
-          <p:style>
-            <a:lnRef idx="2">
-              <a:schemeClr val="accent1">
-                <a:shade val="50000"/>
-              </a:schemeClr>
-            </a:lnRef>
-            <a:fillRef idx="1">
-              <a:schemeClr val="accent1"/>
-            </a:fillRef>
-            <a:effectRef idx="0">
-              <a:schemeClr val="accent1"/>
-            </a:effectRef>
-            <a:fontRef idx="minor">
-              <a:schemeClr val="lt1"/>
-            </a:fontRef>
-          </p:style>
-          <p:txBody>
-            <a:bodyPr rtlCol="0" anchor="ctr"/>
-            <a:lstStyle/>
-            <a:p>
-              <a:pPr algn="ctr"/>
-              <a:r>
-                <a:rPr lang="en-US" dirty="0" smtClean="0"/>
-                <a:t>Data</a:t>
-              </a:r>
-            </a:p>
-            <a:p>
-              <a:pPr algn="ctr"/>
-              <a:r>
-                <a:rPr lang="en-US" dirty="0" smtClean="0"/>
-                <a:t>Latch</a:t>
-              </a:r>
-              <a:endParaRPr lang="en-US" dirty="0"/>
-            </a:p>
-          </p:txBody>
-        </p:sp>
-        <p:sp>
-          <p:nvSpPr>
-            <p:cNvPr id="9" name="Rectangle 8"/>
-            <p:cNvSpPr/>
-            <p:nvPr/>
-          </p:nvSpPr>
-          <p:spPr>
-            <a:xfrm>
-              <a:off x="7413661" y="2035992"/>
-              <a:ext cx="1066800" cy="920393"/>
-            </a:xfrm>
-            <a:prstGeom prst="rect">
-              <a:avLst/>
-            </a:prstGeom>
-          </p:spPr>
-          <p:style>
-            <a:lnRef idx="2">
-              <a:schemeClr val="accent1">
-                <a:shade val="50000"/>
-              </a:schemeClr>
-            </a:lnRef>
-            <a:fillRef idx="1">
-              <a:schemeClr val="accent1"/>
-            </a:fillRef>
-            <a:effectRef idx="0">
-              <a:schemeClr val="accent1"/>
-            </a:effectRef>
-            <a:fontRef idx="minor">
-              <a:schemeClr val="lt1"/>
-            </a:fontRef>
-          </p:style>
-          <p:txBody>
-            <a:bodyPr rtlCol="0" anchor="ctr"/>
-            <a:lstStyle/>
-            <a:p>
-              <a:pPr algn="ctr"/>
-              <a:r>
-                <a:rPr lang="en-US" dirty="0" smtClean="0"/>
-                <a:t>Buzzer</a:t>
-              </a:r>
-              <a:endParaRPr lang="en-US" dirty="0"/>
-            </a:p>
-          </p:txBody>
-        </p:sp>
-        <p:sp>
-          <p:nvSpPr>
-            <p:cNvPr id="10" name="Rectangle 9"/>
-            <p:cNvSpPr/>
-            <p:nvPr/>
-          </p:nvSpPr>
-          <p:spPr>
-            <a:xfrm>
-              <a:off x="938373" y="2035993"/>
-              <a:ext cx="585627" cy="920393"/>
-            </a:xfrm>
-            <a:prstGeom prst="rect">
-              <a:avLst/>
-            </a:prstGeom>
-          </p:spPr>
-          <p:style>
-            <a:lnRef idx="2">
-              <a:schemeClr val="accent1">
-                <a:shade val="50000"/>
-              </a:schemeClr>
-            </a:lnRef>
-            <a:fillRef idx="1">
-              <a:schemeClr val="accent1"/>
-            </a:fillRef>
-            <a:effectRef idx="0">
-              <a:schemeClr val="accent1"/>
-            </a:effectRef>
-            <a:fontRef idx="minor">
-              <a:schemeClr val="lt1"/>
-            </a:fontRef>
-          </p:style>
-          <p:txBody>
-            <a:bodyPr rtlCol="0" anchor="ctr"/>
-            <a:lstStyle/>
-            <a:p>
-              <a:pPr algn="ctr"/>
-              <a:r>
-                <a:rPr lang="en-US" dirty="0" smtClean="0"/>
-                <a:t>CPU</a:t>
-              </a:r>
-              <a:endParaRPr lang="en-US" dirty="0"/>
-            </a:p>
-          </p:txBody>
-        </p:sp>
-        <p:sp>
-          <p:nvSpPr>
-            <p:cNvPr id="11" name="Right Arrow 10"/>
-            <p:cNvSpPr/>
-            <p:nvPr/>
-          </p:nvSpPr>
-          <p:spPr>
-            <a:xfrm>
-              <a:off x="1524000" y="2343788"/>
-              <a:ext cx="479461" cy="304800"/>
-            </a:xfrm>
-            <a:prstGeom prst="rightArrow">
-              <a:avLst/>
-            </a:prstGeom>
-          </p:spPr>
-          <p:style>
-            <a:lnRef idx="2">
-              <a:schemeClr val="accent1">
-                <a:shade val="50000"/>
-              </a:schemeClr>
-            </a:lnRef>
-            <a:fillRef idx="1">
-              <a:schemeClr val="accent1"/>
-            </a:fillRef>
-            <a:effectRef idx="0">
-              <a:schemeClr val="accent1"/>
-            </a:effectRef>
-            <a:fontRef idx="minor">
-              <a:schemeClr val="lt1"/>
-            </a:fontRef>
-          </p:style>
-          <p:txBody>
-            <a:bodyPr rtlCol="0" anchor="ctr"/>
-            <a:lstStyle/>
-            <a:p>
-              <a:pPr algn="ctr"/>
-              <a:r>
-                <a:rPr lang="en-US" dirty="0" smtClean="0"/>
-                <a:t>8</a:t>
-              </a:r>
-              <a:endParaRPr lang="en-US" dirty="0"/>
-            </a:p>
-          </p:txBody>
-        </p:sp>
-        <p:sp>
-          <p:nvSpPr>
-            <p:cNvPr id="12" name="Right Arrow 11"/>
-            <p:cNvSpPr/>
-            <p:nvPr/>
-          </p:nvSpPr>
-          <p:spPr>
-            <a:xfrm>
-              <a:off x="2689261" y="2343788"/>
-              <a:ext cx="479461" cy="304800"/>
-            </a:xfrm>
-            <a:prstGeom prst="rightArrow">
-              <a:avLst/>
-            </a:prstGeom>
-          </p:spPr>
-          <p:style>
-            <a:lnRef idx="2">
-              <a:schemeClr val="accent1">
-                <a:shade val="50000"/>
-              </a:schemeClr>
-            </a:lnRef>
-            <a:fillRef idx="1">
-              <a:schemeClr val="accent1"/>
-            </a:fillRef>
-            <a:effectRef idx="0">
-              <a:schemeClr val="accent1"/>
-            </a:effectRef>
-            <a:fontRef idx="minor">
-              <a:schemeClr val="lt1"/>
-            </a:fontRef>
-          </p:style>
-          <p:txBody>
-            <a:bodyPr rtlCol="0" anchor="ctr"/>
-            <a:lstStyle/>
-            <a:p>
-              <a:pPr algn="ctr"/>
-              <a:r>
-                <a:rPr lang="en-US" dirty="0" smtClean="0"/>
-                <a:t>8</a:t>
-              </a:r>
-              <a:endParaRPr lang="en-US" dirty="0"/>
-            </a:p>
-          </p:txBody>
-        </p:sp>
-        <p:sp>
-          <p:nvSpPr>
-            <p:cNvPr id="13" name="Right Arrow 12"/>
-            <p:cNvSpPr/>
-            <p:nvPr/>
-          </p:nvSpPr>
-          <p:spPr>
-            <a:xfrm>
-              <a:off x="4156753" y="2353207"/>
-              <a:ext cx="479461" cy="304800"/>
-            </a:xfrm>
-            <a:prstGeom prst="rightArrow">
-              <a:avLst/>
-            </a:prstGeom>
-          </p:spPr>
-          <p:style>
-            <a:lnRef idx="2">
-              <a:schemeClr val="accent1">
-                <a:shade val="50000"/>
-              </a:schemeClr>
-            </a:lnRef>
-            <a:fillRef idx="1">
-              <a:schemeClr val="accent1"/>
-            </a:fillRef>
-            <a:effectRef idx="0">
-              <a:schemeClr val="accent1"/>
-            </a:effectRef>
-            <a:fontRef idx="minor">
-              <a:schemeClr val="lt1"/>
-            </a:fontRef>
-          </p:style>
-          <p:txBody>
-            <a:bodyPr rtlCol="0" anchor="ctr"/>
-            <a:lstStyle/>
-            <a:p>
-              <a:pPr algn="ctr"/>
-              <a:r>
-                <a:rPr lang="en-US" dirty="0" smtClean="0"/>
-                <a:t>4</a:t>
-              </a:r>
-              <a:endParaRPr lang="en-US" dirty="0"/>
-            </a:p>
-          </p:txBody>
-        </p:sp>
-        <p:cxnSp>
-          <p:nvCxnSpPr>
-            <p:cNvPr id="16" name="Straight Arrow Connector 15"/>
-            <p:cNvCxnSpPr>
-              <a:stCxn id="5" idx="3"/>
-              <a:endCxn id="7" idx="1"/>
-            </p:cNvCxnSpPr>
-            <p:nvPr/>
-          </p:nvCxnSpPr>
-          <p:spPr>
-            <a:xfrm>
-              <a:off x="5398214" y="2505608"/>
-              <a:ext cx="491447" cy="0"/>
-            </a:xfrm>
-            <a:prstGeom prst="straightConnector1">
-              <a:avLst/>
-            </a:prstGeom>
-            <a:ln>
-              <a:tailEnd type="arrow"/>
-            </a:ln>
-          </p:spPr>
-          <p:style>
-            <a:lnRef idx="1">
-              <a:schemeClr val="accent1"/>
-            </a:lnRef>
-            <a:fillRef idx="0">
-              <a:schemeClr val="accent1"/>
-            </a:fillRef>
-            <a:effectRef idx="0">
-              <a:schemeClr val="accent1"/>
-            </a:effectRef>
-            <a:fontRef idx="minor">
-              <a:schemeClr val="tx1"/>
-            </a:fontRef>
-          </p:style>
-        </p:cxnSp>
-        <p:cxnSp>
-          <p:nvCxnSpPr>
-            <p:cNvPr id="18" name="Straight Arrow Connector 17"/>
-            <p:cNvCxnSpPr>
-              <a:stCxn id="7" idx="3"/>
-              <a:endCxn id="9" idx="1"/>
-            </p:cNvCxnSpPr>
-            <p:nvPr/>
-          </p:nvCxnSpPr>
-          <p:spPr>
-            <a:xfrm flipV="1">
-              <a:off x="6956461" y="2496189"/>
-              <a:ext cx="457200" cy="9419"/>
-            </a:xfrm>
-            <a:prstGeom prst="straightConnector1">
-              <a:avLst/>
-            </a:prstGeom>
-            <a:ln>
-              <a:tailEnd type="arrow"/>
-            </a:ln>
-          </p:spPr>
-          <p:style>
-            <a:lnRef idx="1">
-              <a:schemeClr val="accent1"/>
-            </a:lnRef>
-            <a:fillRef idx="0">
-              <a:schemeClr val="accent1"/>
-            </a:fillRef>
-            <a:effectRef idx="0">
-              <a:schemeClr val="accent1"/>
-            </a:effectRef>
-            <a:fontRef idx="minor">
-              <a:schemeClr val="tx1"/>
-            </a:fontRef>
-          </p:style>
-        </p:cxnSp>
-        <p:cxnSp>
-          <p:nvCxnSpPr>
-            <p:cNvPr id="20" name="Straight Arrow Connector 19"/>
-            <p:cNvCxnSpPr>
-              <a:stCxn id="6" idx="0"/>
-              <a:endCxn id="4" idx="2"/>
-            </p:cNvCxnSpPr>
-            <p:nvPr/>
-          </p:nvCxnSpPr>
-          <p:spPr>
-            <a:xfrm flipV="1">
-              <a:off x="3603661" y="4636211"/>
-              <a:ext cx="0" cy="457200"/>
-            </a:xfrm>
-            <a:prstGeom prst="straightConnector1">
-              <a:avLst/>
-            </a:prstGeom>
-            <a:ln>
-              <a:tailEnd type="arrow"/>
-            </a:ln>
-          </p:spPr>
-          <p:style>
-            <a:lnRef idx="1">
-              <a:schemeClr val="accent1"/>
-            </a:lnRef>
-            <a:fillRef idx="0">
-              <a:schemeClr val="accent1"/>
-            </a:fillRef>
-            <a:effectRef idx="0">
-              <a:schemeClr val="accent1"/>
-            </a:effectRef>
-            <a:fontRef idx="minor">
-              <a:schemeClr val="tx1"/>
-            </a:fontRef>
-          </p:style>
-        </p:cxnSp>
-      </p:grpSp>
+      <p:sp>
+        <p:nvSpPr>
+          <p:cNvPr id="3" name="Content Placeholder 2"/>
+          <p:cNvSpPr>
+            <a:spLocks noGrp="1"/>
+          </p:cNvSpPr>
+          <p:nvPr>
+            <p:ph idx="1"/>
+          </p:nvPr>
+        </p:nvSpPr>
+        <p:spPr/>
+        <p:txBody>
+          <a:bodyPr/>
+          <a:lstStyle/>
+          <a:p>
+            <a:r>
+              <a:rPr lang="en-US" dirty="0" smtClean="0"/>
+              <a:t>Improvements</a:t>
+            </a:r>
+          </a:p>
+          <a:p>
+            <a:pPr lvl="1"/>
+            <a:r>
+              <a:rPr lang="en-US" dirty="0" smtClean="0"/>
+              <a:t>Add counter taps</a:t>
+            </a:r>
+          </a:p>
+          <a:p>
+            <a:pPr lvl="2"/>
+            <a:r>
+              <a:rPr lang="en-US" dirty="0" smtClean="0"/>
+              <a:t>Select tap with control register</a:t>
+            </a:r>
+          </a:p>
+        </p:txBody>
+      </p:sp>
     </p:spTree>
     <p:extLst>
       <p:ext uri="{BB962C8B-B14F-4D97-AF65-F5344CB8AC3E}">
-        <p14:creationId xmlns:p14="http://schemas.microsoft.com/office/powerpoint/2010/main" val="56139318"/>
+        <p14:creationId xmlns:p14="http://schemas.microsoft.com/office/powerpoint/2010/main" val="3172168789"/>
       </p:ext>
     </p:extLst>
   </p:cSld>
@@ -4723,8 +6685,20 @@
           <a:lstStyle/>
           <a:p>
             <a:r>
-              <a:rPr lang="en-US" dirty="0" smtClean="0"/>
-              <a:t>Third Cut</a:t>
+              <a:rPr lang="en-US" dirty="0"/>
+              <a:t>Second </a:t>
+            </a:r>
+            <a:r>
+              <a:rPr lang="en-US" dirty="0" smtClean="0"/>
+              <a:t>Cut w/ Taps (</a:t>
+            </a:r>
+            <a:r>
+              <a:rPr lang="en-US" dirty="0" smtClean="0"/>
+              <a:t>cont’d</a:t>
+            </a:r>
+            <a:r>
+              <a:rPr lang="en-US" dirty="0" smtClean="0"/>
+              <a:t>)</a:t>
             </a:r>
             <a:endParaRPr lang="en-US" dirty="0"/>
           </a:p>
@@ -4732,40 +6706,559 @@
       </p:sp>
       <p:sp>
         <p:nvSpPr>
-          <p:cNvPr id="3" name="Content Placeholder 2"/>
-          <p:cNvSpPr>
-            <a:spLocks noGrp="1"/>
-          </p:cNvSpPr>
-          <p:nvPr>
-            <p:ph idx="1"/>
-          </p:nvPr>
-        </p:nvSpPr>
-        <p:spPr/>
-        <p:txBody>
-          <a:bodyPr/>
-          <a:lstStyle/>
-          <a:p>
-            <a:r>
-              <a:rPr lang="en-US" dirty="0" smtClean="0"/>
-              <a:t>Use counter</a:t>
-            </a:r>
-          </a:p>
-          <a:p>
-            <a:r>
-              <a:rPr lang="en-US" dirty="0" smtClean="0"/>
-              <a:t>Load counter with starting value</a:t>
-            </a:r>
-          </a:p>
-          <a:p>
-            <a:r>
-              <a:rPr lang="en-US" dirty="0" smtClean="0"/>
-              <a:t>Count from the value to terminal count</a:t>
-            </a:r>
-          </a:p>
-          <a:p>
-            <a:r>
-              <a:rPr lang="en-US" dirty="0" smtClean="0"/>
-              <a:t>Toggle the output every time terminal count is reached</a:t>
+          <p:cNvPr id="4" name="Rectangle 3"/>
+          <p:cNvSpPr/>
+          <p:nvPr/>
+        </p:nvSpPr>
+        <p:spPr>
+          <a:xfrm>
+            <a:off x="2589943" y="3451356"/>
+            <a:ext cx="1066800" cy="942902"/>
+          </a:xfrm>
+          <a:prstGeom prst="rect">
+            <a:avLst/>
+          </a:prstGeom>
+        </p:spPr>
+        <p:style>
+          <a:lnRef idx="2">
+            <a:schemeClr val="accent1">
+              <a:shade val="50000"/>
+            </a:schemeClr>
+          </a:lnRef>
+          <a:fillRef idx="1">
+            <a:schemeClr val="accent1"/>
+          </a:fillRef>
+          <a:effectRef idx="0">
+            <a:schemeClr val="accent1"/>
+          </a:effectRef>
+          <a:fontRef idx="minor">
+            <a:schemeClr val="lt1"/>
+          </a:fontRef>
+        </p:style>
+        <p:txBody>
+          <a:bodyPr rtlCol="0" anchor="ctr"/>
+          <a:lstStyle/>
+          <a:p>
+            <a:pPr algn="ctr"/>
+            <a:r>
+              <a:rPr lang="en-US" dirty="0" smtClean="0"/>
+              <a:t>18-bit</a:t>
+            </a:r>
+          </a:p>
+          <a:p>
+            <a:pPr algn="ctr"/>
+            <a:r>
+              <a:rPr lang="en-US" dirty="0" smtClean="0"/>
+              <a:t>Up</a:t>
+            </a:r>
+          </a:p>
+          <a:p>
+            <a:pPr algn="ctr"/>
+            <a:r>
+              <a:rPr lang="en-US" dirty="0" smtClean="0"/>
+              <a:t>Counter</a:t>
+            </a:r>
+            <a:endParaRPr lang="en-US" dirty="0"/>
+          </a:p>
+        </p:txBody>
+      </p:sp>
+      <p:sp>
+        <p:nvSpPr>
+          <p:cNvPr id="6" name="Rectangle 5"/>
+          <p:cNvSpPr/>
+          <p:nvPr/>
+        </p:nvSpPr>
+        <p:spPr>
+          <a:xfrm>
+            <a:off x="2589943" y="4788933"/>
+            <a:ext cx="1066800" cy="920393"/>
+          </a:xfrm>
+          <a:prstGeom prst="rect">
+            <a:avLst/>
+          </a:prstGeom>
+        </p:spPr>
+        <p:style>
+          <a:lnRef idx="2">
+            <a:schemeClr val="accent1">
+              <a:shade val="50000"/>
+            </a:schemeClr>
+          </a:lnRef>
+          <a:fillRef idx="1">
+            <a:schemeClr val="accent1"/>
+          </a:fillRef>
+          <a:effectRef idx="0">
+            <a:schemeClr val="accent1"/>
+          </a:effectRef>
+          <a:fontRef idx="minor">
+            <a:schemeClr val="lt1"/>
+          </a:fontRef>
+        </p:style>
+        <p:txBody>
+          <a:bodyPr rtlCol="0" anchor="ctr"/>
+          <a:lstStyle/>
+          <a:p>
+            <a:pPr algn="ctr"/>
+            <a:r>
+              <a:rPr lang="en-US" dirty="0" smtClean="0"/>
+              <a:t>50 MHz</a:t>
+            </a:r>
+          </a:p>
+          <a:p>
+            <a:pPr algn="ctr"/>
+            <a:r>
+              <a:rPr lang="en-US" dirty="0" smtClean="0"/>
+              <a:t>Clock</a:t>
+            </a:r>
+            <a:endParaRPr lang="en-US" dirty="0"/>
+          </a:p>
+        </p:txBody>
+      </p:sp>
+      <p:cxnSp>
+        <p:nvCxnSpPr>
+          <p:cNvPr id="20" name="Straight Arrow Connector 19"/>
+          <p:cNvCxnSpPr>
+            <a:stCxn id="6" idx="0"/>
+            <a:endCxn id="4" idx="2"/>
+          </p:cNvCxnSpPr>
+          <p:nvPr/>
+        </p:nvCxnSpPr>
+        <p:spPr>
+          <a:xfrm flipV="1">
+            <a:off x="3123343" y="4394258"/>
+            <a:ext cx="0" cy="394675"/>
+          </a:xfrm>
+          <a:prstGeom prst="straightConnector1">
+            <a:avLst/>
+          </a:prstGeom>
+          <a:ln>
+            <a:tailEnd type="arrow"/>
+          </a:ln>
+        </p:spPr>
+        <p:style>
+          <a:lnRef idx="1">
+            <a:schemeClr val="accent1"/>
+          </a:lnRef>
+          <a:fillRef idx="0">
+            <a:schemeClr val="accent1"/>
+          </a:fillRef>
+          <a:effectRef idx="0">
+            <a:schemeClr val="accent1"/>
+          </a:effectRef>
+          <a:fontRef idx="minor">
+            <a:schemeClr val="tx1"/>
+          </a:fontRef>
+        </p:style>
+      </p:cxnSp>
+      <p:sp>
+        <p:nvSpPr>
+          <p:cNvPr id="44" name="TextBox 43"/>
+          <p:cNvSpPr txBox="1"/>
+          <p:nvPr/>
+        </p:nvSpPr>
+        <p:spPr>
+          <a:xfrm>
+            <a:off x="3123343" y="4419601"/>
+            <a:ext cx="777839" cy="369332"/>
+          </a:xfrm>
+          <a:prstGeom prst="rect">
+            <a:avLst/>
+          </a:prstGeom>
+          <a:noFill/>
+        </p:spPr>
+        <p:txBody>
+          <a:bodyPr wrap="square" rtlCol="0">
+            <a:spAutoFit/>
+          </a:bodyPr>
+          <a:lstStyle/>
+          <a:p>
+            <a:r>
+              <a:rPr lang="en-US" dirty="0" smtClean="0"/>
+              <a:t>CLK50</a:t>
+            </a:r>
+            <a:endParaRPr lang="en-US" dirty="0"/>
+          </a:p>
+        </p:txBody>
+      </p:sp>
+      <p:cxnSp>
+        <p:nvCxnSpPr>
+          <p:cNvPr id="45" name="Straight Arrow Connector 44"/>
+          <p:cNvCxnSpPr/>
+          <p:nvPr/>
+        </p:nvCxnSpPr>
+        <p:spPr>
+          <a:xfrm>
+            <a:off x="5723775" y="3269551"/>
+            <a:ext cx="1189662" cy="0"/>
+          </a:xfrm>
+          <a:prstGeom prst="straightConnector1">
+            <a:avLst/>
+          </a:prstGeom>
+          <a:ln>
+            <a:tailEnd type="arrow"/>
+          </a:ln>
+        </p:spPr>
+        <p:style>
+          <a:lnRef idx="1">
+            <a:schemeClr val="accent1"/>
+          </a:lnRef>
+          <a:fillRef idx="0">
+            <a:schemeClr val="accent1"/>
+          </a:fillRef>
+          <a:effectRef idx="0">
+            <a:schemeClr val="accent1"/>
+          </a:effectRef>
+          <a:fontRef idx="minor">
+            <a:schemeClr val="tx1"/>
+          </a:fontRef>
+        </p:style>
+      </p:cxnSp>
+      <p:sp>
+        <p:nvSpPr>
+          <p:cNvPr id="49" name="TextBox 48"/>
+          <p:cNvSpPr txBox="1"/>
+          <p:nvPr/>
+        </p:nvSpPr>
+        <p:spPr>
+          <a:xfrm>
+            <a:off x="6000321" y="2910357"/>
+            <a:ext cx="609600" cy="369332"/>
+          </a:xfrm>
+          <a:prstGeom prst="rect">
+            <a:avLst/>
+          </a:prstGeom>
+          <a:noFill/>
+        </p:spPr>
+        <p:txBody>
+          <a:bodyPr wrap="square" rtlCol="0">
+            <a:spAutoFit/>
+          </a:bodyPr>
+          <a:lstStyle/>
+          <a:p>
+            <a:r>
+              <a:rPr lang="en-US" dirty="0" smtClean="0"/>
+              <a:t>MSB</a:t>
+            </a:r>
+            <a:endParaRPr lang="en-US" dirty="0"/>
+          </a:p>
+        </p:txBody>
+      </p:sp>
+      <p:sp>
+        <p:nvSpPr>
+          <p:cNvPr id="50" name="TextBox 49"/>
+          <p:cNvSpPr txBox="1"/>
+          <p:nvPr/>
+        </p:nvSpPr>
+        <p:spPr>
+          <a:xfrm>
+            <a:off x="6913438" y="2956523"/>
+            <a:ext cx="1392362" cy="646331"/>
+          </a:xfrm>
+          <a:prstGeom prst="rect">
+            <a:avLst/>
+          </a:prstGeom>
+          <a:noFill/>
+        </p:spPr>
+        <p:txBody>
+          <a:bodyPr wrap="square" rtlCol="0">
+            <a:spAutoFit/>
+          </a:bodyPr>
+          <a:lstStyle/>
+          <a:p>
+            <a:r>
+              <a:rPr lang="en-US" dirty="0" smtClean="0"/>
+              <a:t>Sound Out</a:t>
+            </a:r>
+          </a:p>
+          <a:p>
+            <a:r>
+              <a:rPr lang="en-US" dirty="0" smtClean="0"/>
+              <a:t>to Buzzer</a:t>
+            </a:r>
+            <a:endParaRPr lang="en-US" dirty="0"/>
+          </a:p>
+        </p:txBody>
+      </p:sp>
+      <p:sp>
+        <p:nvSpPr>
+          <p:cNvPr id="13" name="Rectangle 12"/>
+          <p:cNvSpPr/>
+          <p:nvPr/>
+        </p:nvSpPr>
+        <p:spPr>
+          <a:xfrm>
+            <a:off x="2589943" y="2133601"/>
+            <a:ext cx="1066800" cy="965257"/>
+          </a:xfrm>
+          <a:prstGeom prst="rect">
+            <a:avLst/>
+          </a:prstGeom>
+        </p:spPr>
+        <p:style>
+          <a:lnRef idx="2">
+            <a:schemeClr val="accent1">
+              <a:shade val="50000"/>
+            </a:schemeClr>
+          </a:lnRef>
+          <a:fillRef idx="1">
+            <a:schemeClr val="accent1"/>
+          </a:fillRef>
+          <a:effectRef idx="0">
+            <a:schemeClr val="accent1"/>
+          </a:effectRef>
+          <a:fontRef idx="minor">
+            <a:schemeClr val="lt1"/>
+          </a:fontRef>
+        </p:style>
+        <p:txBody>
+          <a:bodyPr rtlCol="0" anchor="ctr"/>
+          <a:lstStyle/>
+          <a:p>
+            <a:pPr algn="ctr"/>
+            <a:r>
+              <a:rPr lang="en-US" dirty="0" smtClean="0"/>
+              <a:t>N bits</a:t>
+            </a:r>
+          </a:p>
+          <a:p>
+            <a:pPr algn="ctr"/>
+            <a:r>
+              <a:rPr lang="en-US" dirty="0" smtClean="0"/>
+              <a:t>Control</a:t>
+            </a:r>
+            <a:endParaRPr lang="en-US" dirty="0" smtClean="0"/>
+          </a:p>
+          <a:p>
+            <a:pPr algn="ctr"/>
+            <a:r>
+              <a:rPr lang="en-US" dirty="0" smtClean="0"/>
+              <a:t>Register</a:t>
+            </a:r>
+            <a:endParaRPr lang="en-US" dirty="0"/>
+          </a:p>
+        </p:txBody>
+      </p:sp>
+      <p:sp>
+        <p:nvSpPr>
+          <p:cNvPr id="19" name="Rectangle 18"/>
+          <p:cNvSpPr/>
+          <p:nvPr/>
+        </p:nvSpPr>
+        <p:spPr>
+          <a:xfrm>
+            <a:off x="1029983" y="2133600"/>
+            <a:ext cx="1066800" cy="965257"/>
+          </a:xfrm>
+          <a:prstGeom prst="rect">
+            <a:avLst/>
+          </a:prstGeom>
+        </p:spPr>
+        <p:style>
+          <a:lnRef idx="2">
+            <a:schemeClr val="accent1">
+              <a:shade val="50000"/>
+            </a:schemeClr>
+          </a:lnRef>
+          <a:fillRef idx="1">
+            <a:schemeClr val="accent1"/>
+          </a:fillRef>
+          <a:effectRef idx="0">
+            <a:schemeClr val="accent1"/>
+          </a:effectRef>
+          <a:fontRef idx="minor">
+            <a:schemeClr val="lt1"/>
+          </a:fontRef>
+        </p:style>
+        <p:txBody>
+          <a:bodyPr rtlCol="0" anchor="ctr"/>
+          <a:lstStyle/>
+          <a:p>
+            <a:pPr algn="ctr"/>
+            <a:r>
+              <a:rPr lang="en-US" dirty="0" smtClean="0"/>
+              <a:t>CPU</a:t>
+            </a:r>
+            <a:endParaRPr lang="en-US" dirty="0"/>
+          </a:p>
+        </p:txBody>
+      </p:sp>
+      <p:sp>
+        <p:nvSpPr>
+          <p:cNvPr id="21" name="Right Arrow 20"/>
+          <p:cNvSpPr/>
+          <p:nvPr/>
+        </p:nvSpPr>
+        <p:spPr>
+          <a:xfrm>
+            <a:off x="2110482" y="2470928"/>
+            <a:ext cx="479461" cy="304800"/>
+          </a:xfrm>
+          <a:prstGeom prst="rightArrow">
+            <a:avLst/>
+          </a:prstGeom>
+        </p:spPr>
+        <p:style>
+          <a:lnRef idx="2">
+            <a:schemeClr val="accent1">
+              <a:shade val="50000"/>
+            </a:schemeClr>
+          </a:lnRef>
+          <a:fillRef idx="1">
+            <a:schemeClr val="accent1"/>
+          </a:fillRef>
+          <a:effectRef idx="0">
+            <a:schemeClr val="accent1"/>
+          </a:effectRef>
+          <a:fontRef idx="minor">
+            <a:schemeClr val="lt1"/>
+          </a:fontRef>
+        </p:style>
+        <p:txBody>
+          <a:bodyPr rtlCol="0" anchor="ctr"/>
+          <a:lstStyle/>
+          <a:p>
+            <a:pPr algn="ctr"/>
+            <a:r>
+              <a:rPr lang="en-US" dirty="0" smtClean="0"/>
+              <a:t>8</a:t>
+            </a:r>
+            <a:endParaRPr lang="en-US" dirty="0"/>
+          </a:p>
+        </p:txBody>
+      </p:sp>
+      <p:sp>
+        <p:nvSpPr>
+          <p:cNvPr id="22" name="Right Arrow 21"/>
+          <p:cNvSpPr/>
+          <p:nvPr/>
+        </p:nvSpPr>
+        <p:spPr>
+          <a:xfrm>
+            <a:off x="3661451" y="3759229"/>
+            <a:ext cx="1009009" cy="304800"/>
+          </a:xfrm>
+          <a:prstGeom prst="rightArrow">
+            <a:avLst/>
+          </a:prstGeom>
+        </p:spPr>
+        <p:style>
+          <a:lnRef idx="2">
+            <a:schemeClr val="accent1">
+              <a:shade val="50000"/>
+            </a:schemeClr>
+          </a:lnRef>
+          <a:fillRef idx="1">
+            <a:schemeClr val="accent1"/>
+          </a:fillRef>
+          <a:effectRef idx="0">
+            <a:schemeClr val="accent1"/>
+          </a:effectRef>
+          <a:fontRef idx="minor">
+            <a:schemeClr val="lt1"/>
+          </a:fontRef>
+        </p:style>
+        <p:txBody>
+          <a:bodyPr rtlCol="0" anchor="ctr"/>
+          <a:lstStyle/>
+          <a:p>
+            <a:pPr algn="ctr"/>
+            <a:r>
+              <a:rPr lang="en-US" dirty="0" smtClean="0"/>
+              <a:t>8</a:t>
+            </a:r>
+            <a:endParaRPr lang="en-US" dirty="0"/>
+          </a:p>
+        </p:txBody>
+      </p:sp>
+      <p:sp>
+        <p:nvSpPr>
+          <p:cNvPr id="24" name="Right Arrow 23"/>
+          <p:cNvSpPr/>
+          <p:nvPr/>
+        </p:nvSpPr>
+        <p:spPr>
+          <a:xfrm>
+            <a:off x="3667444" y="2463828"/>
+            <a:ext cx="1009009" cy="304800"/>
+          </a:xfrm>
+          <a:prstGeom prst="rightArrow">
+            <a:avLst/>
+          </a:prstGeom>
+        </p:spPr>
+        <p:style>
+          <a:lnRef idx="2">
+            <a:schemeClr val="accent1">
+              <a:shade val="50000"/>
+            </a:schemeClr>
+          </a:lnRef>
+          <a:fillRef idx="1">
+            <a:schemeClr val="accent1"/>
+          </a:fillRef>
+          <a:effectRef idx="0">
+            <a:schemeClr val="accent1"/>
+          </a:effectRef>
+          <a:fontRef idx="minor">
+            <a:schemeClr val="lt1"/>
+          </a:fontRef>
+        </p:style>
+        <p:txBody>
+          <a:bodyPr rtlCol="0" anchor="ctr"/>
+          <a:lstStyle/>
+          <a:p>
+            <a:pPr algn="ctr"/>
+            <a:r>
+              <a:rPr lang="en-US" dirty="0" smtClean="0"/>
+              <a:t>8</a:t>
+            </a:r>
+            <a:endParaRPr lang="en-US" dirty="0"/>
+          </a:p>
+        </p:txBody>
+      </p:sp>
+      <p:sp>
+        <p:nvSpPr>
+          <p:cNvPr id="25" name="Rectangle 24"/>
+          <p:cNvSpPr/>
+          <p:nvPr/>
+        </p:nvSpPr>
+        <p:spPr>
+          <a:xfrm>
+            <a:off x="4676453" y="2133601"/>
+            <a:ext cx="1066800" cy="2260657"/>
+          </a:xfrm>
+          <a:prstGeom prst="rect">
+            <a:avLst/>
+          </a:prstGeom>
+        </p:spPr>
+        <p:style>
+          <a:lnRef idx="2">
+            <a:schemeClr val="accent1">
+              <a:shade val="50000"/>
+            </a:schemeClr>
+          </a:lnRef>
+          <a:fillRef idx="1">
+            <a:schemeClr val="accent1"/>
+          </a:fillRef>
+          <a:effectRef idx="0">
+            <a:schemeClr val="accent1"/>
+          </a:effectRef>
+          <a:fontRef idx="minor">
+            <a:schemeClr val="lt1"/>
+          </a:fontRef>
+        </p:style>
+        <p:txBody>
+          <a:bodyPr rtlCol="0" anchor="ctr"/>
+          <a:lstStyle/>
+          <a:p>
+            <a:pPr algn="ctr"/>
+            <a:r>
+              <a:rPr lang="en-US" dirty="0" smtClean="0"/>
+              <a:t>AND-OR</a:t>
+            </a:r>
+          </a:p>
+          <a:p>
+            <a:pPr algn="ctr"/>
+            <a:r>
+              <a:rPr lang="en-US" dirty="0" smtClean="0"/>
+              <a:t>Gates</a:t>
             </a:r>
             <a:endParaRPr lang="en-US" dirty="0"/>
           </a:p>
@@ -4774,7 +7267,7 @@
     </p:spTree>
     <p:extLst>
       <p:ext uri="{BB962C8B-B14F-4D97-AF65-F5344CB8AC3E}">
-        <p14:creationId xmlns:p14="http://schemas.microsoft.com/office/powerpoint/2010/main" val="3219758035"/>
+        <p14:creationId xmlns:p14="http://schemas.microsoft.com/office/powerpoint/2010/main" val="4094464540"/>
       </p:ext>
     </p:extLst>
   </p:cSld>
@@ -4818,7 +7311,7 @@
           <a:p>
             <a:r>
               <a:rPr lang="en-US" dirty="0" smtClean="0"/>
-              <a:t>Second Cut (cont’d)</a:t>
+              <a:t>Second Cut (Cont’d)</a:t>
             </a:r>
             <a:endParaRPr lang="en-US" dirty="0"/>
           </a:p>
@@ -4836,296 +7329,49 @@
         </p:nvSpPr>
         <p:spPr/>
         <p:txBody>
-          <a:bodyPr>
-            <a:normAutofit/>
-          </a:bodyPr>
-          <a:lstStyle/>
-          <a:p>
-            <a:r>
-              <a:rPr lang="en-US" dirty="0" smtClean="0"/>
-              <a:t>Loadable counter entity</a:t>
-            </a:r>
-          </a:p>
-          <a:p>
-            <a:endParaRPr lang="en-US" dirty="0" smtClean="0"/>
-          </a:p>
-          <a:p>
-            <a:pPr marL="400050" lvl="1" indent="0">
-              <a:buNone/>
-            </a:pPr>
-            <a:r>
-              <a:rPr lang="en-US" sz="1600" b="1" dirty="0" smtClean="0">
-                <a:latin typeface="Courier New" pitchFamily="49" charset="0"/>
-                <a:cs typeface="Courier New" pitchFamily="49" charset="0"/>
-              </a:rPr>
-              <a:t>entity </a:t>
-            </a:r>
-            <a:r>
-              <a:rPr lang="en-US" sz="1600" b="1" dirty="0" err="1" smtClean="0">
-                <a:latin typeface="Courier New" pitchFamily="49" charset="0"/>
-                <a:cs typeface="Courier New" pitchFamily="49" charset="0"/>
-              </a:rPr>
-              <a:t>counterLoadable</a:t>
-            </a:r>
-            <a:r>
-              <a:rPr lang="en-US" sz="1600" b="1" dirty="0" smtClean="0">
-                <a:latin typeface="Courier New" pitchFamily="49" charset="0"/>
-                <a:cs typeface="Courier New" pitchFamily="49" charset="0"/>
-              </a:rPr>
-              <a:t> is</a:t>
-            </a:r>
-          </a:p>
-          <a:p>
-            <a:pPr marL="400050" lvl="1" indent="0">
-              <a:buNone/>
-            </a:pPr>
-            <a:endParaRPr lang="en-US" sz="1600" b="1" dirty="0" smtClean="0">
-              <a:latin typeface="Courier New" pitchFamily="49" charset="0"/>
-              <a:cs typeface="Courier New" pitchFamily="49" charset="0"/>
-            </a:endParaRPr>
-          </a:p>
-          <a:p>
-            <a:pPr marL="400050" lvl="1" indent="0">
-              <a:buNone/>
-            </a:pPr>
-            <a:r>
-              <a:rPr lang="en-US" sz="1600" b="1" dirty="0" smtClean="0">
-                <a:latin typeface="Courier New" pitchFamily="49" charset="0"/>
-                <a:cs typeface="Courier New" pitchFamily="49" charset="0"/>
-              </a:rPr>
-              <a:t>port(	</a:t>
-            </a:r>
-          </a:p>
-          <a:p>
-            <a:pPr marL="400050" lvl="1" indent="0">
-              <a:buNone/>
-            </a:pPr>
-            <a:r>
-              <a:rPr lang="en-US" sz="1600" b="1" dirty="0" smtClean="0">
-                <a:latin typeface="Courier New" pitchFamily="49" charset="0"/>
-                <a:cs typeface="Courier New" pitchFamily="49" charset="0"/>
-              </a:rPr>
-              <a:t>	clock:	in </a:t>
-            </a:r>
-            <a:r>
-              <a:rPr lang="en-US" sz="1600" b="1" dirty="0" err="1" smtClean="0">
-                <a:latin typeface="Courier New" pitchFamily="49" charset="0"/>
-                <a:cs typeface="Courier New" pitchFamily="49" charset="0"/>
-              </a:rPr>
-              <a:t>std_logic</a:t>
-            </a:r>
-            <a:r>
-              <a:rPr lang="en-US" sz="1600" b="1" dirty="0" smtClean="0">
-                <a:latin typeface="Courier New" pitchFamily="49" charset="0"/>
-                <a:cs typeface="Courier New" pitchFamily="49" charset="0"/>
-              </a:rPr>
-              <a:t>;</a:t>
-            </a:r>
-          </a:p>
-          <a:p>
-            <a:pPr marL="400050" lvl="1" indent="0">
-              <a:buNone/>
-            </a:pPr>
-            <a:r>
-              <a:rPr lang="en-US" sz="1600" b="1" dirty="0" smtClean="0">
-                <a:latin typeface="Courier New" pitchFamily="49" charset="0"/>
-                <a:cs typeface="Courier New" pitchFamily="49" charset="0"/>
-              </a:rPr>
-              <a:t>	clear:   in </a:t>
-            </a:r>
-            <a:r>
-              <a:rPr lang="en-US" sz="1600" b="1" dirty="0" err="1" smtClean="0">
-                <a:latin typeface="Courier New" pitchFamily="49" charset="0"/>
-                <a:cs typeface="Courier New" pitchFamily="49" charset="0"/>
-              </a:rPr>
-              <a:t>std_logic</a:t>
-            </a:r>
-            <a:r>
-              <a:rPr lang="en-US" sz="1600" b="1" dirty="0" smtClean="0">
-                <a:latin typeface="Courier New" pitchFamily="49" charset="0"/>
-                <a:cs typeface="Courier New" pitchFamily="49" charset="0"/>
-              </a:rPr>
-              <a:t>;</a:t>
-            </a:r>
-          </a:p>
-          <a:p>
-            <a:pPr marL="400050" lvl="1" indent="0">
-              <a:buNone/>
-            </a:pPr>
-            <a:r>
-              <a:rPr lang="en-US" sz="1600" b="1" dirty="0" smtClean="0">
-                <a:latin typeface="Courier New" pitchFamily="49" charset="0"/>
-                <a:cs typeface="Courier New" pitchFamily="49" charset="0"/>
-              </a:rPr>
-              <a:t>	</a:t>
-            </a:r>
-            <a:r>
-              <a:rPr lang="en-US" sz="1600" b="1" dirty="0" err="1" smtClean="0">
-                <a:latin typeface="Courier New" pitchFamily="49" charset="0"/>
-                <a:cs typeface="Courier New" pitchFamily="49" charset="0"/>
-              </a:rPr>
-              <a:t>loadVal</a:t>
-            </a:r>
-            <a:r>
-              <a:rPr lang="en-US" sz="1600" b="1" dirty="0" smtClean="0">
-                <a:latin typeface="Courier New" pitchFamily="49" charset="0"/>
-                <a:cs typeface="Courier New" pitchFamily="49" charset="0"/>
-              </a:rPr>
-              <a:t>: in </a:t>
-            </a:r>
-            <a:r>
-              <a:rPr lang="en-US" sz="1600" b="1" dirty="0" err="1" smtClean="0">
-                <a:latin typeface="Courier New" pitchFamily="49" charset="0"/>
-                <a:cs typeface="Courier New" pitchFamily="49" charset="0"/>
-              </a:rPr>
-              <a:t>std_logic_vector</a:t>
-            </a:r>
-            <a:r>
-              <a:rPr lang="en-US" sz="1600" b="1" dirty="0" smtClean="0">
-                <a:latin typeface="Courier New" pitchFamily="49" charset="0"/>
-                <a:cs typeface="Courier New" pitchFamily="49" charset="0"/>
-              </a:rPr>
-              <a:t>(7 </a:t>
-            </a:r>
-            <a:r>
-              <a:rPr lang="en-US" sz="1600" b="1" dirty="0" err="1" smtClean="0">
-                <a:latin typeface="Courier New" pitchFamily="49" charset="0"/>
-                <a:cs typeface="Courier New" pitchFamily="49" charset="0"/>
-              </a:rPr>
-              <a:t>downto</a:t>
-            </a:r>
-            <a:r>
-              <a:rPr lang="en-US" sz="1600" b="1" dirty="0" smtClean="0">
-                <a:latin typeface="Courier New" pitchFamily="49" charset="0"/>
-                <a:cs typeface="Courier New" pitchFamily="49" charset="0"/>
-              </a:rPr>
-              <a:t> 0);</a:t>
-            </a:r>
-          </a:p>
-          <a:p>
-            <a:pPr marL="400050" lvl="1" indent="0">
-              <a:buNone/>
-            </a:pPr>
-            <a:r>
-              <a:rPr lang="en-US" sz="1600" b="1" dirty="0" smtClean="0">
-                <a:latin typeface="Courier New" pitchFamily="49" charset="0"/>
-                <a:cs typeface="Courier New" pitchFamily="49" charset="0"/>
-              </a:rPr>
-              <a:t>	</a:t>
-            </a:r>
-            <a:r>
-              <a:rPr lang="en-US" sz="1600" b="1" dirty="0" err="1" smtClean="0">
-                <a:latin typeface="Courier New" pitchFamily="49" charset="0"/>
-                <a:cs typeface="Courier New" pitchFamily="49" charset="0"/>
-              </a:rPr>
-              <a:t>soundOut</a:t>
-            </a:r>
-            <a:r>
-              <a:rPr lang="en-US" sz="1600" b="1" dirty="0" smtClean="0">
-                <a:latin typeface="Courier New" pitchFamily="49" charset="0"/>
-                <a:cs typeface="Courier New" pitchFamily="49" charset="0"/>
-              </a:rPr>
-              <a:t>: out </a:t>
-            </a:r>
-            <a:r>
-              <a:rPr lang="en-US" sz="1600" b="1" dirty="0" err="1" smtClean="0">
-                <a:latin typeface="Courier New" pitchFamily="49" charset="0"/>
-                <a:cs typeface="Courier New" pitchFamily="49" charset="0"/>
-              </a:rPr>
-              <a:t>std_logic</a:t>
-            </a:r>
-            <a:r>
-              <a:rPr lang="en-US" sz="1600" b="1" dirty="0" smtClean="0">
-                <a:latin typeface="Courier New" pitchFamily="49" charset="0"/>
-                <a:cs typeface="Courier New" pitchFamily="49" charset="0"/>
-              </a:rPr>
-              <a:t>;</a:t>
-            </a:r>
-          </a:p>
-          <a:p>
-            <a:pPr marL="400050" lvl="1" indent="0">
-              <a:buNone/>
-            </a:pPr>
-            <a:r>
-              <a:rPr lang="en-US" sz="1600" b="1" dirty="0" smtClean="0">
-                <a:latin typeface="Courier New" pitchFamily="49" charset="0"/>
-                <a:cs typeface="Courier New" pitchFamily="49" charset="0"/>
-              </a:rPr>
-              <a:t>	Q:	out </a:t>
-            </a:r>
-            <a:r>
-              <a:rPr lang="en-US" sz="1600" b="1" dirty="0" err="1" smtClean="0">
-                <a:latin typeface="Courier New" pitchFamily="49" charset="0"/>
-                <a:cs typeface="Courier New" pitchFamily="49" charset="0"/>
-              </a:rPr>
-              <a:t>std_logic_vector</a:t>
-            </a:r>
-            <a:r>
-              <a:rPr lang="en-US" sz="1600" b="1" dirty="0" smtClean="0">
-                <a:latin typeface="Courier New" pitchFamily="49" charset="0"/>
-                <a:cs typeface="Courier New" pitchFamily="49" charset="0"/>
-              </a:rPr>
-              <a:t>(18 </a:t>
-            </a:r>
-            <a:r>
-              <a:rPr lang="en-US" sz="1600" b="1" dirty="0" err="1" smtClean="0">
-                <a:latin typeface="Courier New" pitchFamily="49" charset="0"/>
-                <a:cs typeface="Courier New" pitchFamily="49" charset="0"/>
-              </a:rPr>
-              <a:t>downto</a:t>
-            </a:r>
-            <a:r>
-              <a:rPr lang="en-US" sz="1600" b="1" dirty="0" smtClean="0">
-                <a:latin typeface="Courier New" pitchFamily="49" charset="0"/>
-                <a:cs typeface="Courier New" pitchFamily="49" charset="0"/>
-              </a:rPr>
-              <a:t> 0)</a:t>
-            </a:r>
-          </a:p>
-          <a:p>
-            <a:pPr marL="400050" lvl="1" indent="0">
-              <a:buNone/>
-            </a:pPr>
-            <a:r>
-              <a:rPr lang="en-US" sz="1600" b="1" dirty="0" smtClean="0">
-                <a:latin typeface="Courier New" pitchFamily="49" charset="0"/>
-                <a:cs typeface="Courier New" pitchFamily="49" charset="0"/>
-              </a:rPr>
-              <a:t>);</a:t>
-            </a:r>
-          </a:p>
-          <a:p>
-            <a:pPr marL="400050" lvl="1" indent="0">
-              <a:buNone/>
-            </a:pPr>
-            <a:r>
-              <a:rPr lang="en-US" sz="1600" b="1" dirty="0" smtClean="0">
-                <a:latin typeface="Courier New" pitchFamily="49" charset="0"/>
-                <a:cs typeface="Courier New" pitchFamily="49" charset="0"/>
-              </a:rPr>
-              <a:t>end </a:t>
-            </a:r>
-            <a:r>
-              <a:rPr lang="en-US" sz="1600" b="1" dirty="0" err="1" smtClean="0">
-                <a:latin typeface="Courier New" pitchFamily="49" charset="0"/>
-                <a:cs typeface="Courier New" pitchFamily="49" charset="0"/>
-              </a:rPr>
-              <a:t>counterLoadable</a:t>
-            </a:r>
-            <a:r>
-              <a:rPr lang="en-US" sz="1600" b="1" dirty="0" smtClean="0">
-                <a:latin typeface="Courier New" pitchFamily="49" charset="0"/>
-                <a:cs typeface="Courier New" pitchFamily="49" charset="0"/>
-              </a:rPr>
-              <a:t>;</a:t>
-            </a:r>
+          <a:bodyPr/>
+          <a:lstStyle/>
+          <a:p>
+            <a:r>
+              <a:rPr lang="en-US" dirty="0"/>
+              <a:t>Limitations</a:t>
+            </a:r>
+          </a:p>
+          <a:p>
+            <a:pPr lvl="1"/>
+            <a:r>
+              <a:rPr lang="en-US" dirty="0"/>
+              <a:t>Binary counter every bit is ½ or 2x the previous bit</a:t>
+            </a:r>
+          </a:p>
+          <a:p>
+            <a:pPr lvl="2"/>
+            <a:r>
+              <a:rPr lang="en-US" dirty="0"/>
+              <a:t>This is one octave</a:t>
+            </a:r>
+          </a:p>
+          <a:p>
+            <a:pPr lvl="2"/>
+            <a:r>
+              <a:rPr lang="en-US" dirty="0"/>
+              <a:t>Steps very small at low frequencies</a:t>
+            </a:r>
+          </a:p>
+          <a:p>
+            <a:pPr lvl="2"/>
+            <a:r>
+              <a:rPr lang="en-US"/>
+              <a:t>Steps very big at higher frequencies</a:t>
+            </a:r>
+            <a:endParaRPr lang="en-US" dirty="0"/>
           </a:p>
         </p:txBody>
       </p:sp>
     </p:spTree>
     <p:extLst>
       <p:ext uri="{BB962C8B-B14F-4D97-AF65-F5344CB8AC3E}">
-        <p14:creationId xmlns:p14="http://schemas.microsoft.com/office/powerpoint/2010/main" val="3017898810"/>
+        <p14:creationId xmlns:p14="http://schemas.microsoft.com/office/powerpoint/2010/main" val="2459112331"/>
       </p:ext>
     </p:extLst>
   </p:cSld>
@@ -5187,46 +7433,119 @@
         </p:nvSpPr>
         <p:spPr/>
         <p:txBody>
-          <a:bodyPr/>
-          <a:lstStyle/>
-          <a:p>
-            <a:r>
-              <a:rPr lang="en-US" dirty="0" smtClean="0"/>
-              <a:t>Use DDS to generate precise frequencies</a:t>
-            </a:r>
-          </a:p>
-          <a:p>
-            <a:r>
-              <a:rPr lang="en-US" dirty="0" smtClean="0"/>
-              <a:t>50,000,000 Hz clock is 20 </a:t>
+          <a:bodyPr>
+            <a:normAutofit fontScale="92500" lnSpcReduction="10000"/>
+          </a:bodyPr>
+          <a:lstStyle/>
+          <a:p>
+            <a:r>
+              <a:rPr lang="en-US" dirty="0" smtClean="0"/>
+              <a:t>Square </a:t>
+            </a:r>
+            <a:r>
+              <a:rPr lang="en-US" dirty="0" smtClean="0"/>
+              <a:t>Wave output</a:t>
+            </a:r>
+          </a:p>
+          <a:p>
+            <a:r>
+              <a:rPr lang="en-US" dirty="0" smtClean="0"/>
+              <a:t>Fixed </a:t>
+            </a:r>
+            <a:r>
+              <a:rPr lang="en-US" dirty="0" smtClean="0"/>
+              <a:t>frequency</a:t>
+            </a:r>
+          </a:p>
+          <a:p>
+            <a:pPr lvl="1"/>
+            <a:r>
+              <a:rPr lang="en-US" dirty="0" smtClean="0"/>
+              <a:t>Middle C is 261.6265 Hz</a:t>
+            </a:r>
+          </a:p>
+          <a:p>
+            <a:pPr lvl="1"/>
+            <a:r>
+              <a:rPr lang="en-US" dirty="0" smtClean="0"/>
+              <a:t>50,000,000 </a:t>
             </a:r>
             <a:r>
               <a:rPr lang="en-US" dirty="0" err="1" smtClean="0"/>
-              <a:t>nS</a:t>
-            </a:r>
-            <a:r>
-              <a:rPr lang="en-US" dirty="0" smtClean="0"/>
-              <a:t> accuracy</a:t>
-            </a:r>
-          </a:p>
-          <a:p>
-            <a:r>
-              <a:rPr lang="en-US" dirty="0" smtClean="0"/>
-              <a:t>12 notes per octave on a piano</a:t>
-            </a:r>
-          </a:p>
-          <a:p>
-            <a:r>
-              <a:rPr lang="en-US" dirty="0" smtClean="0"/>
-              <a:t>Every octave doubles the frequency</a:t>
-            </a:r>
+              <a:t>clks</a:t>
+            </a:r>
+            <a:r>
+              <a:rPr lang="en-US" dirty="0" smtClean="0"/>
+              <a:t>/sec </a:t>
+            </a:r>
+            <a:r>
+              <a:rPr lang="en-US" dirty="0" smtClean="0"/>
+              <a:t>/ 261.6265 Hz = </a:t>
+            </a:r>
+            <a:r>
+              <a:rPr lang="en-US" dirty="0" smtClean="0"/>
+              <a:t>191,112.13 clocks</a:t>
+            </a:r>
+            <a:endParaRPr lang="en-US" dirty="0" smtClean="0"/>
+          </a:p>
+          <a:p>
+            <a:pPr lvl="1"/>
+            <a:r>
+              <a:rPr lang="en-US" dirty="0" smtClean="0"/>
+              <a:t>Next bit up - 2^18 = 262,144</a:t>
+            </a:r>
+            <a:endParaRPr lang="en-US" dirty="0" smtClean="0"/>
+          </a:p>
+          <a:p>
+            <a:pPr lvl="1"/>
+            <a:r>
+              <a:rPr lang="en-US" dirty="0" smtClean="0"/>
+              <a:t>Use an 18-bit counter</a:t>
+            </a:r>
+          </a:p>
+          <a:p>
+            <a:pPr lvl="2"/>
+            <a:r>
+              <a:rPr lang="en-US" dirty="0" smtClean="0"/>
+              <a:t>Starting count = 262,144 </a:t>
+            </a:r>
+            <a:r>
+              <a:rPr lang="en-US" dirty="0" smtClean="0"/>
+              <a:t>– 191,112 = 72032</a:t>
+            </a:r>
+          </a:p>
+          <a:p>
+            <a:pPr lvl="3"/>
+            <a:r>
+              <a:rPr lang="en-US" dirty="0" smtClean="0"/>
+              <a:t>0x11578 = 1 0001 0101 0111 1000</a:t>
+            </a:r>
+          </a:p>
+          <a:p>
+            <a:pPr lvl="2"/>
+            <a:r>
+              <a:rPr lang="en-US" dirty="0" smtClean="0"/>
+              <a:t>Count up to Terminal </a:t>
+            </a:r>
+            <a:r>
+              <a:rPr lang="en-US" dirty="0" smtClean="0"/>
+              <a:t>Count and then reload </a:t>
+            </a:r>
+          </a:p>
+          <a:p>
+            <a:pPr lvl="1"/>
+            <a:r>
+              <a:rPr lang="en-US" dirty="0" smtClean="0"/>
+              <a:t>Use Most Significant Counter bit as sound out</a:t>
+            </a:r>
+            <a:endParaRPr lang="en-US" dirty="0" smtClean="0"/>
           </a:p>
         </p:txBody>
       </p:sp>
     </p:spTree>
     <p:extLst>
       <p:ext uri="{BB962C8B-B14F-4D97-AF65-F5344CB8AC3E}">
-        <p14:creationId xmlns:p14="http://schemas.microsoft.com/office/powerpoint/2010/main" val="1856059942"/>
+        <p14:creationId xmlns:p14="http://schemas.microsoft.com/office/powerpoint/2010/main" val="314461907"/>
       </p:ext>
     </p:extLst>
   </p:cSld>
@@ -5269,8 +7588,20 @@
           <a:lstStyle/>
           <a:p>
             <a:r>
-              <a:rPr lang="en-US" dirty="0" smtClean="0"/>
-              <a:t>Third Cut (cont’d)</a:t>
+              <a:rPr lang="en-US" dirty="0"/>
+              <a:t>Third </a:t>
+            </a:r>
+            <a:r>
+              <a:rPr lang="en-US" dirty="0" smtClean="0"/>
+              <a:t>Cut (</a:t>
+            </a:r>
+            <a:r>
+              <a:rPr lang="en-US" dirty="0" smtClean="0"/>
+              <a:t>cont’d</a:t>
+            </a:r>
+            <a:r>
+              <a:rPr lang="en-US" dirty="0" smtClean="0"/>
+              <a:t>)</a:t>
             </a:r>
             <a:endParaRPr lang="en-US" dirty="0"/>
           </a:p>
@@ -5278,27 +7609,717 @@
       </p:sp>
       <p:sp>
         <p:nvSpPr>
-          <p:cNvPr id="3" name="Content Placeholder 2"/>
-          <p:cNvSpPr>
-            <a:spLocks noGrp="1"/>
-          </p:cNvSpPr>
-          <p:nvPr>
-            <p:ph idx="1"/>
-          </p:nvPr>
-        </p:nvSpPr>
-        <p:spPr/>
-        <p:txBody>
-          <a:bodyPr/>
-          <a:lstStyle/>
-          <a:p>
-            <a:endParaRPr lang="en-US"/>
+          <p:cNvPr id="4" name="Rectangle 3"/>
+          <p:cNvSpPr/>
+          <p:nvPr/>
+        </p:nvSpPr>
+        <p:spPr>
+          <a:xfrm>
+            <a:off x="3070261" y="2045411"/>
+            <a:ext cx="1066800" cy="2590800"/>
+          </a:xfrm>
+          <a:prstGeom prst="rect">
+            <a:avLst/>
+          </a:prstGeom>
+        </p:spPr>
+        <p:style>
+          <a:lnRef idx="2">
+            <a:schemeClr val="accent1">
+              <a:shade val="50000"/>
+            </a:schemeClr>
+          </a:lnRef>
+          <a:fillRef idx="1">
+            <a:schemeClr val="accent1"/>
+          </a:fillRef>
+          <a:effectRef idx="0">
+            <a:schemeClr val="accent1"/>
+          </a:effectRef>
+          <a:fontRef idx="minor">
+            <a:schemeClr val="lt1"/>
+          </a:fontRef>
+        </p:style>
+        <p:txBody>
+          <a:bodyPr rtlCol="0" anchor="ctr"/>
+          <a:lstStyle/>
+          <a:p>
+            <a:pPr algn="ctr"/>
+            <a:r>
+              <a:rPr lang="en-US" dirty="0" smtClean="0"/>
+              <a:t>18-bit</a:t>
+            </a:r>
+          </a:p>
+          <a:p>
+            <a:pPr algn="ctr"/>
+            <a:r>
+              <a:rPr lang="en-US" dirty="0" smtClean="0"/>
+              <a:t>Up</a:t>
+            </a:r>
+          </a:p>
+          <a:p>
+            <a:pPr algn="ctr"/>
+            <a:r>
+              <a:rPr lang="en-US" dirty="0" smtClean="0"/>
+              <a:t>Counter</a:t>
+            </a:r>
+            <a:endParaRPr lang="en-US" dirty="0"/>
+          </a:p>
+        </p:txBody>
+      </p:sp>
+      <p:sp>
+        <p:nvSpPr>
+          <p:cNvPr id="6" name="Rectangle 5"/>
+          <p:cNvSpPr/>
+          <p:nvPr/>
+        </p:nvSpPr>
+        <p:spPr>
+          <a:xfrm>
+            <a:off x="3070261" y="5093411"/>
+            <a:ext cx="1066800" cy="920393"/>
+          </a:xfrm>
+          <a:prstGeom prst="rect">
+            <a:avLst/>
+          </a:prstGeom>
+        </p:spPr>
+        <p:style>
+          <a:lnRef idx="2">
+            <a:schemeClr val="accent1">
+              <a:shade val="50000"/>
+            </a:schemeClr>
+          </a:lnRef>
+          <a:fillRef idx="1">
+            <a:schemeClr val="accent1"/>
+          </a:fillRef>
+          <a:effectRef idx="0">
+            <a:schemeClr val="accent1"/>
+          </a:effectRef>
+          <a:fontRef idx="minor">
+            <a:schemeClr val="lt1"/>
+          </a:fontRef>
+        </p:style>
+        <p:txBody>
+          <a:bodyPr rtlCol="0" anchor="ctr"/>
+          <a:lstStyle/>
+          <a:p>
+            <a:pPr algn="ctr"/>
+            <a:r>
+              <a:rPr lang="en-US" dirty="0" smtClean="0"/>
+              <a:t>50 MHz</a:t>
+            </a:r>
+          </a:p>
+          <a:p>
+            <a:pPr algn="ctr"/>
+            <a:r>
+              <a:rPr lang="en-US" dirty="0" smtClean="0"/>
+              <a:t>Clock</a:t>
+            </a:r>
+            <a:endParaRPr lang="en-US" dirty="0"/>
+          </a:p>
+        </p:txBody>
+      </p:sp>
+      <p:cxnSp>
+        <p:nvCxnSpPr>
+          <p:cNvPr id="20" name="Straight Arrow Connector 19"/>
+          <p:cNvCxnSpPr>
+            <a:stCxn id="6" idx="0"/>
+            <a:endCxn id="4" idx="2"/>
+          </p:cNvCxnSpPr>
+          <p:nvPr/>
+        </p:nvCxnSpPr>
+        <p:spPr>
+          <a:xfrm flipV="1">
+            <a:off x="3603661" y="4636211"/>
+            <a:ext cx="0" cy="457200"/>
+          </a:xfrm>
+          <a:prstGeom prst="straightConnector1">
+            <a:avLst/>
+          </a:prstGeom>
+          <a:ln>
+            <a:tailEnd type="arrow"/>
+          </a:ln>
+        </p:spPr>
+        <p:style>
+          <a:lnRef idx="1">
+            <a:schemeClr val="accent1"/>
+          </a:lnRef>
+          <a:fillRef idx="0">
+            <a:schemeClr val="accent1"/>
+          </a:fillRef>
+          <a:effectRef idx="0">
+            <a:schemeClr val="accent1"/>
+          </a:effectRef>
+          <a:fontRef idx="minor">
+            <a:schemeClr val="tx1"/>
+          </a:fontRef>
+        </p:style>
+      </p:cxnSp>
+      <p:sp>
+        <p:nvSpPr>
+          <p:cNvPr id="19" name="Right Arrow 18"/>
+          <p:cNvSpPr/>
+          <p:nvPr/>
+        </p:nvSpPr>
+        <p:spPr>
+          <a:xfrm>
+            <a:off x="4156753" y="3188411"/>
+            <a:ext cx="948647" cy="304800"/>
+          </a:xfrm>
+          <a:prstGeom prst="rightArrow">
+            <a:avLst/>
+          </a:prstGeom>
+        </p:spPr>
+        <p:style>
+          <a:lnRef idx="2">
+            <a:schemeClr val="accent1">
+              <a:shade val="50000"/>
+            </a:schemeClr>
+          </a:lnRef>
+          <a:fillRef idx="1">
+            <a:schemeClr val="accent1"/>
+          </a:fillRef>
+          <a:effectRef idx="0">
+            <a:schemeClr val="accent1"/>
+          </a:effectRef>
+          <a:fontRef idx="minor">
+            <a:schemeClr val="lt1"/>
+          </a:fontRef>
+        </p:style>
+        <p:txBody>
+          <a:bodyPr rtlCol="0" anchor="ctr"/>
+          <a:lstStyle/>
+          <a:p>
+            <a:pPr algn="ctr"/>
+            <a:r>
+              <a:rPr lang="en-US" dirty="0" smtClean="0"/>
+              <a:t>18</a:t>
+            </a:r>
+            <a:endParaRPr lang="en-US" dirty="0"/>
+          </a:p>
+        </p:txBody>
+      </p:sp>
+      <p:sp>
+        <p:nvSpPr>
+          <p:cNvPr id="14" name="Pentagon 13"/>
+          <p:cNvSpPr/>
+          <p:nvPr/>
+        </p:nvSpPr>
+        <p:spPr>
+          <a:xfrm>
+            <a:off x="5105400" y="2362200"/>
+            <a:ext cx="1371600" cy="1295400"/>
+          </a:xfrm>
+          <a:prstGeom prst="homePlate">
+            <a:avLst/>
+          </a:prstGeom>
+        </p:spPr>
+        <p:style>
+          <a:lnRef idx="2">
+            <a:schemeClr val="accent1">
+              <a:shade val="50000"/>
+            </a:schemeClr>
+          </a:lnRef>
+          <a:fillRef idx="1">
+            <a:schemeClr val="accent1"/>
+          </a:fillRef>
+          <a:effectRef idx="0">
+            <a:schemeClr val="accent1"/>
+          </a:effectRef>
+          <a:fontRef idx="minor">
+            <a:schemeClr val="lt1"/>
+          </a:fontRef>
+        </p:style>
+        <p:txBody>
+          <a:bodyPr rtlCol="0" anchor="ctr"/>
+          <a:lstStyle/>
+          <a:p>
+            <a:pPr algn="ctr"/>
+            <a:r>
+              <a:rPr lang="en-US" dirty="0" err="1" smtClean="0"/>
+              <a:t>Compar</a:t>
+            </a:r>
+            <a:r>
+              <a:rPr lang="en-US" dirty="0" smtClean="0"/>
+              <a:t>-</a:t>
+            </a:r>
+          </a:p>
+          <a:p>
+            <a:pPr algn="ctr"/>
+            <a:r>
+              <a:rPr lang="en-US" dirty="0" err="1" smtClean="0"/>
+              <a:t>ator</a:t>
+            </a:r>
+            <a:endParaRPr lang="en-US" dirty="0"/>
+          </a:p>
+        </p:txBody>
+      </p:sp>
+      <p:sp>
+        <p:nvSpPr>
+          <p:cNvPr id="25" name="Right Arrow 24"/>
+          <p:cNvSpPr/>
+          <p:nvPr/>
+        </p:nvSpPr>
+        <p:spPr>
+          <a:xfrm>
+            <a:off x="4267200" y="2514600"/>
+            <a:ext cx="838200" cy="304800"/>
+          </a:xfrm>
+          <a:prstGeom prst="rightArrow">
+            <a:avLst/>
+          </a:prstGeom>
+        </p:spPr>
+        <p:style>
+          <a:lnRef idx="2">
+            <a:schemeClr val="accent1">
+              <a:shade val="50000"/>
+            </a:schemeClr>
+          </a:lnRef>
+          <a:fillRef idx="1">
+            <a:schemeClr val="accent1"/>
+          </a:fillRef>
+          <a:effectRef idx="0">
+            <a:schemeClr val="accent1"/>
+          </a:effectRef>
+          <a:fontRef idx="minor">
+            <a:schemeClr val="lt1"/>
+          </a:fontRef>
+        </p:style>
+        <p:txBody>
+          <a:bodyPr rtlCol="0" anchor="ctr"/>
+          <a:lstStyle/>
+          <a:p>
+            <a:pPr algn="ctr"/>
+            <a:r>
+              <a:rPr lang="en-US" dirty="0" smtClean="0"/>
+              <a:t>All 1’s</a:t>
+            </a:r>
+            <a:endParaRPr lang="en-US" dirty="0"/>
+          </a:p>
+        </p:txBody>
+      </p:sp>
+      <p:cxnSp>
+        <p:nvCxnSpPr>
+          <p:cNvPr id="26" name="Straight Arrow Connector 25"/>
+          <p:cNvCxnSpPr/>
+          <p:nvPr/>
+        </p:nvCxnSpPr>
+        <p:spPr>
+          <a:xfrm>
+            <a:off x="6477000" y="3012285"/>
+            <a:ext cx="685800" cy="0"/>
+          </a:xfrm>
+          <a:prstGeom prst="straightConnector1">
+            <a:avLst/>
+          </a:prstGeom>
+          <a:ln>
+            <a:tailEnd type="arrow"/>
+          </a:ln>
+        </p:spPr>
+        <p:style>
+          <a:lnRef idx="1">
+            <a:schemeClr val="accent1"/>
+          </a:lnRef>
+          <a:fillRef idx="0">
+            <a:schemeClr val="accent1"/>
+          </a:fillRef>
+          <a:effectRef idx="0">
+            <a:schemeClr val="accent1"/>
+          </a:effectRef>
+          <a:fontRef idx="minor">
+            <a:schemeClr val="tx1"/>
+          </a:fontRef>
+        </p:style>
+      </p:cxnSp>
+      <p:sp>
+        <p:nvSpPr>
+          <p:cNvPr id="28" name="TextBox 27"/>
+          <p:cNvSpPr txBox="1"/>
+          <p:nvPr/>
+        </p:nvSpPr>
+        <p:spPr>
+          <a:xfrm>
+            <a:off x="6477000" y="2667000"/>
+            <a:ext cx="609600" cy="369332"/>
+          </a:xfrm>
+          <a:prstGeom prst="rect">
+            <a:avLst/>
+          </a:prstGeom>
+          <a:noFill/>
+        </p:spPr>
+        <p:txBody>
+          <a:bodyPr wrap="square" rtlCol="0">
+            <a:spAutoFit/>
+          </a:bodyPr>
+          <a:lstStyle/>
+          <a:p>
+            <a:r>
+              <a:rPr lang="en-US" dirty="0" smtClean="0"/>
+              <a:t>TC</a:t>
+            </a:r>
+            <a:endParaRPr lang="en-US" dirty="0"/>
+          </a:p>
+        </p:txBody>
+      </p:sp>
+      <p:cxnSp>
+        <p:nvCxnSpPr>
+          <p:cNvPr id="29" name="Straight Arrow Connector 28"/>
+          <p:cNvCxnSpPr>
+            <a:endCxn id="4" idx="0"/>
+          </p:cNvCxnSpPr>
+          <p:nvPr/>
+        </p:nvCxnSpPr>
+        <p:spPr>
+          <a:xfrm>
+            <a:off x="3603661" y="1524000"/>
+            <a:ext cx="0" cy="521411"/>
+          </a:xfrm>
+          <a:prstGeom prst="straightConnector1">
+            <a:avLst/>
+          </a:prstGeom>
+          <a:ln>
+            <a:tailEnd type="arrow"/>
+          </a:ln>
+        </p:spPr>
+        <p:style>
+          <a:lnRef idx="1">
+            <a:schemeClr val="accent1"/>
+          </a:lnRef>
+          <a:fillRef idx="0">
+            <a:schemeClr val="accent1"/>
+          </a:fillRef>
+          <a:effectRef idx="0">
+            <a:schemeClr val="accent1"/>
+          </a:effectRef>
+          <a:fontRef idx="minor">
+            <a:schemeClr val="tx1"/>
+          </a:fontRef>
+        </p:style>
+      </p:cxnSp>
+      <p:cxnSp>
+        <p:nvCxnSpPr>
+          <p:cNvPr id="34" name="Straight Connector 33"/>
+          <p:cNvCxnSpPr/>
+          <p:nvPr/>
+        </p:nvCxnSpPr>
+        <p:spPr>
+          <a:xfrm flipV="1">
+            <a:off x="7162800" y="1524000"/>
+            <a:ext cx="0" cy="1512332"/>
+          </a:xfrm>
+          <a:prstGeom prst="line">
+            <a:avLst/>
+          </a:prstGeom>
+        </p:spPr>
+        <p:style>
+          <a:lnRef idx="1">
+            <a:schemeClr val="accent1"/>
+          </a:lnRef>
+          <a:fillRef idx="0">
+            <a:schemeClr val="accent1"/>
+          </a:fillRef>
+          <a:effectRef idx="0">
+            <a:schemeClr val="accent1"/>
+          </a:effectRef>
+          <a:fontRef idx="minor">
+            <a:schemeClr val="tx1"/>
+          </a:fontRef>
+        </p:style>
+      </p:cxnSp>
+      <p:cxnSp>
+        <p:nvCxnSpPr>
+          <p:cNvPr id="35" name="Straight Connector 34"/>
+          <p:cNvCxnSpPr/>
+          <p:nvPr/>
+        </p:nvCxnSpPr>
+        <p:spPr>
+          <a:xfrm flipH="1">
+            <a:off x="3603662" y="1524000"/>
+            <a:ext cx="3559138" cy="0"/>
+          </a:xfrm>
+          <a:prstGeom prst="line">
+            <a:avLst/>
+          </a:prstGeom>
+        </p:spPr>
+        <p:style>
+          <a:lnRef idx="1">
+            <a:schemeClr val="accent1"/>
+          </a:lnRef>
+          <a:fillRef idx="0">
+            <a:schemeClr val="accent1"/>
+          </a:fillRef>
+          <a:effectRef idx="0">
+            <a:schemeClr val="accent1"/>
+          </a:effectRef>
+          <a:fontRef idx="minor">
+            <a:schemeClr val="tx1"/>
+          </a:fontRef>
+        </p:style>
+      </p:cxnSp>
+      <p:sp>
+        <p:nvSpPr>
+          <p:cNvPr id="39" name="TextBox 38"/>
+          <p:cNvSpPr txBox="1"/>
+          <p:nvPr/>
+        </p:nvSpPr>
+        <p:spPr>
+          <a:xfrm>
+            <a:off x="3641760" y="1695129"/>
+            <a:ext cx="777839" cy="369332"/>
+          </a:xfrm>
+          <a:prstGeom prst="rect">
+            <a:avLst/>
+          </a:prstGeom>
+          <a:noFill/>
+        </p:spPr>
+        <p:txBody>
+          <a:bodyPr wrap="square" rtlCol="0">
+            <a:spAutoFit/>
+          </a:bodyPr>
+          <a:lstStyle/>
+          <a:p>
+            <a:r>
+              <a:rPr lang="en-US" dirty="0" smtClean="0"/>
+              <a:t>LOAD</a:t>
+            </a:r>
+            <a:endParaRPr lang="en-US" dirty="0"/>
+          </a:p>
+        </p:txBody>
+      </p:sp>
+      <p:sp>
+        <p:nvSpPr>
+          <p:cNvPr id="41" name="Right Arrow 40"/>
+          <p:cNvSpPr/>
+          <p:nvPr/>
+        </p:nvSpPr>
+        <p:spPr>
+          <a:xfrm>
+            <a:off x="914400" y="3188411"/>
+            <a:ext cx="2155861" cy="304800"/>
+          </a:xfrm>
+          <a:prstGeom prst="rightArrow">
+            <a:avLst/>
+          </a:prstGeom>
+        </p:spPr>
+        <p:style>
+          <a:lnRef idx="2">
+            <a:schemeClr val="accent1">
+              <a:shade val="50000"/>
+            </a:schemeClr>
+          </a:lnRef>
+          <a:fillRef idx="1">
+            <a:schemeClr val="accent1"/>
+          </a:fillRef>
+          <a:effectRef idx="0">
+            <a:schemeClr val="accent1"/>
+          </a:effectRef>
+          <a:fontRef idx="minor">
+            <a:schemeClr val="lt1"/>
+          </a:fontRef>
+        </p:style>
+        <p:txBody>
+          <a:bodyPr rtlCol="0" anchor="ctr"/>
+          <a:lstStyle/>
+          <a:p>
+            <a:pPr algn="ctr"/>
+            <a:r>
+              <a:rPr lang="en-US" dirty="0" smtClean="0"/>
+              <a:t>1xx..xx</a:t>
+            </a:r>
+            <a:endParaRPr lang="en-US" dirty="0"/>
+          </a:p>
+        </p:txBody>
+      </p:sp>
+      <p:sp>
+        <p:nvSpPr>
+          <p:cNvPr id="42" name="TextBox 41"/>
+          <p:cNvSpPr txBox="1"/>
+          <p:nvPr/>
+        </p:nvSpPr>
+        <p:spPr>
+          <a:xfrm>
+            <a:off x="944580" y="2946434"/>
+            <a:ext cx="1752600" cy="369332"/>
+          </a:xfrm>
+          <a:prstGeom prst="rect">
+            <a:avLst/>
+          </a:prstGeom>
+          <a:noFill/>
+        </p:spPr>
+        <p:txBody>
+          <a:bodyPr wrap="square" rtlCol="0">
+            <a:spAutoFit/>
+          </a:bodyPr>
+          <a:lstStyle/>
+          <a:p>
+            <a:r>
+              <a:rPr lang="en-US" dirty="0" smtClean="0"/>
+              <a:t>Starting Count</a:t>
+            </a:r>
+            <a:endParaRPr lang="en-US" dirty="0"/>
+          </a:p>
+        </p:txBody>
+      </p:sp>
+      <p:sp>
+        <p:nvSpPr>
+          <p:cNvPr id="44" name="TextBox 43"/>
+          <p:cNvSpPr txBox="1"/>
+          <p:nvPr/>
+        </p:nvSpPr>
+        <p:spPr>
+          <a:xfrm>
+            <a:off x="3603661" y="4724079"/>
+            <a:ext cx="777839" cy="369332"/>
+          </a:xfrm>
+          <a:prstGeom prst="rect">
+            <a:avLst/>
+          </a:prstGeom>
+          <a:noFill/>
+        </p:spPr>
+        <p:txBody>
+          <a:bodyPr wrap="square" rtlCol="0">
+            <a:spAutoFit/>
+          </a:bodyPr>
+          <a:lstStyle/>
+          <a:p>
+            <a:r>
+              <a:rPr lang="en-US" dirty="0" smtClean="0"/>
+              <a:t>CLK50</a:t>
+            </a:r>
+            <a:endParaRPr lang="en-US" dirty="0"/>
+          </a:p>
+        </p:txBody>
+      </p:sp>
+      <p:cxnSp>
+        <p:nvCxnSpPr>
+          <p:cNvPr id="45" name="Straight Arrow Connector 44"/>
+          <p:cNvCxnSpPr/>
+          <p:nvPr/>
+        </p:nvCxnSpPr>
+        <p:spPr>
+          <a:xfrm>
+            <a:off x="4631076" y="4114800"/>
+            <a:ext cx="2379324" cy="0"/>
+          </a:xfrm>
+          <a:prstGeom prst="straightConnector1">
+            <a:avLst/>
+          </a:prstGeom>
+          <a:ln>
+            <a:tailEnd type="arrow"/>
+          </a:ln>
+        </p:spPr>
+        <p:style>
+          <a:lnRef idx="1">
+            <a:schemeClr val="accent1"/>
+          </a:lnRef>
+          <a:fillRef idx="0">
+            <a:schemeClr val="accent1"/>
+          </a:fillRef>
+          <a:effectRef idx="0">
+            <a:schemeClr val="accent1"/>
+          </a:effectRef>
+          <a:fontRef idx="minor">
+            <a:schemeClr val="tx1"/>
+          </a:fontRef>
+        </p:style>
+      </p:cxnSp>
+      <p:cxnSp>
+        <p:nvCxnSpPr>
+          <p:cNvPr id="47" name="Straight Connector 46"/>
+          <p:cNvCxnSpPr/>
+          <p:nvPr/>
+        </p:nvCxnSpPr>
+        <p:spPr>
+          <a:xfrm flipV="1">
+            <a:off x="4600254" y="3396413"/>
+            <a:ext cx="0" cy="718387"/>
+          </a:xfrm>
+          <a:prstGeom prst="line">
+            <a:avLst/>
+          </a:prstGeom>
+        </p:spPr>
+        <p:style>
+          <a:lnRef idx="1">
+            <a:schemeClr val="accent1"/>
+          </a:lnRef>
+          <a:fillRef idx="0">
+            <a:schemeClr val="accent1"/>
+          </a:fillRef>
+          <a:effectRef idx="0">
+            <a:schemeClr val="accent1"/>
+          </a:effectRef>
+          <a:fontRef idx="minor">
+            <a:schemeClr val="tx1"/>
+          </a:fontRef>
+        </p:style>
+      </p:cxnSp>
+      <p:sp>
+        <p:nvSpPr>
+          <p:cNvPr id="49" name="TextBox 48"/>
+          <p:cNvSpPr txBox="1"/>
+          <p:nvPr/>
+        </p:nvSpPr>
+        <p:spPr>
+          <a:xfrm>
+            <a:off x="5486400" y="3755606"/>
+            <a:ext cx="609600" cy="369332"/>
+          </a:xfrm>
+          <a:prstGeom prst="rect">
+            <a:avLst/>
+          </a:prstGeom>
+          <a:noFill/>
+        </p:spPr>
+        <p:txBody>
+          <a:bodyPr wrap="square" rtlCol="0">
+            <a:spAutoFit/>
+          </a:bodyPr>
+          <a:lstStyle/>
+          <a:p>
+            <a:r>
+              <a:rPr lang="en-US" dirty="0" smtClean="0"/>
+              <a:t>MSB</a:t>
+            </a:r>
+            <a:endParaRPr lang="en-US" dirty="0"/>
+          </a:p>
+        </p:txBody>
+      </p:sp>
+      <p:sp>
+        <p:nvSpPr>
+          <p:cNvPr id="50" name="TextBox 49"/>
+          <p:cNvSpPr txBox="1"/>
+          <p:nvPr/>
+        </p:nvSpPr>
+        <p:spPr>
+          <a:xfrm>
+            <a:off x="7010400" y="3801772"/>
+            <a:ext cx="1447800" cy="646331"/>
+          </a:xfrm>
+          <a:prstGeom prst="rect">
+            <a:avLst/>
+          </a:prstGeom>
+          <a:noFill/>
+        </p:spPr>
+        <p:txBody>
+          <a:bodyPr wrap="square" rtlCol="0">
+            <a:spAutoFit/>
+          </a:bodyPr>
+          <a:lstStyle/>
+          <a:p>
+            <a:r>
+              <a:rPr lang="en-US" dirty="0" smtClean="0"/>
+              <a:t>Sound Out</a:t>
+            </a:r>
+          </a:p>
+          <a:p>
+            <a:r>
+              <a:rPr lang="en-US" dirty="0" smtClean="0"/>
+              <a:t>to Buzzer</a:t>
+            </a:r>
+            <a:endParaRPr lang="en-US" dirty="0"/>
           </a:p>
         </p:txBody>
       </p:sp>
     </p:spTree>
     <p:extLst>
       <p:ext uri="{BB962C8B-B14F-4D97-AF65-F5344CB8AC3E}">
-        <p14:creationId xmlns:p14="http://schemas.microsoft.com/office/powerpoint/2010/main" val="4197170676"/>
+        <p14:creationId xmlns:p14="http://schemas.microsoft.com/office/powerpoint/2010/main" val="4219122191"/>
       </p:ext>
     </p:extLst>
   </p:cSld>
@@ -5591,4 +8612,289 @@
   <a:objectDefaults/>
   <a:extraClrSchemeLst/>
 </a:theme>
+</file>
+
+<file path=ppt/theme/theme2.xml><?xml version="1.0" encoding="utf-8"?>
+<a:theme xmlns:a="http://schemas.openxmlformats.org/drawingml/2006/main" name="Office Theme">
+  <a:themeElements>
+    <a:clrScheme name="Office">
+      <a:dk1>
+        <a:sysClr val="windowText" lastClr="000000"/>
+      </a:dk1>
+      <a:lt1>
+        <a:sysClr val="window" lastClr="FFFFFF"/>
+      </a:lt1>
+      <a:dk2>
+        <a:srgbClr val="1F497D"/>
+      </a:dk2>
+      <a:lt2>
+        <a:srgbClr val="EEECE1"/>
+      </a:lt2>
+      <a:accent1>
+        <a:srgbClr val="4F81BD"/>
+      </a:accent1>
+      <a:accent2>
+        <a:srgbClr val="C0504D"/>
+      </a:accent2>
+      <a:accent3>
+        <a:srgbClr val="9BBB59"/>
+      </a:accent3>
+      <a:accent4>
+        <a:srgbClr val="8064A2"/>
+      </a:accent4>
+      <a:accent5>
+        <a:srgbClr val="4BACC6"/>
+      </a:accent5>
+      <a:accent6>
+        <a:srgbClr val="F79646"/>
+      </a:accent6>
+      <a:hlink>
+        <a:srgbClr val="0000FF"/>
+      </a:hlink>
+      <a:folHlink>
+        <a:srgbClr val="800080"/>
+      </a:folHlink>
+    </a:clrScheme>
+    <a:fontScheme name="Office">
+      <a:majorFont>
+        <a:latin typeface="Calibri"/>
+        <a:ea typeface=""/>
+        <a:cs typeface=""/>
+        <a:font script="Jpan" typeface="ＭＳ Ｐゴシック"/>
+        <a:font script="Hang" typeface="맑은 고딕"/>
+        <a:font script="Hans" typeface="宋体"/>
+        <a:font script="Hant" typeface="新細明體"/>
+        <a:font script="Arab" typeface="Times New Roman"/>
+        <a:font script="Hebr" typeface="Times New Roman"/>
+        <a:font script="Thai" typeface="Angsana New"/>
+        <a:font script="Ethi" typeface="Nyala"/>
+        <a:font script="Beng" typeface="Vrinda"/>
+        <a:font script="Gujr" typeface="Shruti"/>
+        <a:font script="Khmr" typeface="MoolBoran"/>
+        <a:font script="Knda" typeface="Tunga"/>
+        <a:font script="Guru" typeface="Raavi"/>
+        <a:font script="Cans" typeface="Euphemia"/>
+        <a:font script="Cher" typeface="Plantagenet Cherokee"/>
+        <a:font script="Yiii" typeface="Microsoft Yi Baiti"/>
+        <a:font script="Tibt" typeface="Microsoft Himalaya"/>
+        <a:font script="Thaa" typeface="MV Boli"/>
+        <a:font script="Deva" typeface="Mangal"/>
+        <a:font script="Telu" typeface="Gautami"/>
+        <a:font script="Taml" typeface="Latha"/>
+        <a:font script="Syrc" typeface="Estrangelo Edessa"/>
+        <a:font script="Orya" typeface="Kalinga"/>
+        <a:font script="Mlym" typeface="Kartika"/>
+        <a:font script="Laoo" typeface="DokChampa"/>
+        <a:font script="Sinh" typeface="Iskoola Pota"/>
+        <a:font script="Mong" typeface="Mongolian Baiti"/>
+        <a:font script="Viet" typeface="Times New Roman"/>
+        <a:font script="Uigh" typeface="Microsoft Uighur"/>
+        <a:font script="Geor" typeface="Sylfaen"/>
+      </a:majorFont>
+      <a:minorFont>
+        <a:latin typeface="Calibri"/>
+        <a:ea typeface=""/>
+        <a:cs typeface=""/>
+        <a:font script="Jpan" typeface="ＭＳ Ｐゴシック"/>
+        <a:font script="Hang" typeface="맑은 고딕"/>
+        <a:font script="Hans" typeface="宋体"/>
+        <a:font script="Hant" typeface="新細明體"/>
+        <a:font script="Arab" typeface="Arial"/>
+        <a:font script="Hebr" typeface="Arial"/>
+        <a:font script="Thai" typeface="Cordia New"/>
+        <a:font script="Ethi" typeface="Nyala"/>
+        <a:font script="Beng" typeface="Vrinda"/>
+        <a:font script="Gujr" typeface="Shruti"/>
+        <a:font script="Khmr" typeface="DaunPenh"/>
+        <a:font script="Knda" typeface="Tunga"/>
+        <a:font script="Guru" typeface="Raavi"/>
+        <a:font script="Cans" typeface="Euphemia"/>
+        <a:font script="Cher" typeface="Plantagenet Cherokee"/>
+        <a:font script="Yiii" typeface="Microsoft Yi Baiti"/>
+        <a:font script="Tibt" typeface="Microsoft Himalaya"/>
+        <a:font script="Thaa" typeface="MV Boli"/>
+        <a:font script="Deva" typeface="Mangal"/>
+        <a:font script="Telu" typeface="Gautami"/>
+        <a:font script="Taml" typeface="Latha"/>
+        <a:font script="Syrc" typeface="Estrangelo Edessa"/>
+        <a:font script="Orya" typeface="Kalinga"/>
+        <a:font script="Mlym" typeface="Kartika"/>
+        <a:font script="Laoo" typeface="DokChampa"/>
+        <a:font script="Sinh" typeface="Iskoola Pota"/>
+        <a:font script="Mong" typeface="Mongolian Baiti"/>
+        <a:font script="Viet" typeface="Arial"/>
+        <a:font script="Uigh" typeface="Microsoft Uighur"/>
+        <a:font script="Geor" typeface="Sylfaen"/>
+      </a:minorFont>
+    </a:fontScheme>
+    <a:fmtScheme name="Office">
+      <a:fillStyleLst>
+        <a:solidFill>
+          <a:schemeClr val="phClr"/>
+        </a:solidFill>
+        <a:gradFill rotWithShape="1">
+          <a:gsLst>
+            <a:gs pos="0">
+              <a:schemeClr val="phClr">
+                <a:tint val="50000"/>
+                <a:satMod val="300000"/>
+              </a:schemeClr>
+            </a:gs>
+            <a:gs pos="35000">
+              <a:schemeClr val="phClr">
+                <a:tint val="37000"/>
+                <a:satMod val="300000"/>
+              </a:schemeClr>
+            </a:gs>
+            <a:gs pos="100000">
+              <a:schemeClr val="phClr">
+                <a:tint val="15000"/>
+                <a:satMod val="350000"/>
+              </a:schemeClr>
+            </a:gs>
+          </a:gsLst>
+          <a:lin ang="16200000" scaled="1"/>
+        </a:gradFill>
+        <a:gradFill rotWithShape="1">
+          <a:gsLst>
+            <a:gs pos="0">
+              <a:schemeClr val="phClr">
+                <a:shade val="51000"/>
+                <a:satMod val="130000"/>
+              </a:schemeClr>
+            </a:gs>
+            <a:gs pos="80000">
+              <a:schemeClr val="phClr">
+                <a:shade val="93000"/>
+                <a:satMod val="130000"/>
+              </a:schemeClr>
+            </a:gs>
+            <a:gs pos="100000">
+              <a:schemeClr val="phClr">
+                <a:shade val="94000"/>
+                <a:satMod val="135000"/>
+              </a:schemeClr>
+            </a:gs>
+          </a:gsLst>
+          <a:lin ang="16200000" scaled="0"/>
+        </a:gradFill>
+      </a:fillStyleLst>
+      <a:lnStyleLst>
+        <a:ln w="9525" cap="flat" cmpd="sng" algn="ctr">
+          <a:solidFill>
+            <a:schemeClr val="phClr">
+              <a:shade val="95000"/>
+              <a:satMod val="105000"/>
+            </a:schemeClr>
+          </a:solidFill>
+          <a:prstDash val="solid"/>
+        </a:ln>
+        <a:ln w="25400" cap="flat" cmpd="sng" algn="ctr">
+          <a:solidFill>
+            <a:schemeClr val="phClr"/>
+          </a:solidFill>
+          <a:prstDash val="solid"/>
+        </a:ln>
+        <a:ln w="38100" cap="flat" cmpd="sng" algn="ctr">
+          <a:solidFill>
+            <a:schemeClr val="phClr"/>
+          </a:solidFill>
+          <a:prstDash val="solid"/>
+        </a:ln>
+      </a:lnStyleLst>
+      <a:effectStyleLst>
+        <a:effectStyle>
+          <a:effectLst>
+            <a:outerShdw blurRad="40000" dist="20000" dir="5400000" rotWithShape="0">
+              <a:srgbClr val="000000">
+                <a:alpha val="38000"/>
+              </a:srgbClr>
+            </a:outerShdw>
+          </a:effectLst>
+        </a:effectStyle>
+        <a:effectStyle>
+          <a:effectLst>
+            <a:outerShdw blurRad="40000" dist="23000" dir="5400000" rotWithShape="0">
+              <a:srgbClr val="000000">
+                <a:alpha val="35000"/>
+              </a:srgbClr>
+            </a:outerShdw>
+          </a:effectLst>
+        </a:effectStyle>
+        <a:effectStyle>
+          <a:effectLst>
+            <a:outerShdw blurRad="40000" dist="23000" dir="5400000" rotWithShape="0">
+              <a:srgbClr val="000000">
+                <a:alpha val="35000"/>
+              </a:srgbClr>
+            </a:outerShdw>
+          </a:effectLst>
+          <a:scene3d>
+            <a:camera prst="orthographicFront">
+              <a:rot lat="0" lon="0" rev="0"/>
+            </a:camera>
+            <a:lightRig rig="threePt" dir="t">
+              <a:rot lat="0" lon="0" rev="1200000"/>
+            </a:lightRig>
+          </a:scene3d>
+          <a:sp3d>
+            <a:bevelT w="63500" h="25400"/>
+          </a:sp3d>
+        </a:effectStyle>
+      </a:effectStyleLst>
+      <a:bgFillStyleLst>
+        <a:solidFill>
+          <a:schemeClr val="phClr"/>
+        </a:solidFill>
+        <a:gradFill rotWithShape="1">
+          <a:gsLst>
+            <a:gs pos="0">
+              <a:schemeClr val="phClr">
+                <a:tint val="40000"/>
+                <a:satMod val="350000"/>
+              </a:schemeClr>
+            </a:gs>
+            <a:gs pos="40000">
+              <a:schemeClr val="phClr">
+                <a:tint val="45000"/>
+                <a:shade val="99000"/>
+                <a:satMod val="350000"/>
+              </a:schemeClr>
+            </a:gs>
+            <a:gs pos="100000">
+              <a:schemeClr val="phClr">
+                <a:shade val="20000"/>
+                <a:satMod val="255000"/>
+              </a:schemeClr>
+            </a:gs>
+          </a:gsLst>
+          <a:path path="circle">
+            <a:fillToRect l="50000" t="-80000" r="50000" b="180000"/>
+          </a:path>
+        </a:gradFill>
+        <a:gradFill rotWithShape="1">
+          <a:gsLst>
+            <a:gs pos="0">
+              <a:schemeClr val="phClr">
+                <a:tint val="80000"/>
+                <a:satMod val="300000"/>
+              </a:schemeClr>
+            </a:gs>
+            <a:gs pos="100000">
+              <a:schemeClr val="phClr">
+                <a:shade val="30000"/>
+                <a:satMod val="200000"/>
+              </a:schemeClr>
+            </a:gs>
+          </a:gsLst>
+          <a:path path="circle">
+            <a:fillToRect l="50000" t="50000" r="50000" b="50000"/>
+          </a:path>
+        </a:gradFill>
+      </a:bgFillStyleLst>
+    </a:fmtScheme>
+  </a:themeElements>
+  <a:objectDefaults/>
+  <a:extraClrSchemeLst/>
+</a:theme>
 </file>